--- a/Document/軟體測試期末簡報.pptx
+++ b/Document/軟體測試期末簡報.pptx
@@ -5,10 +5,10 @@
     <p:sldMasterId id="2147483658" r:id="rId1"/>
   </p:sldMasterIdLst>
   <p:notesMasterIdLst>
-    <p:notesMasterId r:id="rId20"/>
+    <p:notesMasterId r:id="rId21"/>
   </p:notesMasterIdLst>
   <p:handoutMasterIdLst>
-    <p:handoutMasterId r:id="rId21"/>
+    <p:handoutMasterId r:id="rId22"/>
   </p:handoutMasterIdLst>
   <p:sldIdLst>
     <p:sldId id="256" r:id="rId2"/>
@@ -21,43 +21,44 @@
     <p:sldId id="310" r:id="rId9"/>
     <p:sldId id="311" r:id="rId10"/>
     <p:sldId id="292" r:id="rId11"/>
-    <p:sldId id="314" r:id="rId12"/>
-    <p:sldId id="288" r:id="rId13"/>
-    <p:sldId id="291" r:id="rId14"/>
-    <p:sldId id="294" r:id="rId15"/>
-    <p:sldId id="315" r:id="rId16"/>
-    <p:sldId id="298" r:id="rId17"/>
-    <p:sldId id="301" r:id="rId18"/>
-    <p:sldId id="302" r:id="rId19"/>
+    <p:sldId id="316" r:id="rId12"/>
+    <p:sldId id="317" r:id="rId13"/>
+    <p:sldId id="314" r:id="rId14"/>
+    <p:sldId id="288" r:id="rId15"/>
+    <p:sldId id="291" r:id="rId16"/>
+    <p:sldId id="315" r:id="rId17"/>
+    <p:sldId id="298" r:id="rId18"/>
+    <p:sldId id="301" r:id="rId19"/>
+    <p:sldId id="302" r:id="rId20"/>
   </p:sldIdLst>
   <p:sldSz cx="9144000" cy="6858000" type="screen4x3"/>
   <p:notesSz cx="9869488" cy="6735763"/>
   <p:embeddedFontLst>
     <p:embeddedFont>
       <p:font typeface="Lato" panose="02020500000000000000" charset="0"/>
-      <p:regular r:id="rId22"/>
-      <p:bold r:id="rId23"/>
-      <p:italic r:id="rId24"/>
-      <p:boldItalic r:id="rId25"/>
+      <p:regular r:id="rId23"/>
+      <p:bold r:id="rId24"/>
+      <p:italic r:id="rId25"/>
+      <p:boldItalic r:id="rId26"/>
     </p:embeddedFont>
     <p:embeddedFont>
       <p:font typeface="Raleway" panose="02020500000000000000" charset="0"/>
-      <p:regular r:id="rId26"/>
-      <p:bold r:id="rId27"/>
-      <p:italic r:id="rId28"/>
-      <p:boldItalic r:id="rId29"/>
+      <p:regular r:id="rId27"/>
+      <p:bold r:id="rId28"/>
+      <p:italic r:id="rId29"/>
+      <p:boldItalic r:id="rId30"/>
     </p:embeddedFont>
     <p:embeddedFont>
       <p:font typeface="Calibri" panose="020F0502020204030204" pitchFamily="34" charset="0"/>
-      <p:regular r:id="rId30"/>
-      <p:bold r:id="rId31"/>
-      <p:italic r:id="rId32"/>
-      <p:boldItalic r:id="rId33"/>
+      <p:regular r:id="rId31"/>
+      <p:bold r:id="rId32"/>
+      <p:italic r:id="rId33"/>
+      <p:boldItalic r:id="rId34"/>
     </p:embeddedFont>
     <p:embeddedFont>
       <p:font typeface="微軟正黑體" panose="020B0604030504040204" pitchFamily="34" charset="-120"/>
-      <p:regular r:id="rId34"/>
-      <p:bold r:id="rId35"/>
+      <p:regular r:id="rId35"/>
+      <p:bold r:id="rId36"/>
     </p:embeddedFont>
   </p:embeddedFontLst>
   <p:defaultTextStyle>
@@ -1006,11 +1007,11 @@
 </file>
 
 <file path=ppt/notesSlides/notesSlide10.xml><?xml version="1.0" encoding="utf-8"?>
-<p:notes xmlns:a="http://schemas.openxmlformats.org/drawingml/2006/main" xmlns:r="http://schemas.openxmlformats.org/officeDocument/2006/relationships" xmlns:p="http://schemas.openxmlformats.org/presentationml/2006/main" showMasterSp="0" showMasterPhAnim="0">
+<p:notes xmlns:a="http://schemas.openxmlformats.org/drawingml/2006/main" xmlns:r="http://schemas.openxmlformats.org/officeDocument/2006/relationships" xmlns:p="http://schemas.openxmlformats.org/presentationml/2006/main">
   <p:cSld>
     <p:spTree>
       <p:nvGrpSpPr>
-        <p:cNvPr id="1" name="Shape 140"/>
+        <p:cNvPr id="1" name=""/>
         <p:cNvGrpSpPr/>
         <p:nvPr/>
       </p:nvGrpSpPr>
@@ -1024,7 +1025,134 @@
       </p:grpSpPr>
       <p:sp>
         <p:nvSpPr>
-          <p:cNvPr id="141" name="Google Shape;141;g35f391192_017:notes"/>
+          <p:cNvPr id="2" name="投影片圖像版面配置區 1"/>
+          <p:cNvSpPr>
+            <a:spLocks noGrp="1" noRot="1" noChangeAspect="1"/>
+          </p:cNvSpPr>
+          <p:nvPr>
+            <p:ph type="sldImg"/>
+          </p:nvPr>
+        </p:nvSpPr>
+        <p:spPr/>
+      </p:sp>
+      <p:sp>
+        <p:nvSpPr>
+          <p:cNvPr id="3" name="備忘稿版面配置區 2"/>
+          <p:cNvSpPr>
+            <a:spLocks noGrp="1"/>
+          </p:cNvSpPr>
+          <p:nvPr>
+            <p:ph type="body" idx="1"/>
+          </p:nvPr>
+        </p:nvSpPr>
+        <p:spPr/>
+        <p:txBody>
+          <a:bodyPr/>
+          <a:lstStyle/>
+          <a:p>
+            <a:r>
+              <a:rPr lang="en-US" altLang="zh-TW" dirty="0" smtClean="0"/>
+              <a:t>C1: have null string</a:t>
+            </a:r>
+          </a:p>
+          <a:p>
+            <a:r>
+              <a:rPr lang="en-US" altLang="zh-TW" dirty="0" smtClean="0"/>
+              <a:t>C2: special character(</a:t>
+            </a:r>
+            <a:r>
+              <a:rPr lang="zh-TW" altLang="en-US" dirty="0" smtClean="0"/>
+              <a:t>空白</a:t>
+            </a:r>
+            <a:r>
+              <a:rPr lang="en-US" altLang="zh-TW" dirty="0" smtClean="0"/>
+              <a:t>)</a:t>
+            </a:r>
+            <a:r>
+              <a:rPr lang="zh-TW" altLang="en-US" dirty="0" smtClean="0"/>
+              <a:t> 說明 那些字元 為什麼是這些字元</a:t>
+            </a:r>
+            <a:endParaRPr lang="en-US" altLang="zh-TW" dirty="0" smtClean="0"/>
+          </a:p>
+          <a:p>
+            <a:r>
+              <a:rPr lang="en-US" altLang="zh-TW" dirty="0" smtClean="0"/>
+              <a:t>C3: valid string</a:t>
+            </a:r>
+            <a:r>
+              <a:rPr lang="zh-TW" altLang="en-US" dirty="0" smtClean="0"/>
+              <a:t> </a:t>
+            </a:r>
+            <a:r>
+              <a:rPr lang="en-US" altLang="zh-TW" dirty="0" smtClean="0"/>
+              <a:t>(</a:t>
+            </a:r>
+            <a:r>
+              <a:rPr lang="zh-TW" altLang="en-US" dirty="0" smtClean="0"/>
+              <a:t>要分詳細一點</a:t>
+            </a:r>
+            <a:r>
+              <a:rPr lang="en-US" altLang="zh-TW" dirty="0" smtClean="0"/>
+              <a:t>) </a:t>
+            </a:r>
+            <a:r>
+              <a:rPr lang="zh-TW" altLang="en-US" dirty="0" smtClean="0"/>
+              <a:t>例如</a:t>
+            </a:r>
+            <a:r>
+              <a:rPr lang="en-US" altLang="zh-TW" dirty="0" smtClean="0"/>
+              <a:t>STRING  </a:t>
+            </a:r>
+            <a:r>
+              <a:rPr lang="zh-TW" altLang="en-US" dirty="0" smtClean="0"/>
+              <a:t>上限</a:t>
+            </a:r>
+            <a:endParaRPr lang="en-US" altLang="zh-TW" dirty="0" smtClean="0"/>
+          </a:p>
+          <a:p>
+            <a:endParaRPr lang="en-US" altLang="zh-TW" dirty="0" smtClean="0"/>
+          </a:p>
+          <a:p>
+            <a:endParaRPr lang="en-US" altLang="zh-TW" dirty="0" smtClean="0"/>
+          </a:p>
+          <a:p>
+            <a:endParaRPr lang="zh-TW" altLang="en-US" dirty="0"/>
+          </a:p>
+        </p:txBody>
+      </p:sp>
+    </p:spTree>
+    <p:extLst>
+      <p:ext uri="{BB962C8B-B14F-4D97-AF65-F5344CB8AC3E}">
+        <p14:creationId xmlns:p14="http://schemas.microsoft.com/office/powerpoint/2010/main" val="3273499098"/>
+      </p:ext>
+    </p:extLst>
+  </p:cSld>
+  <p:clrMapOvr>
+    <a:masterClrMapping/>
+  </p:clrMapOvr>
+</p:notes>
+</file>
+
+<file path=ppt/notesSlides/notesSlide11.xml><?xml version="1.0" encoding="utf-8"?>
+<p:notes xmlns:a="http://schemas.openxmlformats.org/drawingml/2006/main" xmlns:r="http://schemas.openxmlformats.org/officeDocument/2006/relationships" xmlns:p="http://schemas.openxmlformats.org/presentationml/2006/main" showMasterSp="0" showMasterPhAnim="0">
+  <p:cSld>
+    <p:spTree>
+      <p:nvGrpSpPr>
+        <p:cNvPr id="1" name="Shape 120"/>
+        <p:cNvGrpSpPr/>
+        <p:nvPr/>
+      </p:nvGrpSpPr>
+      <p:grpSpPr>
+        <a:xfrm>
+          <a:off x="0" y="0"/>
+          <a:ext cx="0" cy="0"/>
+          <a:chOff x="0" y="0"/>
+          <a:chExt cx="0" cy="0"/>
+        </a:xfrm>
+      </p:grpSpPr>
+      <p:sp>
+        <p:nvSpPr>
+          <p:cNvPr id="121" name="Google Shape;121;p:notes"/>
           <p:cNvSpPr>
             <a:spLocks noGrp="1" noRot="1" noChangeAspect="1"/>
           </p:cNvSpPr>
@@ -1065,7 +1193,7 @@
       </p:sp>
       <p:sp>
         <p:nvSpPr>
-          <p:cNvPr id="142" name="Google Shape;142;g35f391192_017:notes"/>
+          <p:cNvPr id="122" name="Google Shape;122;p:notes"/>
           <p:cNvSpPr txBox="1">
             <a:spLocks noGrp="1"/>
           </p:cNvSpPr>
@@ -1098,52 +1226,28 @@
               <a:buNone/>
             </a:pPr>
             <a:r>
+              <a:rPr lang="zh-TW" altLang="en-US" dirty="0" smtClean="0"/>
+              <a:t>這頁順序往後 內容改在 </a:t>
+            </a:r>
+            <a:r>
               <a:rPr lang="en-US" altLang="zh-TW" dirty="0" smtClean="0"/>
-              <a:t>independent path</a:t>
-            </a:r>
-            <a:r>
-              <a:rPr lang="zh-TW" altLang="en-US" dirty="0" smtClean="0"/>
-              <a:t> 要用在白箱測試 改 </a:t>
-            </a:r>
-            <a:r>
-              <a:rPr lang="en-US" altLang="zh-TW" dirty="0" smtClean="0"/>
-              <a:t>edges coverage criteria </a:t>
-            </a:r>
-            <a:r>
-              <a:rPr lang="zh-TW" altLang="en-US" dirty="0" smtClean="0"/>
-              <a:t> 並且說明 那些</a:t>
-            </a:r>
-            <a:r>
-              <a:rPr lang="en-US" altLang="zh-TW" dirty="0" smtClean="0"/>
-              <a:t>TR </a:t>
-            </a:r>
-            <a:r>
-              <a:rPr lang="zh-TW" altLang="en-US" dirty="0" smtClean="0"/>
-              <a:t>用到哪種</a:t>
-            </a:r>
-            <a:r>
-              <a:rPr lang="en-US" altLang="zh-TW" dirty="0" smtClean="0"/>
-              <a:t>Criteria</a:t>
-            </a:r>
-            <a:r>
-              <a:rPr lang="zh-TW" altLang="en-US" dirty="0" smtClean="0"/>
-              <a:t>  </a:t>
-            </a:r>
-            <a:endParaRPr lang="en-US" altLang="zh-TW" dirty="0" smtClean="0"/>
-          </a:p>
-          <a:p>
-            <a:pPr marL="0" lvl="0" indent="0" algn="l" rtl="0">
-              <a:spcBef>
-                <a:spcPts val="0"/>
-              </a:spcBef>
-              <a:spcAft>
-                <a:spcPts val="0"/>
-              </a:spcAft>
-              <a:buNone/>
-            </a:pPr>
-            <a:r>
-              <a:rPr lang="zh-TW" altLang="en-US" dirty="0" smtClean="0"/>
-              <a:t>要分清楚 哪些是壓力測試 哪些是系統測試</a:t>
+              <a:t>test case</a:t>
+            </a:r>
+            <a:r>
+              <a:rPr lang="en-US" altLang="zh-TW" baseline="0" dirty="0" smtClean="0"/>
+              <a:t> </a:t>
+            </a:r>
+            <a:r>
+              <a:rPr lang="zh-TW" altLang="en-US" baseline="0" dirty="0" smtClean="0"/>
+              <a:t>設計</a:t>
+            </a:r>
+            <a:r>
+              <a:rPr lang="en-US" altLang="zh-TW" baseline="0" dirty="0" smtClean="0"/>
+              <a:t>+</a:t>
+            </a:r>
+            <a:r>
+              <a:rPr lang="zh-TW" altLang="en-US" baseline="0" dirty="0" smtClean="0"/>
+              <a:t>方法</a:t>
             </a:r>
             <a:endParaRPr dirty="0"/>
           </a:p>
@@ -1152,116 +1256,7 @@
     </p:spTree>
     <p:extLst>
       <p:ext uri="{BB962C8B-B14F-4D97-AF65-F5344CB8AC3E}">
-        <p14:creationId xmlns:p14="http://schemas.microsoft.com/office/powerpoint/2010/main" val="2578728056"/>
-      </p:ext>
-    </p:extLst>
-  </p:cSld>
-  <p:clrMapOvr>
-    <a:masterClrMapping/>
-  </p:clrMapOvr>
-</p:notes>
-</file>
-
-<file path=ppt/notesSlides/notesSlide11.xml><?xml version="1.0" encoding="utf-8"?>
-<p:notes xmlns:a="http://schemas.openxmlformats.org/drawingml/2006/main" xmlns:r="http://schemas.openxmlformats.org/officeDocument/2006/relationships" xmlns:p="http://schemas.openxmlformats.org/presentationml/2006/main" showMasterSp="0" showMasterPhAnim="0">
-  <p:cSld>
-    <p:spTree>
-      <p:nvGrpSpPr>
-        <p:cNvPr id="1" name="Shape 140"/>
-        <p:cNvGrpSpPr/>
-        <p:nvPr/>
-      </p:nvGrpSpPr>
-      <p:grpSpPr>
-        <a:xfrm>
-          <a:off x="0" y="0"/>
-          <a:ext cx="0" cy="0"/>
-          <a:chOff x="0" y="0"/>
-          <a:chExt cx="0" cy="0"/>
-        </a:xfrm>
-      </p:grpSpPr>
-      <p:sp>
-        <p:nvSpPr>
-          <p:cNvPr id="141" name="Google Shape;141;g35f391192_017:notes"/>
-          <p:cNvSpPr>
-            <a:spLocks noGrp="1" noRot="1" noChangeAspect="1"/>
-          </p:cNvSpPr>
-          <p:nvPr>
-            <p:ph type="sldImg" idx="2"/>
-          </p:nvPr>
-        </p:nvSpPr>
-        <p:spPr>
-          <a:xfrm>
-            <a:off x="3251200" y="504825"/>
-            <a:ext cx="3367088" cy="2525713"/>
-          </a:xfrm>
-          <a:custGeom>
-            <a:avLst/>
-            <a:gdLst/>
-            <a:ahLst/>
-            <a:cxnLst/>
-            <a:rect l="l" t="t" r="r" b="b"/>
-            <a:pathLst>
-              <a:path w="120000" h="120000" extrusionOk="0">
-                <a:moveTo>
-                  <a:pt x="0" y="0"/>
-                </a:moveTo>
-                <a:lnTo>
-                  <a:pt x="120000" y="0"/>
-                </a:lnTo>
-                <a:lnTo>
-                  <a:pt x="120000" y="120000"/>
-                </a:lnTo>
-                <a:lnTo>
-                  <a:pt x="0" y="120000"/>
-                </a:lnTo>
-                <a:close/>
-              </a:path>
-            </a:pathLst>
-          </a:custGeom>
-        </p:spPr>
-      </p:sp>
-      <p:sp>
-        <p:nvSpPr>
-          <p:cNvPr id="142" name="Google Shape;142;g35f391192_017:notes"/>
-          <p:cNvSpPr txBox="1">
-            <a:spLocks noGrp="1"/>
-          </p:cNvSpPr>
-          <p:nvPr>
-            <p:ph type="body" idx="1"/>
-          </p:nvPr>
-        </p:nvSpPr>
-        <p:spPr>
-          <a:xfrm>
-            <a:off x="986949" y="3199488"/>
-            <a:ext cx="7895590" cy="3031093"/>
-          </a:xfrm>
-          <a:prstGeom prst="rect">
-            <a:avLst/>
-          </a:prstGeom>
-        </p:spPr>
-        <p:txBody>
-          <a:bodyPr spcFirstLastPara="1" wrap="square" lIns="91425" tIns="91425" rIns="91425" bIns="91425" anchor="t" anchorCtr="0">
-            <a:noAutofit/>
-          </a:bodyPr>
-          <a:lstStyle/>
-          <a:p>
-            <a:pPr marL="0" lvl="0" indent="0" algn="l" rtl="0">
-              <a:spcBef>
-                <a:spcPts val="0"/>
-              </a:spcBef>
-              <a:spcAft>
-                <a:spcPts val="0"/>
-              </a:spcAft>
-              <a:buNone/>
-            </a:pPr>
-            <a:endParaRPr/>
-          </a:p>
-        </p:txBody>
-      </p:sp>
-    </p:spTree>
-    <p:extLst>
-      <p:ext uri="{BB962C8B-B14F-4D97-AF65-F5344CB8AC3E}">
-        <p14:creationId xmlns:p14="http://schemas.microsoft.com/office/powerpoint/2010/main" val="2777287643"/>
+        <p14:creationId xmlns:p14="http://schemas.microsoft.com/office/powerpoint/2010/main" val="1072953987"/>
       </p:ext>
     </p:extLst>
   </p:cSld>
@@ -1418,7 +1413,7 @@
     </p:spTree>
     <p:extLst>
       <p:ext uri="{BB962C8B-B14F-4D97-AF65-F5344CB8AC3E}">
-        <p14:creationId xmlns:p14="http://schemas.microsoft.com/office/powerpoint/2010/main" val="1647684079"/>
+        <p14:creationId xmlns:p14="http://schemas.microsoft.com/office/powerpoint/2010/main" val="2578728056"/>
       </p:ext>
     </p:extLst>
   </p:cSld>
@@ -1520,14 +1515,62 @@
               </a:spcAft>
               <a:buNone/>
             </a:pPr>
-            <a:endParaRPr/>
+            <a:r>
+              <a:rPr lang="en-US" altLang="zh-TW" dirty="0" smtClean="0"/>
+              <a:t>independent path</a:t>
+            </a:r>
+            <a:r>
+              <a:rPr lang="zh-TW" altLang="en-US" dirty="0" smtClean="0"/>
+              <a:t> 要用在白箱測試 改 </a:t>
+            </a:r>
+            <a:r>
+              <a:rPr lang="en-US" altLang="zh-TW" dirty="0" smtClean="0"/>
+              <a:t>edges coverage criteria </a:t>
+            </a:r>
+            <a:r>
+              <a:rPr lang="zh-TW" altLang="en-US" dirty="0" smtClean="0"/>
+              <a:t> 並且說明 那些</a:t>
+            </a:r>
+            <a:r>
+              <a:rPr lang="en-US" altLang="zh-TW" dirty="0" smtClean="0"/>
+              <a:t>TR </a:t>
+            </a:r>
+            <a:r>
+              <a:rPr lang="zh-TW" altLang="en-US" dirty="0" smtClean="0"/>
+              <a:t>用到哪種</a:t>
+            </a:r>
+            <a:r>
+              <a:rPr lang="en-US" altLang="zh-TW" dirty="0" smtClean="0"/>
+              <a:t>Criteria</a:t>
+            </a:r>
+            <a:r>
+              <a:rPr lang="zh-TW" altLang="en-US" dirty="0" smtClean="0"/>
+              <a:t>  </a:t>
+            </a:r>
+            <a:endParaRPr lang="en-US" altLang="zh-TW" dirty="0" smtClean="0"/>
+          </a:p>
+          <a:p>
+            <a:pPr marL="0" lvl="0" indent="0" algn="l" rtl="0">
+              <a:spcBef>
+                <a:spcPts val="0"/>
+              </a:spcBef>
+              <a:spcAft>
+                <a:spcPts val="0"/>
+              </a:spcAft>
+              <a:buNone/>
+            </a:pPr>
+            <a:r>
+              <a:rPr lang="zh-TW" altLang="en-US" dirty="0" smtClean="0"/>
+              <a:t>要分清楚 哪些是壓力測試 哪些是系統測試</a:t>
+            </a:r>
+            <a:endParaRPr dirty="0"/>
           </a:p>
         </p:txBody>
       </p:sp>
     </p:spTree>
     <p:extLst>
       <p:ext uri="{BB962C8B-B14F-4D97-AF65-F5344CB8AC3E}">
-        <p14:creationId xmlns:p14="http://schemas.microsoft.com/office/powerpoint/2010/main" val="4290168633"/>
+        <p14:creationId xmlns:p14="http://schemas.microsoft.com/office/powerpoint/2010/main" val="1647684079"/>
       </p:ext>
     </p:extLst>
   </p:cSld>
@@ -1636,6 +1679,115 @@
     </p:spTree>
     <p:extLst>
       <p:ext uri="{BB962C8B-B14F-4D97-AF65-F5344CB8AC3E}">
+        <p14:creationId xmlns:p14="http://schemas.microsoft.com/office/powerpoint/2010/main" val="4290168633"/>
+      </p:ext>
+    </p:extLst>
+  </p:cSld>
+  <p:clrMapOvr>
+    <a:masterClrMapping/>
+  </p:clrMapOvr>
+</p:notes>
+</file>
+
+<file path=ppt/notesSlides/notesSlide15.xml><?xml version="1.0" encoding="utf-8"?>
+<p:notes xmlns:a="http://schemas.openxmlformats.org/drawingml/2006/main" xmlns:r="http://schemas.openxmlformats.org/officeDocument/2006/relationships" xmlns:p="http://schemas.openxmlformats.org/presentationml/2006/main" showMasterSp="0" showMasterPhAnim="0">
+  <p:cSld>
+    <p:spTree>
+      <p:nvGrpSpPr>
+        <p:cNvPr id="1" name="Shape 140"/>
+        <p:cNvGrpSpPr/>
+        <p:nvPr/>
+      </p:nvGrpSpPr>
+      <p:grpSpPr>
+        <a:xfrm>
+          <a:off x="0" y="0"/>
+          <a:ext cx="0" cy="0"/>
+          <a:chOff x="0" y="0"/>
+          <a:chExt cx="0" cy="0"/>
+        </a:xfrm>
+      </p:grpSpPr>
+      <p:sp>
+        <p:nvSpPr>
+          <p:cNvPr id="141" name="Google Shape;141;g35f391192_017:notes"/>
+          <p:cNvSpPr>
+            <a:spLocks noGrp="1" noRot="1" noChangeAspect="1"/>
+          </p:cNvSpPr>
+          <p:nvPr>
+            <p:ph type="sldImg" idx="2"/>
+          </p:nvPr>
+        </p:nvSpPr>
+        <p:spPr>
+          <a:xfrm>
+            <a:off x="3251200" y="504825"/>
+            <a:ext cx="3367088" cy="2525713"/>
+          </a:xfrm>
+          <a:custGeom>
+            <a:avLst/>
+            <a:gdLst/>
+            <a:ahLst/>
+            <a:cxnLst/>
+            <a:rect l="l" t="t" r="r" b="b"/>
+            <a:pathLst>
+              <a:path w="120000" h="120000" extrusionOk="0">
+                <a:moveTo>
+                  <a:pt x="0" y="0"/>
+                </a:moveTo>
+                <a:lnTo>
+                  <a:pt x="120000" y="0"/>
+                </a:lnTo>
+                <a:lnTo>
+                  <a:pt x="120000" y="120000"/>
+                </a:lnTo>
+                <a:lnTo>
+                  <a:pt x="0" y="120000"/>
+                </a:lnTo>
+                <a:close/>
+              </a:path>
+            </a:pathLst>
+          </a:custGeom>
+        </p:spPr>
+      </p:sp>
+      <p:sp>
+        <p:nvSpPr>
+          <p:cNvPr id="142" name="Google Shape;142;g35f391192_017:notes"/>
+          <p:cNvSpPr txBox="1">
+            <a:spLocks noGrp="1"/>
+          </p:cNvSpPr>
+          <p:nvPr>
+            <p:ph type="body" idx="1"/>
+          </p:nvPr>
+        </p:nvSpPr>
+        <p:spPr>
+          <a:xfrm>
+            <a:off x="986949" y="3199488"/>
+            <a:ext cx="7895590" cy="3031093"/>
+          </a:xfrm>
+          <a:prstGeom prst="rect">
+            <a:avLst/>
+          </a:prstGeom>
+        </p:spPr>
+        <p:txBody>
+          <a:bodyPr spcFirstLastPara="1" wrap="square" lIns="91425" tIns="91425" rIns="91425" bIns="91425" anchor="t" anchorCtr="0">
+            <a:noAutofit/>
+          </a:bodyPr>
+          <a:lstStyle/>
+          <a:p>
+            <a:pPr marL="0" lvl="0" indent="0" algn="l" rtl="0">
+              <a:spcBef>
+                <a:spcPts val="0"/>
+              </a:spcBef>
+              <a:spcAft>
+                <a:spcPts val="0"/>
+              </a:spcAft>
+              <a:buNone/>
+            </a:pPr>
+            <a:endParaRPr/>
+          </a:p>
+        </p:txBody>
+      </p:sp>
+    </p:spTree>
+    <p:extLst>
+      <p:ext uri="{BB962C8B-B14F-4D97-AF65-F5344CB8AC3E}">
         <p14:creationId xmlns:p14="http://schemas.microsoft.com/office/powerpoint/2010/main" val="2187470964"/>
       </p:ext>
     </p:extLst>
@@ -1646,7 +1798,7 @@
 </p:notes>
 </file>
 
-<file path=ppt/notesSlides/notesSlide15.xml><?xml version="1.0" encoding="utf-8"?>
+<file path=ppt/notesSlides/notesSlide16.xml><?xml version="1.0" encoding="utf-8"?>
 <p:notes xmlns:a="http://schemas.openxmlformats.org/drawingml/2006/main" xmlns:r="http://schemas.openxmlformats.org/officeDocument/2006/relationships" xmlns:p="http://schemas.openxmlformats.org/presentationml/2006/main" showMasterSp="0" showMasterPhAnim="0">
   <p:cSld>
     <p:spTree>
@@ -2490,7 +2642,7 @@
   <p:cSld>
     <p:spTree>
       <p:nvGrpSpPr>
-        <p:cNvPr id="1" name="Shape 120"/>
+        <p:cNvPr id="1" name="Shape 140"/>
         <p:cNvGrpSpPr/>
         <p:nvPr/>
       </p:nvGrpSpPr>
@@ -2504,7 +2656,7 @@
       </p:grpSpPr>
       <p:sp>
         <p:nvSpPr>
-          <p:cNvPr id="121" name="Google Shape;121;p:notes"/>
+          <p:cNvPr id="141" name="Google Shape;141;g35f391192_017:notes"/>
           <p:cNvSpPr>
             <a:spLocks noGrp="1" noRot="1" noChangeAspect="1"/>
           </p:cNvSpPr>
@@ -2545,7 +2697,7 @@
       </p:sp>
       <p:sp>
         <p:nvSpPr>
-          <p:cNvPr id="122" name="Google Shape;122;p:notes"/>
+          <p:cNvPr id="142" name="Google Shape;142;g35f391192_017:notes"/>
           <p:cNvSpPr txBox="1">
             <a:spLocks noGrp="1"/>
           </p:cNvSpPr>
@@ -2577,38 +2729,14 @@
               </a:spcAft>
               <a:buNone/>
             </a:pPr>
-            <a:r>
-              <a:rPr lang="zh-TW" altLang="en-US" dirty="0" smtClean="0"/>
-              <a:t>這頁順序往後 內容改在 </a:t>
-            </a:r>
-            <a:r>
-              <a:rPr lang="en-US" altLang="zh-TW" dirty="0" smtClean="0"/>
-              <a:t>test case</a:t>
-            </a:r>
-            <a:r>
-              <a:rPr lang="en-US" altLang="zh-TW" baseline="0" dirty="0" smtClean="0"/>
-              <a:t> </a:t>
-            </a:r>
-            <a:r>
-              <a:rPr lang="zh-TW" altLang="en-US" baseline="0" dirty="0" smtClean="0"/>
-              <a:t>設計</a:t>
-            </a:r>
-            <a:r>
-              <a:rPr lang="en-US" altLang="zh-TW" baseline="0" dirty="0" smtClean="0"/>
-              <a:t>+</a:t>
-            </a:r>
-            <a:r>
-              <a:rPr lang="zh-TW" altLang="en-US" baseline="0" dirty="0" smtClean="0"/>
-              <a:t>方法</a:t>
-            </a:r>
-            <a:endParaRPr dirty="0"/>
+            <a:endParaRPr/>
           </a:p>
         </p:txBody>
       </p:sp>
     </p:spTree>
     <p:extLst>
       <p:ext uri="{BB962C8B-B14F-4D97-AF65-F5344CB8AC3E}">
-        <p14:creationId xmlns:p14="http://schemas.microsoft.com/office/powerpoint/2010/main" val="1072953987"/>
+        <p14:creationId xmlns:p14="http://schemas.microsoft.com/office/powerpoint/2010/main" val="1852996718"/>
       </p:ext>
     </p:extLst>
   </p:cSld>
@@ -6967,307 +7095,6 @@
   <p:cSld>
     <p:spTree>
       <p:nvGrpSpPr>
-        <p:cNvPr id="1" name=""/>
-        <p:cNvGrpSpPr/>
-        <p:nvPr/>
-      </p:nvGrpSpPr>
-      <p:grpSpPr>
-        <a:xfrm>
-          <a:off x="0" y="0"/>
-          <a:ext cx="0" cy="0"/>
-          <a:chOff x="0" y="0"/>
-          <a:chExt cx="0" cy="0"/>
-        </a:xfrm>
-      </p:grpSpPr>
-      <p:sp>
-        <p:nvSpPr>
-          <p:cNvPr id="2" name="標題 1"/>
-          <p:cNvSpPr>
-            <a:spLocks noGrp="1"/>
-          </p:cNvSpPr>
-          <p:nvPr>
-            <p:ph type="title"/>
-          </p:nvPr>
-        </p:nvSpPr>
-        <p:spPr/>
-        <p:txBody>
-          <a:bodyPr/>
-          <a:lstStyle/>
-          <a:p>
-            <a:r>
-              <a:rPr lang="en-US" altLang="zh-TW" dirty="0" smtClean="0"/>
-              <a:t>All Test Cases</a:t>
-            </a:r>
-            <a:endParaRPr lang="zh-TW" altLang="en-US" dirty="0"/>
-          </a:p>
-        </p:txBody>
-      </p:sp>
-      <p:sp>
-        <p:nvSpPr>
-          <p:cNvPr id="5" name="投影片編號版面配置區 4"/>
-          <p:cNvSpPr>
-            <a:spLocks noGrp="1"/>
-          </p:cNvSpPr>
-          <p:nvPr>
-            <p:ph type="sldNum" idx="12"/>
-          </p:nvPr>
-        </p:nvSpPr>
-        <p:spPr/>
-        <p:txBody>
-          <a:bodyPr/>
-          <a:lstStyle/>
-          <a:p>
-            <a:pPr marL="0" lvl="0" indent="0" algn="r" rtl="0">
-              <a:spcBef>
-                <a:spcPts val="0"/>
-              </a:spcBef>
-              <a:spcAft>
-                <a:spcPts val="0"/>
-              </a:spcAft>
-              <a:buNone/>
-            </a:pPr>
-            <a:fld id="{00000000-1234-1234-1234-123412341234}" type="slidenum">
-              <a:rPr lang="en" smtClean="0"/>
-              <a:t>11</a:t>
-            </a:fld>
-            <a:endParaRPr lang="en"/>
-          </a:p>
-        </p:txBody>
-      </p:sp>
-    </p:spTree>
-    <p:extLst>
-      <p:ext uri="{BB962C8B-B14F-4D97-AF65-F5344CB8AC3E}">
-        <p14:creationId xmlns:p14="http://schemas.microsoft.com/office/powerpoint/2010/main" val="3841919115"/>
-      </p:ext>
-    </p:extLst>
-  </p:cSld>
-  <p:clrMapOvr>
-    <a:masterClrMapping/>
-  </p:clrMapOvr>
-</p:sld>
-</file>
-
-<file path=ppt/slides/slide12.xml><?xml version="1.0" encoding="utf-8"?>
-<p:sld xmlns:a="http://schemas.openxmlformats.org/drawingml/2006/main" xmlns:r="http://schemas.openxmlformats.org/officeDocument/2006/relationships" xmlns:p="http://schemas.openxmlformats.org/presentationml/2006/main">
-  <p:cSld>
-    <p:spTree>
-      <p:nvGrpSpPr>
-        <p:cNvPr id="1" name="Shape 123"/>
-        <p:cNvGrpSpPr/>
-        <p:nvPr/>
-      </p:nvGrpSpPr>
-      <p:grpSpPr>
-        <a:xfrm>
-          <a:off x="0" y="0"/>
-          <a:ext cx="0" cy="0"/>
-          <a:chOff x="0" y="0"/>
-          <a:chExt cx="0" cy="0"/>
-        </a:xfrm>
-      </p:grpSpPr>
-      <p:sp>
-        <p:nvSpPr>
-          <p:cNvPr id="126" name="Google Shape;126;p17"/>
-          <p:cNvSpPr txBox="1">
-            <a:spLocks noGrp="1"/>
-          </p:cNvSpPr>
-          <p:nvPr>
-            <p:ph type="sldNum" idx="12"/>
-          </p:nvPr>
-        </p:nvSpPr>
-        <p:spPr>
-          <a:xfrm>
-            <a:off x="8480575" y="6364177"/>
-            <a:ext cx="548700" cy="417900"/>
-          </a:xfrm>
-          <a:prstGeom prst="rect">
-            <a:avLst/>
-          </a:prstGeom>
-        </p:spPr>
-        <p:txBody>
-          <a:bodyPr spcFirstLastPara="1" wrap="square" lIns="91425" tIns="91425" rIns="91425" bIns="91425" anchor="t" anchorCtr="0">
-            <a:noAutofit/>
-          </a:bodyPr>
-          <a:lstStyle/>
-          <a:p>
-            <a:pPr marL="0" lvl="0" indent="0" algn="r" rtl="0">
-              <a:spcBef>
-                <a:spcPts val="0"/>
-              </a:spcBef>
-              <a:spcAft>
-                <a:spcPts val="0"/>
-              </a:spcAft>
-              <a:buNone/>
-            </a:pPr>
-            <a:fld id="{00000000-1234-1234-1234-123412341234}" type="slidenum">
-              <a:rPr lang="en"/>
-              <a:t>12</a:t>
-            </a:fld>
-            <a:endParaRPr/>
-          </a:p>
-        </p:txBody>
-      </p:sp>
-      <p:sp>
-        <p:nvSpPr>
-          <p:cNvPr id="5" name="標題 4"/>
-          <p:cNvSpPr>
-            <a:spLocks noGrp="1"/>
-          </p:cNvSpPr>
-          <p:nvPr>
-            <p:ph type="title"/>
-          </p:nvPr>
-        </p:nvSpPr>
-        <p:spPr>
-          <a:xfrm>
-            <a:off x="410122" y="177934"/>
-            <a:ext cx="8514069" cy="1143000"/>
-          </a:xfrm>
-        </p:spPr>
-        <p:txBody>
-          <a:bodyPr/>
-          <a:lstStyle/>
-          <a:p>
-            <a:r>
-              <a:rPr lang="en-US" altLang="zh-TW" dirty="0"/>
-              <a:t>Abnormal </a:t>
-            </a:r>
-            <a:r>
-              <a:rPr lang="en-US" altLang="zh-TW" sz="2000" dirty="0" smtClean="0"/>
-              <a:t>detection(precondition: Code Coverage </a:t>
-            </a:r>
-            <a:r>
-              <a:rPr lang="zh-TW" altLang="en-US" sz="2000" dirty="0" smtClean="0"/>
-              <a:t>達到</a:t>
-            </a:r>
-            <a:r>
-              <a:rPr lang="en-US" altLang="zh-TW" sz="2000" dirty="0"/>
-              <a:t>7</a:t>
-            </a:r>
-            <a:r>
-              <a:rPr lang="en-US" altLang="zh-TW" sz="2000" dirty="0" smtClean="0"/>
-              <a:t>0%)</a:t>
-            </a:r>
-            <a:endParaRPr lang="zh-TW" altLang="en-US" sz="2000" dirty="0"/>
-          </a:p>
-        </p:txBody>
-      </p:sp>
-      <p:sp>
-        <p:nvSpPr>
-          <p:cNvPr id="7" name="矩形 6"/>
-          <p:cNvSpPr/>
-          <p:nvPr/>
-        </p:nvSpPr>
-        <p:spPr>
-          <a:xfrm>
-            <a:off x="410122" y="1937513"/>
-            <a:ext cx="4572000" cy="954107"/>
-          </a:xfrm>
-          <a:prstGeom prst="rect">
-            <a:avLst/>
-          </a:prstGeom>
-        </p:spPr>
-        <p:txBody>
-          <a:bodyPr>
-            <a:spAutoFit/>
-          </a:bodyPr>
-          <a:lstStyle/>
-          <a:p>
-            <a:r>
-              <a:rPr lang="en-US" altLang="zh-TW" sz="2800" dirty="0">
-                <a:solidFill>
-                  <a:srgbClr val="97ABBC"/>
-                </a:solidFill>
-                <a:latin typeface="微軟正黑體" panose="020B0604030504040204" pitchFamily="34" charset="-120"/>
-                <a:ea typeface="微軟正黑體" panose="020B0604030504040204" pitchFamily="34" charset="-120"/>
-              </a:rPr>
-              <a:t>1</a:t>
-            </a:r>
-            <a:r>
-              <a:rPr lang="en-US" altLang="zh-TW" sz="2800" dirty="0" smtClean="0">
-                <a:solidFill>
-                  <a:srgbClr val="97ABBC"/>
-                </a:solidFill>
-                <a:latin typeface="微軟正黑體" panose="020B0604030504040204" pitchFamily="34" charset="-120"/>
-                <a:ea typeface="微軟正黑體" panose="020B0604030504040204" pitchFamily="34" charset="-120"/>
-              </a:rPr>
-              <a:t>.</a:t>
-            </a:r>
-            <a:r>
-              <a:rPr lang="zh-TW" altLang="en-US" sz="2800" dirty="0" smtClean="0">
-                <a:solidFill>
-                  <a:srgbClr val="97ABBC"/>
-                </a:solidFill>
-                <a:latin typeface="微軟正黑體" panose="020B0604030504040204" pitchFamily="34" charset="-120"/>
-                <a:ea typeface="微軟正黑體" panose="020B0604030504040204" pitchFamily="34" charset="-120"/>
-              </a:rPr>
-              <a:t>螢幕翻轉  </a:t>
-            </a:r>
-            <a:endParaRPr lang="en-US" altLang="zh-TW" sz="2800" dirty="0" smtClean="0">
-              <a:solidFill>
-                <a:srgbClr val="97ABBC"/>
-              </a:solidFill>
-              <a:latin typeface="微軟正黑體" panose="020B0604030504040204" pitchFamily="34" charset="-120"/>
-              <a:ea typeface="微軟正黑體" panose="020B0604030504040204" pitchFamily="34" charset="-120"/>
-            </a:endParaRPr>
-          </a:p>
-          <a:p>
-            <a:r>
-              <a:rPr lang="en-US" altLang="zh-TW" sz="2800" dirty="0">
-                <a:solidFill>
-                  <a:srgbClr val="97ABBC"/>
-                </a:solidFill>
-                <a:latin typeface="微軟正黑體" panose="020B0604030504040204" pitchFamily="34" charset="-120"/>
-                <a:ea typeface="微軟正黑體" panose="020B0604030504040204" pitchFamily="34" charset="-120"/>
-              </a:rPr>
-              <a:t>2</a:t>
-            </a:r>
-            <a:r>
-              <a:rPr lang="en-US" altLang="zh-TW" sz="2800" dirty="0" smtClean="0">
-                <a:solidFill>
-                  <a:srgbClr val="97ABBC"/>
-                </a:solidFill>
-                <a:latin typeface="微軟正黑體" panose="020B0604030504040204" pitchFamily="34" charset="-120"/>
-                <a:ea typeface="微軟正黑體" panose="020B0604030504040204" pitchFamily="34" charset="-120"/>
-              </a:rPr>
-              <a:t>.On </a:t>
-            </a:r>
-            <a:r>
-              <a:rPr lang="en-US" altLang="zh-TW" sz="2800" dirty="0" smtClean="0">
-                <a:solidFill>
-                  <a:srgbClr val="97ABBC"/>
-                </a:solidFill>
-                <a:latin typeface="微軟正黑體" panose="020B0604030504040204" pitchFamily="34" charset="-120"/>
-                <a:ea typeface="微軟正黑體" panose="020B0604030504040204" pitchFamily="34" charset="-120"/>
-              </a:rPr>
-              <a:t>Pause   </a:t>
-            </a:r>
-          </a:p>
-        </p:txBody>
-      </p:sp>
-    </p:spTree>
-    <p:extLst>
-      <p:ext uri="{BB962C8B-B14F-4D97-AF65-F5344CB8AC3E}">
-        <p14:creationId xmlns:p14="http://schemas.microsoft.com/office/powerpoint/2010/main" val="3091730751"/>
-      </p:ext>
-    </p:extLst>
-  </p:cSld>
-  <p:clrMapOvr>
-    <a:masterClrMapping/>
-  </p:clrMapOvr>
-  <p:timing>
-    <p:tnLst>
-      <p:par>
-        <p:cTn id="1" dur="indefinite" restart="never" nodeType="tmRoot"/>
-      </p:par>
-    </p:tnLst>
-  </p:timing>
-</p:sld>
-</file>
-
-<file path=ppt/slides/slide13.xml><?xml version="1.0" encoding="utf-8"?>
-<p:sld xmlns:a="http://schemas.openxmlformats.org/drawingml/2006/main" xmlns:r="http://schemas.openxmlformats.org/officeDocument/2006/relationships" xmlns:p="http://schemas.openxmlformats.org/presentationml/2006/main">
-  <p:cSld>
-    <p:spTree>
-      <p:nvGrpSpPr>
         <p:cNvPr id="1" name="Shape 143"/>
         <p:cNvGrpSpPr/>
         <p:nvPr/>
@@ -7292,8 +7119,8 @@
         </p:nvSpPr>
         <p:spPr>
           <a:xfrm>
-            <a:off x="647515" y="547211"/>
-            <a:ext cx="6462600" cy="1143000"/>
+            <a:off x="832153" y="140630"/>
+            <a:ext cx="7494162" cy="654200"/>
           </a:xfrm>
           <a:prstGeom prst="rect">
             <a:avLst/>
@@ -7307,10 +7134,22 @@
           <a:p>
             <a:pPr lvl="0"/>
             <a:r>
+              <a:rPr lang="en-US" altLang="zh-TW" sz="4000" dirty="0" smtClean="0"/>
+              <a:t>Approach</a:t>
+            </a:r>
+            <a:r>
               <a:rPr lang="en-US" altLang="zh-TW" dirty="0" smtClean="0"/>
-              <a:t>Approach</a:t>
-            </a:r>
-            <a:endParaRPr dirty="0"/>
+              <a:t>-</a:t>
+            </a:r>
+            <a:r>
+              <a:rPr lang="en-US" altLang="zh-TW" dirty="0"/>
+              <a:t> </a:t>
+            </a:r>
+            <a:r>
+              <a:rPr lang="en-US" altLang="zh-TW" sz="3200" dirty="0" err="1" smtClean="0"/>
+              <a:t>EditTask</a:t>
+            </a:r>
+            <a:endParaRPr sz="3200" dirty="0"/>
           </a:p>
         </p:txBody>
       </p:sp>
@@ -7350,389 +7189,108 @@
             </a:pPr>
             <a:fld id="{00000000-1234-1234-1234-123412341234}" type="slidenum">
               <a:rPr lang="en"/>
-              <a:t>13</a:t>
+              <a:t>11</a:t>
             </a:fld>
             <a:endParaRPr/>
           </a:p>
         </p:txBody>
       </p:sp>
-      <p:sp>
-        <p:nvSpPr>
-          <p:cNvPr id="4" name="文字方塊 3"/>
-          <p:cNvSpPr txBox="1"/>
+      <p:pic>
+        <p:nvPicPr>
+          <p:cNvPr id="5" name="圖片 4"/>
+          <p:cNvPicPr>
+            <a:picLocks noChangeAspect="1"/>
+          </p:cNvPicPr>
           <p:nvPr/>
-        </p:nvSpPr>
+        </p:nvPicPr>
+        <p:blipFill>
+          <a:blip r:embed="rId3"/>
+          <a:stretch>
+            <a:fillRect/>
+          </a:stretch>
+        </p:blipFill>
         <p:spPr>
           <a:xfrm>
-            <a:off x="716090" y="2255306"/>
-            <a:ext cx="4530407" cy="307777"/>
-          </a:xfrm>
-          <a:prstGeom prst="rect">
-            <a:avLst/>
-          </a:prstGeom>
-          <a:noFill/>
-        </p:spPr>
-        <p:txBody>
-          <a:bodyPr wrap="none" rtlCol="0">
-            <a:spAutoFit/>
-          </a:bodyPr>
-          <a:lstStyle/>
-          <a:p>
-            <a:r>
-              <a:rPr lang="en-US" altLang="zh-TW" dirty="0"/>
-              <a:t>We use independent path  </a:t>
-            </a:r>
-            <a:r>
-              <a:rPr lang="en-US" altLang="zh-TW" dirty="0" smtClean="0"/>
-              <a:t>for </a:t>
-            </a:r>
-            <a:r>
-              <a:rPr lang="en-US" altLang="zh-TW" dirty="0"/>
-              <a:t>code coverage Criteria  </a:t>
-            </a:r>
-            <a:endParaRPr lang="zh-TW" altLang="en-US" dirty="0"/>
-          </a:p>
-        </p:txBody>
-      </p:sp>
-      <p:sp>
-        <p:nvSpPr>
-          <p:cNvPr id="8" name="文字方塊 7"/>
-          <p:cNvSpPr txBox="1"/>
-          <p:nvPr/>
-        </p:nvSpPr>
-        <p:spPr>
-          <a:xfrm>
-            <a:off x="716090" y="3435956"/>
-            <a:ext cx="3162725" cy="1815882"/>
-          </a:xfrm>
-          <a:prstGeom prst="rect">
-            <a:avLst/>
-          </a:prstGeom>
-          <a:noFill/>
-        </p:spPr>
-        <p:txBody>
-          <a:bodyPr wrap="none" rtlCol="0">
-            <a:spAutoFit/>
-          </a:bodyPr>
-          <a:lstStyle/>
-          <a:p>
-            <a:r>
-              <a:rPr lang="en-US" altLang="zh-TW" dirty="0" smtClean="0"/>
-              <a:t>To detect </a:t>
-            </a:r>
-            <a:r>
-              <a:rPr lang="en-US" altLang="zh-TW" dirty="0"/>
-              <a:t>App’s </a:t>
-            </a:r>
-            <a:r>
-              <a:rPr lang="en-US" altLang="zh-TW" kern="100" dirty="0">
-                <a:solidFill>
-                  <a:schemeClr val="tx1">
-                    <a:lumMod val="85000"/>
-                    <a:lumOff val="15000"/>
-                  </a:schemeClr>
-                </a:solidFill>
-                <a:latin typeface="微軟正黑體" panose="020B0604030504040204" pitchFamily="34" charset="-120"/>
-                <a:ea typeface="微軟正黑體" panose="020B0604030504040204" pitchFamily="34" charset="-120"/>
-                <a:cs typeface="Times New Roman" panose="02020603050405020304" pitchFamily="18" charset="0"/>
-              </a:rPr>
-              <a:t>abnormal behavior </a:t>
-            </a:r>
-            <a:r>
-              <a:rPr lang="en-US" altLang="zh-TW" kern="100" dirty="0" smtClean="0">
-                <a:solidFill>
-                  <a:schemeClr val="tx1">
-                    <a:lumMod val="85000"/>
-                    <a:lumOff val="15000"/>
-                  </a:schemeClr>
-                </a:solidFill>
-                <a:latin typeface="微軟正黑體" panose="020B0604030504040204" pitchFamily="34" charset="-120"/>
-                <a:ea typeface="微軟正黑體" panose="020B0604030504040204" pitchFamily="34" charset="-120"/>
-                <a:cs typeface="Times New Roman" panose="02020603050405020304" pitchFamily="18" charset="0"/>
-              </a:rPr>
-              <a:t>:</a:t>
-            </a:r>
-            <a:endParaRPr lang="zh-TW" altLang="en-US" dirty="0"/>
-          </a:p>
-          <a:p>
-            <a:endParaRPr lang="en-US" altLang="zh-TW" dirty="0" smtClean="0"/>
-          </a:p>
-          <a:p>
-            <a:endParaRPr lang="en-US" altLang="zh-TW" dirty="0"/>
-          </a:p>
-          <a:p>
-            <a:pPr lvl="5"/>
-            <a:r>
-              <a:rPr lang="en-US" altLang="zh-TW" dirty="0" smtClean="0"/>
-              <a:t>1.Each </a:t>
-            </a:r>
-            <a:r>
-              <a:rPr lang="en-US" altLang="zh-TW" dirty="0"/>
-              <a:t>Choice </a:t>
-            </a:r>
-            <a:endParaRPr lang="en-US" altLang="zh-TW" dirty="0" smtClean="0"/>
-          </a:p>
-          <a:p>
-            <a:pPr lvl="5"/>
-            <a:endParaRPr lang="en-US" altLang="zh-TW" dirty="0"/>
-          </a:p>
-          <a:p>
-            <a:pPr lvl="5"/>
-            <a:r>
-              <a:rPr lang="en-US" altLang="zh-TW" dirty="0" smtClean="0"/>
-              <a:t>2.Equivalence </a:t>
-            </a:r>
-            <a:r>
-              <a:rPr lang="en-US" altLang="zh-TW" dirty="0"/>
-              <a:t>partition </a:t>
-            </a:r>
-            <a:endParaRPr lang="en-US" altLang="zh-TW" dirty="0" smtClean="0"/>
-          </a:p>
-          <a:p>
-            <a:pPr lvl="5"/>
-            <a:endParaRPr lang="en-US" altLang="zh-TW" dirty="0" smtClean="0"/>
-          </a:p>
-          <a:p>
-            <a:pPr lvl="5"/>
-            <a:r>
-              <a:rPr lang="en-US" altLang="zh-TW" dirty="0" smtClean="0"/>
-              <a:t>3.Sequencing Constraints</a:t>
-            </a:r>
-            <a:endParaRPr lang="zh-TW" altLang="en-US" dirty="0"/>
-          </a:p>
-        </p:txBody>
-      </p:sp>
-    </p:spTree>
-    <p:extLst>
-      <p:ext uri="{BB962C8B-B14F-4D97-AF65-F5344CB8AC3E}">
-        <p14:creationId xmlns:p14="http://schemas.microsoft.com/office/powerpoint/2010/main" val="2222598891"/>
-      </p:ext>
-    </p:extLst>
-  </p:cSld>
-  <p:clrMapOvr>
-    <a:masterClrMapping/>
-  </p:clrMapOvr>
-  <p:timing>
-    <p:tnLst>
-      <p:par>
-        <p:cTn id="1" dur="indefinite" restart="never" nodeType="tmRoot"/>
-      </p:par>
-    </p:tnLst>
-  </p:timing>
-</p:sld>
-</file>
-
-<file path=ppt/slides/slide14.xml><?xml version="1.0" encoding="utf-8"?>
-<p:sld xmlns:a="http://schemas.openxmlformats.org/drawingml/2006/main" xmlns:r="http://schemas.openxmlformats.org/officeDocument/2006/relationships" xmlns:p="http://schemas.openxmlformats.org/presentationml/2006/main">
-  <p:cSld>
-    <p:spTree>
-      <p:nvGrpSpPr>
-        <p:cNvPr id="1" name="Shape 143"/>
-        <p:cNvGrpSpPr/>
-        <p:nvPr/>
-      </p:nvGrpSpPr>
-      <p:grpSpPr>
-        <a:xfrm>
-          <a:off x="0" y="0"/>
-          <a:ext cx="0" cy="0"/>
-          <a:chOff x="0" y="0"/>
-          <a:chExt cx="0" cy="0"/>
-        </a:xfrm>
-      </p:grpSpPr>
-      <p:sp>
-        <p:nvSpPr>
-          <p:cNvPr id="145" name="Google Shape;145;p19"/>
-          <p:cNvSpPr txBox="1">
-            <a:spLocks noGrp="1"/>
-          </p:cNvSpPr>
-          <p:nvPr>
-            <p:ph type="title"/>
-          </p:nvPr>
-        </p:nvSpPr>
-        <p:spPr>
-          <a:xfrm>
-            <a:off x="629931" y="597877"/>
-            <a:ext cx="7977738" cy="512042"/>
+            <a:off x="165950" y="1245098"/>
+            <a:ext cx="2357442" cy="2644076"/>
           </a:xfrm>
           <a:prstGeom prst="rect">
             <a:avLst/>
           </a:prstGeom>
         </p:spPr>
-        <p:txBody>
-          <a:bodyPr spcFirstLastPara="1" wrap="square" lIns="91425" tIns="91425" rIns="91425" bIns="91425" anchor="b" anchorCtr="0">
-            <a:noAutofit/>
-          </a:bodyPr>
-          <a:lstStyle/>
-          <a:p>
-            <a:pPr lvl="0"/>
-            <a:r>
-              <a:rPr lang="en-US" altLang="zh-TW" sz="4400" dirty="0"/>
-              <a:t>Approach</a:t>
-            </a:r>
-            <a:r>
-              <a:rPr lang="en-US" altLang="zh-TW" dirty="0"/>
-              <a:t>- Each Choice for Tasks</a:t>
-            </a:r>
-            <a:endParaRPr dirty="0"/>
-          </a:p>
-        </p:txBody>
-      </p:sp>
-      <p:sp>
-        <p:nvSpPr>
-          <p:cNvPr id="147" name="Google Shape;147;p19"/>
-          <p:cNvSpPr txBox="1">
-            <a:spLocks noGrp="1"/>
-          </p:cNvSpPr>
-          <p:nvPr>
-            <p:ph type="sldNum" idx="12"/>
-          </p:nvPr>
-        </p:nvSpPr>
+      </p:pic>
+      <p:pic>
+        <p:nvPicPr>
+          <p:cNvPr id="6" name="圖片 5"/>
+          <p:cNvPicPr>
+            <a:picLocks noChangeAspect="1"/>
+          </p:cNvPicPr>
+          <p:nvPr/>
+        </p:nvPicPr>
+        <p:blipFill>
+          <a:blip r:embed="rId4"/>
+          <a:stretch>
+            <a:fillRect/>
+          </a:stretch>
+        </p:blipFill>
         <p:spPr>
           <a:xfrm>
-            <a:off x="8480575" y="6364177"/>
-            <a:ext cx="548700" cy="417900"/>
+            <a:off x="2887305" y="1245098"/>
+            <a:ext cx="2396912" cy="2644076"/>
           </a:xfrm>
           <a:prstGeom prst="rect">
             <a:avLst/>
           </a:prstGeom>
         </p:spPr>
-        <p:txBody>
-          <a:bodyPr spcFirstLastPara="1" wrap="square" lIns="91425" tIns="91425" rIns="91425" bIns="91425" anchor="t" anchorCtr="0">
-            <a:noAutofit/>
-          </a:bodyPr>
-          <a:lstStyle/>
-          <a:p>
-            <a:pPr marL="0" lvl="0" indent="0" algn="r" rtl="0">
-              <a:spcBef>
-                <a:spcPts val="0"/>
-              </a:spcBef>
-              <a:spcAft>
-                <a:spcPts val="0"/>
-              </a:spcAft>
-              <a:buNone/>
-            </a:pPr>
-            <a:fld id="{00000000-1234-1234-1234-123412341234}" type="slidenum">
-              <a:rPr lang="en"/>
-              <a:t>14</a:t>
-            </a:fld>
-            <a:endParaRPr/>
-          </a:p>
-        </p:txBody>
-      </p:sp>
-      <p:sp>
-        <p:nvSpPr>
-          <p:cNvPr id="2" name="文字方塊 1"/>
-          <p:cNvSpPr txBox="1"/>
+      </p:pic>
+      <p:pic>
+        <p:nvPicPr>
+          <p:cNvPr id="7" name="圖片 6"/>
+          <p:cNvPicPr>
+            <a:picLocks noChangeAspect="1"/>
+          </p:cNvPicPr>
           <p:nvPr/>
-        </p:nvSpPr>
+        </p:nvPicPr>
+        <p:blipFill>
+          <a:blip r:embed="rId5"/>
+          <a:stretch>
+            <a:fillRect/>
+          </a:stretch>
+        </p:blipFill>
         <p:spPr>
           <a:xfrm>
-            <a:off x="1366049" y="4627531"/>
-            <a:ext cx="5940359" cy="1384995"/>
+            <a:off x="5586583" y="1245098"/>
+            <a:ext cx="2546301" cy="2644076"/>
           </a:xfrm>
           <a:prstGeom prst="rect">
             <a:avLst/>
           </a:prstGeom>
-          <a:noFill/>
         </p:spPr>
-        <p:txBody>
-          <a:bodyPr wrap="square" rtlCol="0">
-            <a:spAutoFit/>
-          </a:bodyPr>
-          <a:lstStyle/>
-          <a:p>
-            <a:r>
-              <a:rPr lang="en-US" altLang="zh-TW" dirty="0" smtClean="0"/>
-              <a:t>TR1: { Today ,Already Start,</a:t>
-            </a:r>
-            <a:r>
-              <a:rPr lang="en-US" altLang="zh-TW" dirty="0"/>
-              <a:t> </a:t>
-            </a:r>
-            <a:r>
-              <a:rPr lang="en-US" altLang="zh-TW" dirty="0" smtClean="0"/>
-              <a:t>High, </a:t>
-            </a:r>
-            <a:r>
-              <a:rPr lang="en-US" altLang="zh-TW" dirty="0"/>
-              <a:t>Already </a:t>
-            </a:r>
-            <a:r>
-              <a:rPr lang="en-US" altLang="zh-TW" dirty="0" smtClean="0"/>
-              <a:t>Start,</a:t>
-            </a:r>
-            <a:r>
-              <a:rPr lang="en-US" altLang="zh-TW" dirty="0"/>
-              <a:t> Almost </a:t>
-            </a:r>
-            <a:r>
-              <a:rPr lang="en-US" altLang="zh-TW" dirty="0" smtClean="0"/>
-              <a:t>done}</a:t>
-            </a:r>
-            <a:endParaRPr lang="zh-TW" altLang="en-US" dirty="0"/>
-          </a:p>
-          <a:p>
-            <a:pPr fontAlgn="ctr"/>
-            <a:r>
-              <a:rPr lang="en-US" altLang="zh-TW" dirty="0" smtClean="0"/>
-              <a:t>TR2: { Tomorrow ,Today ,Medium ,Halfway there}</a:t>
-            </a:r>
-          </a:p>
-          <a:p>
-            <a:pPr fontAlgn="ctr"/>
-            <a:r>
-              <a:rPr lang="en-US" altLang="zh-TW" dirty="0" smtClean="0"/>
-              <a:t>TR3: { Next day ,Tomorrow ,Low ,Way </a:t>
-            </a:r>
-            <a:r>
-              <a:rPr lang="en-US" altLang="zh-TW" dirty="0"/>
-              <a:t>to go </a:t>
-            </a:r>
-            <a:r>
-              <a:rPr lang="en-US" altLang="zh-TW" dirty="0" smtClean="0"/>
-              <a:t>}</a:t>
-            </a:r>
-          </a:p>
-          <a:p>
-            <a:pPr fontAlgn="ctr"/>
-            <a:r>
-              <a:rPr lang="en-US" altLang="zh-TW" dirty="0" smtClean="0"/>
-              <a:t>TR4: { Some day ,Someday ,No ,Nothing accomplished}</a:t>
-            </a:r>
-          </a:p>
-          <a:p>
-            <a:pPr fontAlgn="ctr"/>
-            <a:r>
-              <a:rPr lang="en-US" altLang="zh-TW" dirty="0" smtClean="0"/>
-              <a:t>TR5: { None, Later,</a:t>
-            </a:r>
-            <a:r>
-              <a:rPr lang="en-US" altLang="zh-TW" dirty="0"/>
-              <a:t> </a:t>
-            </a:r>
-            <a:r>
-              <a:rPr lang="en-US" altLang="zh-TW" dirty="0" smtClean="0"/>
-              <a:t>None, Done}</a:t>
-            </a:r>
-          </a:p>
-          <a:p>
-            <a:pPr fontAlgn="ctr"/>
-            <a:r>
-              <a:rPr lang="en-US" altLang="zh-TW" dirty="0" smtClean="0"/>
-              <a:t>TR6: </a:t>
-            </a:r>
-            <a:r>
-              <a:rPr lang="en-US" altLang="zh-TW" dirty="0"/>
-              <a:t>{ </a:t>
-            </a:r>
-            <a:r>
-              <a:rPr lang="en-US" altLang="zh-TW" dirty="0" smtClean="0"/>
-              <a:t>Today, None, High, None}</a:t>
-            </a:r>
-            <a:endParaRPr lang="en-US" altLang="zh-TW" dirty="0"/>
-          </a:p>
-        </p:txBody>
-      </p:sp>
+      </p:pic>
+      <p:pic>
+        <p:nvPicPr>
+          <p:cNvPr id="9" name="圖片 8"/>
+          <p:cNvPicPr>
+            <a:picLocks noChangeAspect="1"/>
+          </p:cNvPicPr>
+          <p:nvPr/>
+        </p:nvPicPr>
+        <p:blipFill>
+          <a:blip r:embed="rId6"/>
+          <a:stretch>
+            <a:fillRect/>
+          </a:stretch>
+        </p:blipFill>
+        <p:spPr>
+          <a:xfrm>
+            <a:off x="165950" y="4031665"/>
+            <a:ext cx="2357442" cy="2627320"/>
+          </a:xfrm>
+          <a:prstGeom prst="rect">
+            <a:avLst/>
+          </a:prstGeom>
+        </p:spPr>
+      </p:pic>
       <p:graphicFrame>
         <p:nvGraphicFramePr>
           <p:cNvPr id="10" name="表格 9"/>
@@ -7740,16 +7298,12 @@
             <a:graphicFrameLocks noGrp="1"/>
           </p:cNvGraphicFramePr>
           <p:nvPr>
-            <p:extLst>
-              <p:ext uri="{D42A27DB-BD31-4B8C-83A1-F6EECF244321}">
-                <p14:modId xmlns:p14="http://schemas.microsoft.com/office/powerpoint/2010/main" val="1765821923"/>
-              </p:ext>
-            </p:extLst>
+            <p:extLst/>
           </p:nvPr>
         </p:nvGraphicFramePr>
         <p:xfrm>
-          <a:off x="759379" y="1989149"/>
-          <a:ext cx="7566937" cy="1950720"/>
+          <a:off x="2799344" y="4200097"/>
+          <a:ext cx="6229932" cy="2377440"/>
         </p:xfrm>
         <a:graphic>
           <a:graphicData uri="http://schemas.openxmlformats.org/drawingml/2006/table">
@@ -7758,49 +7312,49 @@
                 <a:tableStyleId>{69012ECD-51FC-41F1-AA8D-1B2483CD663E}</a:tableStyleId>
               </a:tblPr>
               <a:tblGrid>
-                <a:gridCol w="1096416">
+                <a:gridCol w="827434">
                   <a:extLst>
                     <a:ext uri="{9D8B030D-6E8A-4147-A177-3AD203B41FA5}">
                       <a16:colId xmlns:a16="http://schemas.microsoft.com/office/drawing/2014/main" val="1611709251"/>
                     </a:ext>
                   </a:extLst>
                 </a:gridCol>
-                <a:gridCol w="1096416">
+                <a:gridCol w="893851">
                   <a:extLst>
                     <a:ext uri="{9D8B030D-6E8A-4147-A177-3AD203B41FA5}">
                       <a16:colId xmlns:a16="http://schemas.microsoft.com/office/drawing/2014/main" val="3682861925"/>
                     </a:ext>
                   </a:extLst>
                 </a:gridCol>
-                <a:gridCol w="1179640">
+                <a:gridCol w="1055304">
                   <a:extLst>
                     <a:ext uri="{9D8B030D-6E8A-4147-A177-3AD203B41FA5}">
                       <a16:colId xmlns:a16="http://schemas.microsoft.com/office/drawing/2014/main" val="4121262660"/>
                     </a:ext>
                   </a:extLst>
                 </a:gridCol>
-                <a:gridCol w="1013192">
+                <a:gridCol w="1030350">
                   <a:extLst>
                     <a:ext uri="{9D8B030D-6E8A-4147-A177-3AD203B41FA5}">
                       <a16:colId xmlns:a16="http://schemas.microsoft.com/office/drawing/2014/main" val="3203516444"/>
                     </a:ext>
                   </a:extLst>
                 </a:gridCol>
-                <a:gridCol w="1449187">
+                <a:gridCol w="955497">
                   <a:extLst>
                     <a:ext uri="{9D8B030D-6E8A-4147-A177-3AD203B41FA5}">
                       <a16:colId xmlns:a16="http://schemas.microsoft.com/office/drawing/2014/main" val="4288029603"/>
                     </a:ext>
                   </a:extLst>
                 </a:gridCol>
-                <a:gridCol w="743646">
+                <a:gridCol w="801384">
                   <a:extLst>
                     <a:ext uri="{9D8B030D-6E8A-4147-A177-3AD203B41FA5}">
                       <a16:colId xmlns:a16="http://schemas.microsoft.com/office/drawing/2014/main" val="2268273975"/>
                     </a:ext>
                   </a:extLst>
                 </a:gridCol>
-                <a:gridCol w="988440">
+                <a:gridCol w="666112">
                   <a:extLst>
                     <a:ext uri="{9D8B030D-6E8A-4147-A177-3AD203B41FA5}">
                       <a16:colId xmlns:a16="http://schemas.microsoft.com/office/drawing/2014/main" val="2157781704"/>
@@ -8008,7 +7562,7 @@
                       <a:pPr algn="ctr"/>
                       <a:r>
                         <a:rPr lang="en-US" altLang="zh-TW" dirty="0" smtClean="0"/>
-                        <a:t>None</a:t>
+                        <a:t>none</a:t>
                       </a:r>
                       <a:endParaRPr lang="zh-TW" altLang="en-US" dirty="0"/>
                     </a:p>
@@ -8131,7 +7685,7 @@
                       <a:pPr algn="ctr"/>
                       <a:r>
                         <a:rPr lang="en-US" altLang="zh-TW" dirty="0" smtClean="0"/>
-                        <a:t>None</a:t>
+                        <a:t>none</a:t>
                       </a:r>
                       <a:endParaRPr lang="zh-TW" altLang="en-US" dirty="0"/>
                     </a:p>
@@ -8228,7 +7782,7 @@
                       <a:pPr algn="ctr"/>
                       <a:r>
                         <a:rPr lang="en-US" altLang="zh-TW" dirty="0" smtClean="0"/>
-                        <a:t>None</a:t>
+                        <a:t>none</a:t>
                       </a:r>
                       <a:endParaRPr lang="zh-TW" altLang="en-US" dirty="0"/>
                     </a:p>
@@ -8359,7 +7913,7 @@
                       <a:pPr algn="ctr"/>
                       <a:r>
                         <a:rPr lang="en-US" altLang="zh-TW" dirty="0" smtClean="0"/>
-                        <a:t>None</a:t>
+                        <a:t>none</a:t>
                       </a:r>
                       <a:endParaRPr lang="zh-TW" altLang="en-US" dirty="0"/>
                     </a:p>
@@ -8376,10 +7930,685 @@
           </a:graphicData>
         </a:graphic>
       </p:graphicFrame>
+      <p:sp>
+        <p:nvSpPr>
+          <p:cNvPr id="13" name="矩形 12"/>
+          <p:cNvSpPr/>
+          <p:nvPr/>
+        </p:nvSpPr>
+        <p:spPr>
+          <a:xfrm>
+            <a:off x="165950" y="866075"/>
+            <a:ext cx="2494594" cy="307777"/>
+          </a:xfrm>
+          <a:prstGeom prst="rect">
+            <a:avLst/>
+          </a:prstGeom>
+        </p:spPr>
+        <p:txBody>
+          <a:bodyPr wrap="none">
+            <a:spAutoFit/>
+          </a:bodyPr>
+          <a:lstStyle/>
+          <a:p>
+            <a:r>
+              <a:rPr lang="en-US" altLang="zh-TW" dirty="0"/>
+              <a:t>Test Scenario : </a:t>
+            </a:r>
+            <a:r>
+              <a:rPr lang="zh-TW" altLang="en-US" dirty="0"/>
+              <a:t>Classification</a:t>
+            </a:r>
+          </a:p>
+        </p:txBody>
+      </p:sp>
     </p:spTree>
     <p:extLst>
       <p:ext uri="{BB962C8B-B14F-4D97-AF65-F5344CB8AC3E}">
-        <p14:creationId xmlns:p14="http://schemas.microsoft.com/office/powerpoint/2010/main" val="3451754810"/>
+        <p14:creationId xmlns:p14="http://schemas.microsoft.com/office/powerpoint/2010/main" val="33692040"/>
+      </p:ext>
+    </p:extLst>
+  </p:cSld>
+  <p:clrMapOvr>
+    <a:masterClrMapping/>
+  </p:clrMapOvr>
+  <p:timing>
+    <p:tnLst>
+      <p:par>
+        <p:cTn id="1" dur="indefinite" restart="never" nodeType="tmRoot"/>
+      </p:par>
+    </p:tnLst>
+  </p:timing>
+</p:sld>
+</file>
+
+<file path=ppt/slides/slide12.xml><?xml version="1.0" encoding="utf-8"?>
+<p:sld xmlns:a="http://schemas.openxmlformats.org/drawingml/2006/main" xmlns:r="http://schemas.openxmlformats.org/officeDocument/2006/relationships" xmlns:p="http://schemas.openxmlformats.org/presentationml/2006/main">
+  <p:cSld>
+    <p:spTree>
+      <p:nvGrpSpPr>
+        <p:cNvPr id="1" name=""/>
+        <p:cNvGrpSpPr/>
+        <p:nvPr/>
+      </p:nvGrpSpPr>
+      <p:grpSpPr>
+        <a:xfrm>
+          <a:off x="0" y="0"/>
+          <a:ext cx="0" cy="0"/>
+          <a:chOff x="0" y="0"/>
+          <a:chExt cx="0" cy="0"/>
+        </a:xfrm>
+      </p:grpSpPr>
+      <p:sp>
+        <p:nvSpPr>
+          <p:cNvPr id="5" name="投影片編號版面配置區 4"/>
+          <p:cNvSpPr>
+            <a:spLocks noGrp="1"/>
+          </p:cNvSpPr>
+          <p:nvPr>
+            <p:ph type="sldNum" idx="12"/>
+          </p:nvPr>
+        </p:nvSpPr>
+        <p:spPr/>
+        <p:txBody>
+          <a:bodyPr/>
+          <a:lstStyle/>
+          <a:p>
+            <a:pPr marL="0" lvl="0" indent="0" algn="r" rtl="0">
+              <a:spcBef>
+                <a:spcPts val="0"/>
+              </a:spcBef>
+              <a:spcAft>
+                <a:spcPts val="0"/>
+              </a:spcAft>
+              <a:buNone/>
+            </a:pPr>
+            <a:fld id="{00000000-1234-1234-1234-123412341234}" type="slidenum">
+              <a:rPr lang="en" smtClean="0"/>
+              <a:t>12</a:t>
+            </a:fld>
+            <a:endParaRPr lang="en"/>
+          </a:p>
+        </p:txBody>
+      </p:sp>
+      <p:sp>
+        <p:nvSpPr>
+          <p:cNvPr id="2" name="矩形 1"/>
+          <p:cNvSpPr/>
+          <p:nvPr/>
+        </p:nvSpPr>
+        <p:spPr>
+          <a:xfrm>
+            <a:off x="352572" y="706573"/>
+            <a:ext cx="1846980" cy="307777"/>
+          </a:xfrm>
+          <a:prstGeom prst="rect">
+            <a:avLst/>
+          </a:prstGeom>
+        </p:spPr>
+        <p:txBody>
+          <a:bodyPr wrap="none">
+            <a:spAutoFit/>
+          </a:bodyPr>
+          <a:lstStyle/>
+          <a:p>
+            <a:r>
+              <a:rPr lang="en-US" altLang="zh-TW" dirty="0" smtClean="0"/>
+              <a:t>Input Space Partition</a:t>
+            </a:r>
+            <a:endParaRPr lang="zh-TW" altLang="en-US" dirty="0"/>
+          </a:p>
+        </p:txBody>
+      </p:sp>
+      <p:pic>
+        <p:nvPicPr>
+          <p:cNvPr id="4" name="圖片 3"/>
+          <p:cNvPicPr>
+            <a:picLocks noChangeAspect="1"/>
+          </p:cNvPicPr>
+          <p:nvPr/>
+        </p:nvPicPr>
+        <p:blipFill>
+          <a:blip r:embed="rId3"/>
+          <a:stretch>
+            <a:fillRect/>
+          </a:stretch>
+        </p:blipFill>
+        <p:spPr>
+          <a:xfrm>
+            <a:off x="713144" y="2068476"/>
+            <a:ext cx="3895725" cy="542925"/>
+          </a:xfrm>
+          <a:prstGeom prst="rect">
+            <a:avLst/>
+          </a:prstGeom>
+        </p:spPr>
+      </p:pic>
+      <p:sp>
+        <p:nvSpPr>
+          <p:cNvPr id="6" name="矩形 5"/>
+          <p:cNvSpPr/>
+          <p:nvPr/>
+        </p:nvSpPr>
+        <p:spPr>
+          <a:xfrm>
+            <a:off x="352572" y="3797983"/>
+            <a:ext cx="8585945" cy="2893100"/>
+          </a:xfrm>
+          <a:prstGeom prst="rect">
+            <a:avLst/>
+          </a:prstGeom>
+        </p:spPr>
+        <p:txBody>
+          <a:bodyPr wrap="square">
+            <a:spAutoFit/>
+          </a:bodyPr>
+          <a:lstStyle/>
+          <a:p>
+            <a:r>
+              <a:rPr lang="en-US" altLang="zh-TW" dirty="0" smtClean="0"/>
+              <a:t>For </a:t>
+            </a:r>
+            <a:r>
+              <a:rPr lang="en-US" altLang="zh-TW" dirty="0" err="1" smtClean="0"/>
+              <a:t>EditText</a:t>
+            </a:r>
+            <a:endParaRPr lang="en-US" altLang="zh-TW" dirty="0" smtClean="0"/>
+          </a:p>
+          <a:p>
+            <a:pPr lvl="4"/>
+            <a:r>
+              <a:rPr lang="en-US" altLang="zh-TW" dirty="0" smtClean="0"/>
+              <a:t>    C1</a:t>
+            </a:r>
+            <a:r>
+              <a:rPr lang="en-US" altLang="zh-TW" dirty="0"/>
+              <a:t>: </a:t>
+            </a:r>
+            <a:r>
+              <a:rPr lang="en-US" altLang="zh-TW" dirty="0" smtClean="0"/>
+              <a:t>Null </a:t>
+            </a:r>
+            <a:r>
+              <a:rPr lang="en-US" altLang="zh-TW" dirty="0"/>
+              <a:t>string</a:t>
+            </a:r>
+          </a:p>
+          <a:p>
+            <a:pPr lvl="2"/>
+            <a:r>
+              <a:rPr lang="en-US" altLang="zh-TW" dirty="0" smtClean="0"/>
+              <a:t>    C2</a:t>
+            </a:r>
+            <a:r>
+              <a:rPr lang="en-US" altLang="zh-TW" dirty="0"/>
+              <a:t>: </a:t>
+            </a:r>
+            <a:r>
+              <a:rPr lang="en-US" altLang="zh-TW" dirty="0" smtClean="0"/>
+              <a:t>Special character: @#$%^&amp; by Random Pick  </a:t>
+            </a:r>
+          </a:p>
+          <a:p>
+            <a:pPr lvl="2"/>
+            <a:r>
+              <a:rPr lang="en-US" altLang="zh-TW" dirty="0" smtClean="0"/>
+              <a:t>    (</a:t>
+            </a:r>
+            <a:r>
+              <a:rPr lang="zh-TW" altLang="en-US" dirty="0" smtClean="0"/>
+              <a:t>李宗哲 </a:t>
+            </a:r>
+            <a:r>
+              <a:rPr lang="en-US" altLang="zh-TW" dirty="0" smtClean="0"/>
+              <a:t>:Detecting </a:t>
+            </a:r>
+            <a:r>
+              <a:rPr lang="en-US" altLang="zh-TW" dirty="0"/>
+              <a:t>Android Application Anomalies  Based on Test Case Generation from a </a:t>
+            </a:r>
+            <a:r>
+              <a:rPr lang="en-US" altLang="zh-TW" dirty="0" smtClean="0"/>
+              <a:t>Crawler)</a:t>
+            </a:r>
+            <a:endParaRPr lang="en-US" altLang="zh-TW" dirty="0"/>
+          </a:p>
+          <a:p>
+            <a:pPr lvl="2"/>
+            <a:r>
+              <a:rPr lang="en-US" altLang="zh-TW" dirty="0" smtClean="0"/>
+              <a:t>    C3</a:t>
+            </a:r>
+            <a:r>
+              <a:rPr lang="en-US" altLang="zh-TW" dirty="0"/>
+              <a:t>: </a:t>
+            </a:r>
+            <a:r>
+              <a:rPr lang="en-US" altLang="zh-TW" dirty="0" smtClean="0"/>
+              <a:t>Valid string</a:t>
+            </a:r>
+          </a:p>
+          <a:p>
+            <a:pPr lvl="2"/>
+            <a:endParaRPr lang="en-US" altLang="zh-TW" dirty="0" smtClean="0"/>
+          </a:p>
+          <a:p>
+            <a:r>
+              <a:rPr lang="en-US" altLang="zh-TW" dirty="0"/>
+              <a:t>For Numerical </a:t>
+            </a:r>
+            <a:r>
+              <a:rPr lang="en-US" altLang="zh-TW" dirty="0" smtClean="0"/>
+              <a:t>Partition</a:t>
+            </a:r>
+          </a:p>
+          <a:p>
+            <a:r>
+              <a:rPr lang="en-US" altLang="zh-TW" dirty="0"/>
+              <a:t> </a:t>
+            </a:r>
+            <a:r>
+              <a:rPr lang="en-US" altLang="zh-TW" dirty="0" smtClean="0"/>
+              <a:t>   C1: Select 1900 year</a:t>
+            </a:r>
+          </a:p>
+          <a:p>
+            <a:r>
+              <a:rPr lang="en-US" altLang="zh-TW" dirty="0" smtClean="0"/>
+              <a:t>    C2: </a:t>
+            </a:r>
+            <a:r>
+              <a:rPr lang="en-US" altLang="zh-TW" dirty="0"/>
+              <a:t>Select </a:t>
+            </a:r>
+            <a:r>
+              <a:rPr lang="en-US" altLang="zh-TW" dirty="0" smtClean="0"/>
+              <a:t>2019 year</a:t>
+            </a:r>
+          </a:p>
+          <a:p>
+            <a:r>
+              <a:rPr lang="en-US" altLang="zh-TW" dirty="0" smtClean="0"/>
+              <a:t>    C3: </a:t>
+            </a:r>
+            <a:r>
+              <a:rPr lang="en-US" altLang="zh-TW" dirty="0"/>
+              <a:t>Select </a:t>
+            </a:r>
+            <a:r>
+              <a:rPr lang="en-US" altLang="zh-TW" dirty="0" smtClean="0"/>
+              <a:t>2040 </a:t>
+            </a:r>
+            <a:r>
+              <a:rPr lang="en-US" altLang="zh-TW" dirty="0"/>
+              <a:t>year</a:t>
+            </a:r>
+          </a:p>
+          <a:p>
+            <a:endParaRPr lang="en-US" altLang="zh-TW" dirty="0"/>
+          </a:p>
+          <a:p>
+            <a:endParaRPr lang="en-US" altLang="zh-TW" dirty="0" smtClean="0"/>
+          </a:p>
+          <a:p>
+            <a:r>
+              <a:rPr lang="en-US" altLang="zh-TW" dirty="0"/>
+              <a:t>	</a:t>
+            </a:r>
+            <a:r>
+              <a:rPr lang="en-US" altLang="zh-TW" dirty="0" smtClean="0"/>
+              <a:t>  </a:t>
+            </a:r>
+            <a:endParaRPr lang="zh-TW" altLang="en-US" dirty="0"/>
+          </a:p>
+        </p:txBody>
+      </p:sp>
+      <p:pic>
+        <p:nvPicPr>
+          <p:cNvPr id="7" name="圖片 6"/>
+          <p:cNvPicPr>
+            <a:picLocks noChangeAspect="1"/>
+          </p:cNvPicPr>
+          <p:nvPr/>
+        </p:nvPicPr>
+        <p:blipFill>
+          <a:blip r:embed="rId4"/>
+          <a:stretch>
+            <a:fillRect/>
+          </a:stretch>
+        </p:blipFill>
+        <p:spPr>
+          <a:xfrm>
+            <a:off x="760768" y="1339959"/>
+            <a:ext cx="3800475" cy="581025"/>
+          </a:xfrm>
+          <a:prstGeom prst="rect">
+            <a:avLst/>
+          </a:prstGeom>
+        </p:spPr>
+      </p:pic>
+      <p:pic>
+        <p:nvPicPr>
+          <p:cNvPr id="9" name="圖片 8"/>
+          <p:cNvPicPr>
+            <a:picLocks noChangeAspect="1"/>
+          </p:cNvPicPr>
+          <p:nvPr/>
+        </p:nvPicPr>
+        <p:blipFill>
+          <a:blip r:embed="rId5"/>
+          <a:stretch>
+            <a:fillRect/>
+          </a:stretch>
+        </p:blipFill>
+        <p:spPr>
+          <a:xfrm>
+            <a:off x="5959761" y="1037938"/>
+            <a:ext cx="1447908" cy="2434436"/>
+          </a:xfrm>
+          <a:prstGeom prst="rect">
+            <a:avLst/>
+          </a:prstGeom>
+        </p:spPr>
+      </p:pic>
+    </p:spTree>
+    <p:extLst>
+      <p:ext uri="{BB962C8B-B14F-4D97-AF65-F5344CB8AC3E}">
+        <p14:creationId xmlns:p14="http://schemas.microsoft.com/office/powerpoint/2010/main" val="4131983565"/>
+      </p:ext>
+    </p:extLst>
+  </p:cSld>
+  <p:clrMapOvr>
+    <a:masterClrMapping/>
+  </p:clrMapOvr>
+</p:sld>
+</file>
+
+<file path=ppt/slides/slide13.xml><?xml version="1.0" encoding="utf-8"?>
+<p:sld xmlns:a="http://schemas.openxmlformats.org/drawingml/2006/main" xmlns:r="http://schemas.openxmlformats.org/officeDocument/2006/relationships" xmlns:p="http://schemas.openxmlformats.org/presentationml/2006/main">
+  <p:cSld>
+    <p:spTree>
+      <p:nvGrpSpPr>
+        <p:cNvPr id="1" name=""/>
+        <p:cNvGrpSpPr/>
+        <p:nvPr/>
+      </p:nvGrpSpPr>
+      <p:grpSpPr>
+        <a:xfrm>
+          <a:off x="0" y="0"/>
+          <a:ext cx="0" cy="0"/>
+          <a:chOff x="0" y="0"/>
+          <a:chExt cx="0" cy="0"/>
+        </a:xfrm>
+      </p:grpSpPr>
+      <p:sp>
+        <p:nvSpPr>
+          <p:cNvPr id="2" name="標題 1"/>
+          <p:cNvSpPr>
+            <a:spLocks noGrp="1"/>
+          </p:cNvSpPr>
+          <p:nvPr>
+            <p:ph type="title"/>
+          </p:nvPr>
+        </p:nvSpPr>
+        <p:spPr/>
+        <p:txBody>
+          <a:bodyPr/>
+          <a:lstStyle/>
+          <a:p>
+            <a:r>
+              <a:rPr lang="en-US" altLang="zh-TW" dirty="0" smtClean="0"/>
+              <a:t>All Test Cases</a:t>
+            </a:r>
+            <a:endParaRPr lang="zh-TW" altLang="en-US" dirty="0"/>
+          </a:p>
+        </p:txBody>
+      </p:sp>
+      <p:sp>
+        <p:nvSpPr>
+          <p:cNvPr id="5" name="投影片編號版面配置區 4"/>
+          <p:cNvSpPr>
+            <a:spLocks noGrp="1"/>
+          </p:cNvSpPr>
+          <p:nvPr>
+            <p:ph type="sldNum" idx="12"/>
+          </p:nvPr>
+        </p:nvSpPr>
+        <p:spPr/>
+        <p:txBody>
+          <a:bodyPr/>
+          <a:lstStyle/>
+          <a:p>
+            <a:pPr marL="0" lvl="0" indent="0" algn="r" rtl="0">
+              <a:spcBef>
+                <a:spcPts val="0"/>
+              </a:spcBef>
+              <a:spcAft>
+                <a:spcPts val="0"/>
+              </a:spcAft>
+              <a:buNone/>
+            </a:pPr>
+            <a:fld id="{00000000-1234-1234-1234-123412341234}" type="slidenum">
+              <a:rPr lang="en" smtClean="0"/>
+              <a:t>13</a:t>
+            </a:fld>
+            <a:endParaRPr lang="en"/>
+          </a:p>
+        </p:txBody>
+      </p:sp>
+    </p:spTree>
+    <p:extLst>
+      <p:ext uri="{BB962C8B-B14F-4D97-AF65-F5344CB8AC3E}">
+        <p14:creationId xmlns:p14="http://schemas.microsoft.com/office/powerpoint/2010/main" val="3841919115"/>
+      </p:ext>
+    </p:extLst>
+  </p:cSld>
+  <p:clrMapOvr>
+    <a:masterClrMapping/>
+  </p:clrMapOvr>
+</p:sld>
+</file>
+
+<file path=ppt/slides/slide14.xml><?xml version="1.0" encoding="utf-8"?>
+<p:sld xmlns:a="http://schemas.openxmlformats.org/drawingml/2006/main" xmlns:r="http://schemas.openxmlformats.org/officeDocument/2006/relationships" xmlns:p="http://schemas.openxmlformats.org/presentationml/2006/main">
+  <p:cSld>
+    <p:spTree>
+      <p:nvGrpSpPr>
+        <p:cNvPr id="1" name="Shape 123"/>
+        <p:cNvGrpSpPr/>
+        <p:nvPr/>
+      </p:nvGrpSpPr>
+      <p:grpSpPr>
+        <a:xfrm>
+          <a:off x="0" y="0"/>
+          <a:ext cx="0" cy="0"/>
+          <a:chOff x="0" y="0"/>
+          <a:chExt cx="0" cy="0"/>
+        </a:xfrm>
+      </p:grpSpPr>
+      <p:sp>
+        <p:nvSpPr>
+          <p:cNvPr id="126" name="Google Shape;126;p17"/>
+          <p:cNvSpPr txBox="1">
+            <a:spLocks noGrp="1"/>
+          </p:cNvSpPr>
+          <p:nvPr>
+            <p:ph type="sldNum" idx="12"/>
+          </p:nvPr>
+        </p:nvSpPr>
+        <p:spPr>
+          <a:xfrm>
+            <a:off x="8480575" y="6364177"/>
+            <a:ext cx="548700" cy="417900"/>
+          </a:xfrm>
+          <a:prstGeom prst="rect">
+            <a:avLst/>
+          </a:prstGeom>
+        </p:spPr>
+        <p:txBody>
+          <a:bodyPr spcFirstLastPara="1" wrap="square" lIns="91425" tIns="91425" rIns="91425" bIns="91425" anchor="t" anchorCtr="0">
+            <a:noAutofit/>
+          </a:bodyPr>
+          <a:lstStyle/>
+          <a:p>
+            <a:pPr marL="0" lvl="0" indent="0" algn="r" rtl="0">
+              <a:spcBef>
+                <a:spcPts val="0"/>
+              </a:spcBef>
+              <a:spcAft>
+                <a:spcPts val="0"/>
+              </a:spcAft>
+              <a:buNone/>
+            </a:pPr>
+            <a:fld id="{00000000-1234-1234-1234-123412341234}" type="slidenum">
+              <a:rPr lang="en"/>
+              <a:t>14</a:t>
+            </a:fld>
+            <a:endParaRPr/>
+          </a:p>
+        </p:txBody>
+      </p:sp>
+      <p:sp>
+        <p:nvSpPr>
+          <p:cNvPr id="5" name="標題 4"/>
+          <p:cNvSpPr>
+            <a:spLocks noGrp="1"/>
+          </p:cNvSpPr>
+          <p:nvPr>
+            <p:ph type="title"/>
+          </p:nvPr>
+        </p:nvSpPr>
+        <p:spPr>
+          <a:xfrm>
+            <a:off x="410122" y="177934"/>
+            <a:ext cx="8514069" cy="1143000"/>
+          </a:xfrm>
+        </p:spPr>
+        <p:txBody>
+          <a:bodyPr/>
+          <a:lstStyle/>
+          <a:p>
+            <a:r>
+              <a:rPr lang="en-US" altLang="zh-TW" dirty="0"/>
+              <a:t>Abnormal </a:t>
+            </a:r>
+            <a:r>
+              <a:rPr lang="en-US" altLang="zh-TW" sz="2000" dirty="0" smtClean="0"/>
+              <a:t>detection(precondition: Code Coverage </a:t>
+            </a:r>
+            <a:r>
+              <a:rPr lang="zh-TW" altLang="en-US" sz="2000" dirty="0" smtClean="0"/>
+              <a:t>達到</a:t>
+            </a:r>
+            <a:r>
+              <a:rPr lang="en-US" altLang="zh-TW" sz="2000" dirty="0"/>
+              <a:t>7</a:t>
+            </a:r>
+            <a:r>
+              <a:rPr lang="en-US" altLang="zh-TW" sz="2000" dirty="0" smtClean="0"/>
+              <a:t>0%)</a:t>
+            </a:r>
+            <a:endParaRPr lang="zh-TW" altLang="en-US" sz="2000" dirty="0"/>
+          </a:p>
+        </p:txBody>
+      </p:sp>
+      <p:sp>
+        <p:nvSpPr>
+          <p:cNvPr id="7" name="矩形 6"/>
+          <p:cNvSpPr/>
+          <p:nvPr/>
+        </p:nvSpPr>
+        <p:spPr>
+          <a:xfrm>
+            <a:off x="410122" y="1937513"/>
+            <a:ext cx="4572000" cy="954107"/>
+          </a:xfrm>
+          <a:prstGeom prst="rect">
+            <a:avLst/>
+          </a:prstGeom>
+        </p:spPr>
+        <p:txBody>
+          <a:bodyPr>
+            <a:spAutoFit/>
+          </a:bodyPr>
+          <a:lstStyle/>
+          <a:p>
+            <a:r>
+              <a:rPr lang="en-US" altLang="zh-TW" sz="2800" dirty="0">
+                <a:solidFill>
+                  <a:srgbClr val="97ABBC"/>
+                </a:solidFill>
+                <a:latin typeface="微軟正黑體" panose="020B0604030504040204" pitchFamily="34" charset="-120"/>
+                <a:ea typeface="微軟正黑體" panose="020B0604030504040204" pitchFamily="34" charset="-120"/>
+              </a:rPr>
+              <a:t>1</a:t>
+            </a:r>
+            <a:r>
+              <a:rPr lang="en-US" altLang="zh-TW" sz="2800" dirty="0" smtClean="0">
+                <a:solidFill>
+                  <a:srgbClr val="97ABBC"/>
+                </a:solidFill>
+                <a:latin typeface="微軟正黑體" panose="020B0604030504040204" pitchFamily="34" charset="-120"/>
+                <a:ea typeface="微軟正黑體" panose="020B0604030504040204" pitchFamily="34" charset="-120"/>
+              </a:rPr>
+              <a:t>.</a:t>
+            </a:r>
+            <a:r>
+              <a:rPr lang="zh-TW" altLang="en-US" sz="2800" dirty="0" smtClean="0">
+                <a:solidFill>
+                  <a:srgbClr val="97ABBC"/>
+                </a:solidFill>
+                <a:latin typeface="微軟正黑體" panose="020B0604030504040204" pitchFamily="34" charset="-120"/>
+                <a:ea typeface="微軟正黑體" panose="020B0604030504040204" pitchFamily="34" charset="-120"/>
+              </a:rPr>
+              <a:t>螢幕翻轉  </a:t>
+            </a:r>
+            <a:endParaRPr lang="en-US" altLang="zh-TW" sz="2800" dirty="0" smtClean="0">
+              <a:solidFill>
+                <a:srgbClr val="97ABBC"/>
+              </a:solidFill>
+              <a:latin typeface="微軟正黑體" panose="020B0604030504040204" pitchFamily="34" charset="-120"/>
+              <a:ea typeface="微軟正黑體" panose="020B0604030504040204" pitchFamily="34" charset="-120"/>
+            </a:endParaRPr>
+          </a:p>
+          <a:p>
+            <a:r>
+              <a:rPr lang="en-US" altLang="zh-TW" sz="2800" dirty="0">
+                <a:solidFill>
+                  <a:srgbClr val="97ABBC"/>
+                </a:solidFill>
+                <a:latin typeface="微軟正黑體" panose="020B0604030504040204" pitchFamily="34" charset="-120"/>
+                <a:ea typeface="微軟正黑體" panose="020B0604030504040204" pitchFamily="34" charset="-120"/>
+              </a:rPr>
+              <a:t>2</a:t>
+            </a:r>
+            <a:r>
+              <a:rPr lang="en-US" altLang="zh-TW" sz="2800" dirty="0" smtClean="0">
+                <a:solidFill>
+                  <a:srgbClr val="97ABBC"/>
+                </a:solidFill>
+                <a:latin typeface="微軟正黑體" panose="020B0604030504040204" pitchFamily="34" charset="-120"/>
+                <a:ea typeface="微軟正黑體" panose="020B0604030504040204" pitchFamily="34" charset="-120"/>
+              </a:rPr>
+              <a:t>.On </a:t>
+            </a:r>
+            <a:r>
+              <a:rPr lang="en-US" altLang="zh-TW" sz="2800" dirty="0" smtClean="0">
+                <a:solidFill>
+                  <a:srgbClr val="97ABBC"/>
+                </a:solidFill>
+                <a:latin typeface="微軟正黑體" panose="020B0604030504040204" pitchFamily="34" charset="-120"/>
+                <a:ea typeface="微軟正黑體" panose="020B0604030504040204" pitchFamily="34" charset="-120"/>
+              </a:rPr>
+              <a:t>Pause   </a:t>
+            </a:r>
+          </a:p>
+        </p:txBody>
+      </p:sp>
+    </p:spTree>
+    <p:extLst>
+      <p:ext uri="{BB962C8B-B14F-4D97-AF65-F5344CB8AC3E}">
+        <p14:creationId xmlns:p14="http://schemas.microsoft.com/office/powerpoint/2010/main" val="3091730751"/>
       </p:ext>
     </p:extLst>
   </p:cSld>
@@ -8638,7 +8867,7 @@
     </p:spTree>
     <p:extLst>
       <p:ext uri="{BB962C8B-B14F-4D97-AF65-F5344CB8AC3E}">
-        <p14:creationId xmlns:p14="http://schemas.microsoft.com/office/powerpoint/2010/main" val="3930917518"/>
+        <p14:creationId xmlns:p14="http://schemas.microsoft.com/office/powerpoint/2010/main" val="2222598891"/>
       </p:ext>
     </p:extLst>
   </p:cSld>
@@ -8684,8 +8913,8 @@
         </p:nvSpPr>
         <p:spPr>
           <a:xfrm>
-            <a:off x="647514" y="547211"/>
-            <a:ext cx="8496486" cy="1143000"/>
+            <a:off x="647515" y="547211"/>
+            <a:ext cx="6462600" cy="1143000"/>
           </a:xfrm>
           <a:prstGeom prst="rect">
             <a:avLst/>
@@ -8697,31 +8926,12 @@
           </a:bodyPr>
           <a:lstStyle/>
           <a:p>
-            <a:r>
-              <a:rPr lang="en-US" altLang="zh-TW" dirty="0">
-                <a:solidFill>
-                  <a:srgbClr val="2185C5"/>
-                </a:solidFill>
-              </a:rPr>
-              <a:t>Testing Tools : </a:t>
-            </a:r>
-            <a:r>
-              <a:rPr lang="en-US" altLang="zh-TW" sz="3200" dirty="0" smtClean="0">
-                <a:solidFill>
-                  <a:srgbClr val="2185C5"/>
-                </a:solidFill>
-              </a:rPr>
-              <a:t>AKB-</a:t>
-            </a:r>
-            <a:r>
-              <a:rPr lang="en-US" altLang="zh-TW" sz="3200" dirty="0"/>
-              <a:t>Conceptual Diagram</a:t>
-            </a:r>
-            <a:endParaRPr lang="en-US" altLang="zh-TW" sz="3200" dirty="0">
-              <a:solidFill>
-                <a:srgbClr val="2185C5"/>
-              </a:solidFill>
-            </a:endParaRPr>
+            <a:pPr lvl="0"/>
+            <a:r>
+              <a:rPr lang="en-US" altLang="zh-TW" dirty="0" smtClean="0"/>
+              <a:t>Approach</a:t>
+            </a:r>
+            <a:endParaRPr dirty="0"/>
           </a:p>
         </p:txBody>
       </p:sp>
@@ -8767,10 +8977,156 @@
           </a:p>
         </p:txBody>
       </p:sp>
+      <p:sp>
+        <p:nvSpPr>
+          <p:cNvPr id="4" name="文字方塊 3"/>
+          <p:cNvSpPr txBox="1"/>
+          <p:nvPr/>
+        </p:nvSpPr>
+        <p:spPr>
+          <a:xfrm>
+            <a:off x="716090" y="2255306"/>
+            <a:ext cx="4530407" cy="307777"/>
+          </a:xfrm>
+          <a:prstGeom prst="rect">
+            <a:avLst/>
+          </a:prstGeom>
+          <a:noFill/>
+        </p:spPr>
+        <p:txBody>
+          <a:bodyPr wrap="none" rtlCol="0">
+            <a:spAutoFit/>
+          </a:bodyPr>
+          <a:lstStyle/>
+          <a:p>
+            <a:r>
+              <a:rPr lang="en-US" altLang="zh-TW" dirty="0"/>
+              <a:t>We use independent path  </a:t>
+            </a:r>
+            <a:r>
+              <a:rPr lang="en-US" altLang="zh-TW" dirty="0" smtClean="0"/>
+              <a:t>for </a:t>
+            </a:r>
+            <a:r>
+              <a:rPr lang="en-US" altLang="zh-TW" dirty="0"/>
+              <a:t>code coverage Criteria  </a:t>
+            </a:r>
+            <a:endParaRPr lang="zh-TW" altLang="en-US" dirty="0"/>
+          </a:p>
+        </p:txBody>
+      </p:sp>
+      <p:sp>
+        <p:nvSpPr>
+          <p:cNvPr id="8" name="文字方塊 7"/>
+          <p:cNvSpPr txBox="1"/>
+          <p:nvPr/>
+        </p:nvSpPr>
+        <p:spPr>
+          <a:xfrm>
+            <a:off x="716090" y="3435956"/>
+            <a:ext cx="3162725" cy="1815882"/>
+          </a:xfrm>
+          <a:prstGeom prst="rect">
+            <a:avLst/>
+          </a:prstGeom>
+          <a:noFill/>
+        </p:spPr>
+        <p:txBody>
+          <a:bodyPr wrap="none" rtlCol="0">
+            <a:spAutoFit/>
+          </a:bodyPr>
+          <a:lstStyle/>
+          <a:p>
+            <a:r>
+              <a:rPr lang="en-US" altLang="zh-TW" dirty="0" smtClean="0"/>
+              <a:t>To detect </a:t>
+            </a:r>
+            <a:r>
+              <a:rPr lang="en-US" altLang="zh-TW" dirty="0"/>
+              <a:t>App’s </a:t>
+            </a:r>
+            <a:r>
+              <a:rPr lang="en-US" altLang="zh-TW" kern="100" dirty="0">
+                <a:solidFill>
+                  <a:schemeClr val="tx1">
+                    <a:lumMod val="85000"/>
+                    <a:lumOff val="15000"/>
+                  </a:schemeClr>
+                </a:solidFill>
+                <a:latin typeface="微軟正黑體" panose="020B0604030504040204" pitchFamily="34" charset="-120"/>
+                <a:ea typeface="微軟正黑體" panose="020B0604030504040204" pitchFamily="34" charset="-120"/>
+                <a:cs typeface="Times New Roman" panose="02020603050405020304" pitchFamily="18" charset="0"/>
+              </a:rPr>
+              <a:t>abnormal behavior </a:t>
+            </a:r>
+            <a:r>
+              <a:rPr lang="en-US" altLang="zh-TW" kern="100" dirty="0" smtClean="0">
+                <a:solidFill>
+                  <a:schemeClr val="tx1">
+                    <a:lumMod val="85000"/>
+                    <a:lumOff val="15000"/>
+                  </a:schemeClr>
+                </a:solidFill>
+                <a:latin typeface="微軟正黑體" panose="020B0604030504040204" pitchFamily="34" charset="-120"/>
+                <a:ea typeface="微軟正黑體" panose="020B0604030504040204" pitchFamily="34" charset="-120"/>
+                <a:cs typeface="Times New Roman" panose="02020603050405020304" pitchFamily="18" charset="0"/>
+              </a:rPr>
+              <a:t>:</a:t>
+            </a:r>
+            <a:endParaRPr lang="zh-TW" altLang="en-US" dirty="0"/>
+          </a:p>
+          <a:p>
+            <a:endParaRPr lang="en-US" altLang="zh-TW" dirty="0" smtClean="0"/>
+          </a:p>
+          <a:p>
+            <a:endParaRPr lang="en-US" altLang="zh-TW" dirty="0"/>
+          </a:p>
+          <a:p>
+            <a:pPr lvl="5"/>
+            <a:r>
+              <a:rPr lang="en-US" altLang="zh-TW" dirty="0" smtClean="0"/>
+              <a:t>1.Each </a:t>
+            </a:r>
+            <a:r>
+              <a:rPr lang="en-US" altLang="zh-TW" dirty="0"/>
+              <a:t>Choice </a:t>
+            </a:r>
+            <a:endParaRPr lang="en-US" altLang="zh-TW" dirty="0" smtClean="0"/>
+          </a:p>
+          <a:p>
+            <a:pPr lvl="5"/>
+            <a:endParaRPr lang="en-US" altLang="zh-TW" dirty="0"/>
+          </a:p>
+          <a:p>
+            <a:pPr lvl="5"/>
+            <a:r>
+              <a:rPr lang="en-US" altLang="zh-TW" dirty="0" smtClean="0"/>
+              <a:t>2.Equivalence </a:t>
+            </a:r>
+            <a:r>
+              <a:rPr lang="en-US" altLang="zh-TW" dirty="0"/>
+              <a:t>partition </a:t>
+            </a:r>
+            <a:endParaRPr lang="en-US" altLang="zh-TW" dirty="0" smtClean="0"/>
+          </a:p>
+          <a:p>
+            <a:pPr lvl="5"/>
+            <a:endParaRPr lang="en-US" altLang="zh-TW" dirty="0" smtClean="0"/>
+          </a:p>
+          <a:p>
+            <a:pPr lvl="5"/>
+            <a:r>
+              <a:rPr lang="en-US" altLang="zh-TW" dirty="0" smtClean="0"/>
+              <a:t>3.Sequencing Constraints</a:t>
+            </a:r>
+            <a:endParaRPr lang="zh-TW" altLang="en-US" dirty="0"/>
+          </a:p>
+        </p:txBody>
+      </p:sp>
     </p:spTree>
     <p:extLst>
       <p:ext uri="{BB962C8B-B14F-4D97-AF65-F5344CB8AC3E}">
-        <p14:creationId xmlns:p14="http://schemas.microsoft.com/office/powerpoint/2010/main" val="2562385998"/>
+        <p14:creationId xmlns:p14="http://schemas.microsoft.com/office/powerpoint/2010/main" val="3930917518"/>
       </p:ext>
     </p:extLst>
   </p:cSld>
@@ -8817,7 +9173,7 @@
         <p:spPr>
           <a:xfrm>
             <a:off x="647514" y="547211"/>
-            <a:ext cx="8267885" cy="1143000"/>
+            <a:ext cx="8496486" cy="1143000"/>
           </a:xfrm>
           <a:prstGeom prst="rect">
             <a:avLst/>
@@ -8829,24 +9185,31 @@
           </a:bodyPr>
           <a:lstStyle/>
           <a:p>
-            <a:pPr lvl="0"/>
-            <a:r>
-              <a:rPr lang="en-US" altLang="zh-TW" dirty="0"/>
-              <a:t>Test </a:t>
-            </a:r>
-            <a:r>
-              <a:rPr lang="en-US" altLang="zh-TW" u="sng" dirty="0"/>
-              <a:t>tools</a:t>
-            </a:r>
-            <a:r>
-              <a:rPr lang="en-US" altLang="zh-TW" dirty="0"/>
-              <a:t> to be </a:t>
-            </a:r>
-            <a:r>
-              <a:rPr lang="en-US" altLang="zh-TW" dirty="0" smtClean="0"/>
-              <a:t>used-CI</a:t>
-            </a:r>
-            <a:endParaRPr dirty="0"/>
+            <a:r>
+              <a:rPr lang="en-US" altLang="zh-TW" dirty="0">
+                <a:solidFill>
+                  <a:srgbClr val="2185C5"/>
+                </a:solidFill>
+              </a:rPr>
+              <a:t>Testing Tools : </a:t>
+            </a:r>
+            <a:r>
+              <a:rPr lang="en-US" altLang="zh-TW" sz="3200" dirty="0" smtClean="0">
+                <a:solidFill>
+                  <a:srgbClr val="2185C5"/>
+                </a:solidFill>
+              </a:rPr>
+              <a:t>AKB-</a:t>
+            </a:r>
+            <a:r>
+              <a:rPr lang="en-US" altLang="zh-TW" sz="3200" dirty="0"/>
+              <a:t>Conceptual Diagram</a:t>
+            </a:r>
+            <a:endParaRPr lang="en-US" altLang="zh-TW" sz="3200" dirty="0">
+              <a:solidFill>
+                <a:srgbClr val="2185C5"/>
+              </a:solidFill>
+            </a:endParaRPr>
           </a:p>
         </p:txBody>
       </p:sp>
@@ -8892,41 +9255,10 @@
           </a:p>
         </p:txBody>
       </p:sp>
-      <p:sp>
-        <p:nvSpPr>
-          <p:cNvPr id="24" name="矩形 23"/>
-          <p:cNvSpPr/>
-          <p:nvPr/>
-        </p:nvSpPr>
-        <p:spPr>
-          <a:xfrm>
-            <a:off x="1888787" y="3145312"/>
-            <a:ext cx="4572000" cy="307777"/>
-          </a:xfrm>
-          <a:prstGeom prst="rect">
-            <a:avLst/>
-          </a:prstGeom>
-        </p:spPr>
-        <p:txBody>
-          <a:bodyPr>
-            <a:spAutoFit/>
-          </a:bodyPr>
-          <a:lstStyle/>
-          <a:p>
-            <a:r>
-              <a:rPr lang="en-US" altLang="zh-TW" dirty="0">
-                <a:hlinkClick r:id="rId3"/>
-              </a:rPr>
-              <a:t>https://sgit.csie.ntut.edu.tw/jenkins3/job/QuickAddTask/</a:t>
-            </a:r>
-            <a:endParaRPr lang="zh-TW" altLang="en-US" dirty="0"/>
-          </a:p>
-        </p:txBody>
-      </p:sp>
     </p:spTree>
     <p:extLst>
       <p:ext uri="{BB962C8B-B14F-4D97-AF65-F5344CB8AC3E}">
-        <p14:creationId xmlns:p14="http://schemas.microsoft.com/office/powerpoint/2010/main" val="2827713940"/>
+        <p14:creationId xmlns:p14="http://schemas.microsoft.com/office/powerpoint/2010/main" val="2562385998"/>
       </p:ext>
     </p:extLst>
   </p:cSld>
@@ -8988,7 +9320,19 @@
             <a:pPr lvl="0"/>
             <a:r>
               <a:rPr lang="en-US" altLang="zh-TW" dirty="0"/>
-              <a:t>Responsibility of team members</a:t>
+              <a:t>Test </a:t>
+            </a:r>
+            <a:r>
+              <a:rPr lang="en-US" altLang="zh-TW" u="sng" dirty="0"/>
+              <a:t>tools</a:t>
+            </a:r>
+            <a:r>
+              <a:rPr lang="en-US" altLang="zh-TW" dirty="0"/>
+              <a:t> to be </a:t>
+            </a:r>
+            <a:r>
+              <a:rPr lang="en-US" altLang="zh-TW" dirty="0" smtClean="0"/>
+              <a:t>used-CI</a:t>
             </a:r>
             <a:endParaRPr dirty="0"/>
           </a:p>
@@ -9031,6 +9375,150 @@
             <a:fld id="{00000000-1234-1234-1234-123412341234}" type="slidenum">
               <a:rPr lang="en"/>
               <a:t>18</a:t>
+            </a:fld>
+            <a:endParaRPr/>
+          </a:p>
+        </p:txBody>
+      </p:sp>
+      <p:sp>
+        <p:nvSpPr>
+          <p:cNvPr id="24" name="矩形 23"/>
+          <p:cNvSpPr/>
+          <p:nvPr/>
+        </p:nvSpPr>
+        <p:spPr>
+          <a:xfrm>
+            <a:off x="1888787" y="3145312"/>
+            <a:ext cx="4572000" cy="307777"/>
+          </a:xfrm>
+          <a:prstGeom prst="rect">
+            <a:avLst/>
+          </a:prstGeom>
+        </p:spPr>
+        <p:txBody>
+          <a:bodyPr>
+            <a:spAutoFit/>
+          </a:bodyPr>
+          <a:lstStyle/>
+          <a:p>
+            <a:r>
+              <a:rPr lang="en-US" altLang="zh-TW" dirty="0">
+                <a:hlinkClick r:id="rId3"/>
+              </a:rPr>
+              <a:t>https://sgit.csie.ntut.edu.tw/jenkins3/job/QuickAddTask/</a:t>
+            </a:r>
+            <a:endParaRPr lang="zh-TW" altLang="en-US" dirty="0"/>
+          </a:p>
+        </p:txBody>
+      </p:sp>
+    </p:spTree>
+    <p:extLst>
+      <p:ext uri="{BB962C8B-B14F-4D97-AF65-F5344CB8AC3E}">
+        <p14:creationId xmlns:p14="http://schemas.microsoft.com/office/powerpoint/2010/main" val="2827713940"/>
+      </p:ext>
+    </p:extLst>
+  </p:cSld>
+  <p:clrMapOvr>
+    <a:masterClrMapping/>
+  </p:clrMapOvr>
+  <p:timing>
+    <p:tnLst>
+      <p:par>
+        <p:cTn id="1" dur="indefinite" restart="never" nodeType="tmRoot"/>
+      </p:par>
+    </p:tnLst>
+  </p:timing>
+</p:sld>
+</file>
+
+<file path=ppt/slides/slide19.xml><?xml version="1.0" encoding="utf-8"?>
+<p:sld xmlns:a="http://schemas.openxmlformats.org/drawingml/2006/main" xmlns:r="http://schemas.openxmlformats.org/officeDocument/2006/relationships" xmlns:p="http://schemas.openxmlformats.org/presentationml/2006/main">
+  <p:cSld>
+    <p:spTree>
+      <p:nvGrpSpPr>
+        <p:cNvPr id="1" name="Shape 143"/>
+        <p:cNvGrpSpPr/>
+        <p:nvPr/>
+      </p:nvGrpSpPr>
+      <p:grpSpPr>
+        <a:xfrm>
+          <a:off x="0" y="0"/>
+          <a:ext cx="0" cy="0"/>
+          <a:chOff x="0" y="0"/>
+          <a:chExt cx="0" cy="0"/>
+        </a:xfrm>
+      </p:grpSpPr>
+      <p:sp>
+        <p:nvSpPr>
+          <p:cNvPr id="145" name="Google Shape;145;p19"/>
+          <p:cNvSpPr txBox="1">
+            <a:spLocks noGrp="1"/>
+          </p:cNvSpPr>
+          <p:nvPr>
+            <p:ph type="title"/>
+          </p:nvPr>
+        </p:nvSpPr>
+        <p:spPr>
+          <a:xfrm>
+            <a:off x="647514" y="547211"/>
+            <a:ext cx="8267885" cy="1143000"/>
+          </a:xfrm>
+          <a:prstGeom prst="rect">
+            <a:avLst/>
+          </a:prstGeom>
+        </p:spPr>
+        <p:txBody>
+          <a:bodyPr spcFirstLastPara="1" wrap="square" lIns="91425" tIns="91425" rIns="91425" bIns="91425" anchor="b" anchorCtr="0">
+            <a:noAutofit/>
+          </a:bodyPr>
+          <a:lstStyle/>
+          <a:p>
+            <a:pPr lvl="0"/>
+            <a:r>
+              <a:rPr lang="en-US" altLang="zh-TW" dirty="0"/>
+              <a:t>Responsibility of team members</a:t>
+            </a:r>
+            <a:endParaRPr dirty="0"/>
+          </a:p>
+        </p:txBody>
+      </p:sp>
+      <p:sp>
+        <p:nvSpPr>
+          <p:cNvPr id="147" name="Google Shape;147;p19"/>
+          <p:cNvSpPr txBox="1">
+            <a:spLocks noGrp="1"/>
+          </p:cNvSpPr>
+          <p:nvPr>
+            <p:ph type="sldNum" idx="12"/>
+          </p:nvPr>
+        </p:nvSpPr>
+        <p:spPr>
+          <a:xfrm>
+            <a:off x="8480575" y="6364177"/>
+            <a:ext cx="548700" cy="417900"/>
+          </a:xfrm>
+          <a:prstGeom prst="rect">
+            <a:avLst/>
+          </a:prstGeom>
+        </p:spPr>
+        <p:txBody>
+          <a:bodyPr spcFirstLastPara="1" wrap="square" lIns="91425" tIns="91425" rIns="91425" bIns="91425" anchor="t" anchorCtr="0">
+            <a:noAutofit/>
+          </a:bodyPr>
+          <a:lstStyle/>
+          <a:p>
+            <a:pPr marL="0" lvl="0" indent="0" algn="r" rtl="0">
+              <a:spcBef>
+                <a:spcPts val="0"/>
+              </a:spcBef>
+              <a:spcAft>
+                <a:spcPts val="0"/>
+              </a:spcAft>
+              <a:buNone/>
+            </a:pPr>
+            <a:fld id="{00000000-1234-1234-1234-123412341234}" type="slidenum">
+              <a:rPr lang="en"/>
+              <a:t>19</a:t>
             </a:fld>
             <a:endParaRPr/>
           </a:p>
@@ -10938,55 +11426,24 @@
             </a:pPr>
             <a:r>
               <a:rPr lang="en-US" dirty="0" smtClean="0"/>
-              <a:t>2.Test Data</a:t>
-            </a:r>
-          </a:p>
-          <a:p>
-            <a:pPr marL="0" lvl="0" indent="0" algn="l" rtl="0">
-              <a:spcBef>
-                <a:spcPts val="600"/>
-              </a:spcBef>
-              <a:spcAft>
-                <a:spcPts val="0"/>
-              </a:spcAft>
+              <a:t>2.Test </a:t>
+            </a:r>
+            <a:r>
+              <a:rPr lang="en-US" dirty="0" smtClean="0"/>
+              <a:t>Data</a:t>
+            </a:r>
+          </a:p>
+          <a:p>
+            <a:pPr marL="0" lvl="0" indent="0">
               <a:buNone/>
             </a:pPr>
             <a:r>
+              <a:rPr lang="en-US" dirty="0"/>
+              <a:t>3</a:t>
+            </a:r>
+            <a:r>
               <a:rPr lang="en-US" dirty="0" smtClean="0"/>
-              <a:t>3.Source Code</a:t>
-            </a:r>
-          </a:p>
-          <a:p>
-            <a:pPr marL="0" lvl="0" indent="0" algn="l" rtl="0">
-              <a:spcBef>
-                <a:spcPts val="600"/>
-              </a:spcBef>
-              <a:spcAft>
-                <a:spcPts val="0"/>
-              </a:spcAft>
-              <a:buNone/>
-            </a:pPr>
-            <a:r>
-              <a:rPr lang="en-US" dirty="0" smtClean="0">
-                <a:hlinkClick r:id="rId5"/>
-              </a:rPr>
-              <a:t>4.Developer Issues List</a:t>
-            </a:r>
-            <a:endParaRPr lang="en-US" dirty="0" smtClean="0"/>
-          </a:p>
-          <a:p>
-            <a:pPr marL="0" lvl="0" indent="0" algn="l" rtl="0">
-              <a:spcBef>
-                <a:spcPts val="600"/>
-              </a:spcBef>
-              <a:spcAft>
-                <a:spcPts val="0"/>
-              </a:spcAft>
-              <a:buNone/>
-            </a:pPr>
-            <a:r>
-              <a:rPr lang="en-US" dirty="0" smtClean="0"/>
-              <a:t>5.UseCase Diagram</a:t>
+              <a:t>.UseCase Diagram</a:t>
             </a:r>
             <a:endParaRPr dirty="0"/>
           </a:p>
@@ -11320,16 +11777,16 @@
           </a:p>
           <a:p>
             <a:r>
+              <a:rPr lang="en-US" altLang="zh-TW" dirty="0" smtClean="0"/>
+              <a:t>3</a:t>
+            </a:r>
+            <a:r>
               <a:rPr lang="en-US" altLang="zh-TW" dirty="0"/>
-              <a:t>3</a:t>
+              <a:t>.</a:t>
             </a:r>
             <a:r>
               <a:rPr lang="en-US" altLang="zh-TW" dirty="0" smtClean="0"/>
-              <a:t>.EditTask </a:t>
-            </a:r>
-            <a:r>
-              <a:rPr lang="en-US" altLang="zh-TW" dirty="0" smtClean="0"/>
-              <a:t>– ISP</a:t>
+              <a:t>ISP</a:t>
             </a:r>
             <a:endParaRPr lang="zh-TW" altLang="en-US" dirty="0"/>
           </a:p>

--- a/Document/軟體測試期末簡報.pptx
+++ b/Document/軟體測試期末簡報.pptx
@@ -5,10 +5,10 @@
     <p:sldMasterId id="2147483658" r:id="rId1"/>
   </p:sldMasterIdLst>
   <p:notesMasterIdLst>
-    <p:notesMasterId r:id="rId21"/>
+    <p:notesMasterId r:id="rId25"/>
   </p:notesMasterIdLst>
   <p:handoutMasterIdLst>
-    <p:handoutMasterId r:id="rId22"/>
+    <p:handoutMasterId r:id="rId26"/>
   </p:handoutMasterIdLst>
   <p:sldIdLst>
     <p:sldId id="256" r:id="rId2"/>
@@ -23,24 +23,21 @@
     <p:sldId id="292" r:id="rId11"/>
     <p:sldId id="316" r:id="rId12"/>
     <p:sldId id="317" r:id="rId13"/>
-    <p:sldId id="314" r:id="rId14"/>
-    <p:sldId id="288" r:id="rId15"/>
-    <p:sldId id="291" r:id="rId16"/>
-    <p:sldId id="315" r:id="rId17"/>
-    <p:sldId id="298" r:id="rId18"/>
-    <p:sldId id="301" r:id="rId19"/>
-    <p:sldId id="302" r:id="rId20"/>
+    <p:sldId id="321" r:id="rId14"/>
+    <p:sldId id="314" r:id="rId15"/>
+    <p:sldId id="318" r:id="rId16"/>
+    <p:sldId id="319" r:id="rId17"/>
+    <p:sldId id="320" r:id="rId18"/>
+    <p:sldId id="288" r:id="rId19"/>
+    <p:sldId id="291" r:id="rId20"/>
+    <p:sldId id="315" r:id="rId21"/>
+    <p:sldId id="298" r:id="rId22"/>
+    <p:sldId id="301" r:id="rId23"/>
+    <p:sldId id="302" r:id="rId24"/>
   </p:sldIdLst>
   <p:sldSz cx="9144000" cy="6858000" type="screen4x3"/>
   <p:notesSz cx="9869488" cy="6735763"/>
   <p:embeddedFontLst>
-    <p:embeddedFont>
-      <p:font typeface="Lato" panose="02020500000000000000" charset="0"/>
-      <p:regular r:id="rId23"/>
-      <p:bold r:id="rId24"/>
-      <p:italic r:id="rId25"/>
-      <p:boldItalic r:id="rId26"/>
-    </p:embeddedFont>
     <p:embeddedFont>
       <p:font typeface="Raleway" panose="02020500000000000000" charset="0"/>
       <p:regular r:id="rId27"/>
@@ -59,6 +56,13 @@
       <p:font typeface="微軟正黑體" panose="020B0604030504040204" pitchFamily="34" charset="-120"/>
       <p:regular r:id="rId35"/>
       <p:bold r:id="rId36"/>
+    </p:embeddedFont>
+    <p:embeddedFont>
+      <p:font typeface="Lato" panose="02020500000000000000" charset="0"/>
+      <p:regular r:id="rId37"/>
+      <p:bold r:id="rId38"/>
+      <p:italic r:id="rId39"/>
+      <p:boldItalic r:id="rId40"/>
     </p:embeddedFont>
   </p:embeddedFontLst>
   <p:defaultTextStyle>
@@ -380,7 +384,7 @@
           <a:p>
             <a:fld id="{A2C15FEA-F43E-45BA-8ACE-D34F8F9E64B0}" type="datetimeFigureOut">
               <a:rPr lang="zh-TW" altLang="en-US" smtClean="0"/>
-              <a:t>2019/6/15</a:t>
+              <a:t>2019/6/16</a:t>
             </a:fld>
             <a:endParaRPr lang="zh-TW" altLang="en-US"/>
           </a:p>
@@ -8093,7 +8097,7 @@
         <p:spPr>
           <a:xfrm>
             <a:off x="352572" y="3797983"/>
-            <a:ext cx="8585945" cy="2893100"/>
+            <a:ext cx="8585945" cy="2677656"/>
           </a:xfrm>
           <a:prstGeom prst="rect">
             <a:avLst/>
@@ -8153,31 +8157,7 @@
             <a:pPr lvl="2"/>
             <a:r>
               <a:rPr lang="en-US" altLang="zh-TW" dirty="0" smtClean="0"/>
-              <a:t>    (</a:t>
-            </a:r>
-            <a:r>
-              <a:rPr lang="zh-TW" altLang="en-US" dirty="0" smtClean="0"/>
-              <a:t>李宗哲 </a:t>
-            </a:r>
-            <a:r>
-              <a:rPr lang="en-US" altLang="zh-TW" dirty="0" smtClean="0"/>
-              <a:t>:Detecting </a:t>
-            </a:r>
-            <a:r>
-              <a:rPr lang="en-US" altLang="zh-TW" dirty="0"/>
-              <a:t>Android Application Anomalies  Based on Test Case Generation from a </a:t>
-            </a:r>
-            <a:r>
-              <a:rPr lang="en-US" altLang="zh-TW" dirty="0" smtClean="0"/>
-              <a:t>Crawler)</a:t>
-            </a:r>
-            <a:endParaRPr lang="en-US" altLang="zh-TW" dirty="0"/>
-          </a:p>
-          <a:p>
-            <a:pPr lvl="2"/>
-            <a:r>
-              <a:rPr lang="en-US" altLang="zh-TW" dirty="0" smtClean="0"/>
-              <a:t>    C3</a:t>
+              <a:t>C3</a:t>
             </a:r>
             <a:r>
               <a:rPr lang="en-US" altLang="zh-TW" dirty="0"/>
@@ -8396,6 +8376,1134 @@
           </a:p>
         </p:txBody>
       </p:sp>
+      <p:graphicFrame>
+        <p:nvGraphicFramePr>
+          <p:cNvPr id="7" name="表格 6"/>
+          <p:cNvGraphicFramePr>
+            <a:graphicFrameLocks noGrp="1"/>
+          </p:cNvGraphicFramePr>
+          <p:nvPr>
+            <p:extLst>
+              <p:ext uri="{D42A27DB-BD31-4B8C-83A1-F6EECF244321}">
+                <p14:modId xmlns:p14="http://schemas.microsoft.com/office/powerpoint/2010/main" val="202616216"/>
+              </p:ext>
+            </p:extLst>
+          </p:nvPr>
+        </p:nvGraphicFramePr>
+        <p:xfrm>
+          <a:off x="893700" y="1715499"/>
+          <a:ext cx="6096000" cy="4119880"/>
+        </p:xfrm>
+        <a:graphic>
+          <a:graphicData uri="http://schemas.openxmlformats.org/drawingml/2006/table">
+            <a:tbl>
+              <a:tblPr firstRow="1" bandRow="1">
+                <a:tableStyleId>{421DADAF-C452-4BED-A372-887F624FDFEF}</a:tableStyleId>
+              </a:tblPr>
+              <a:tblGrid>
+                <a:gridCol w="3048000">
+                  <a:extLst>
+                    <a:ext uri="{9D8B030D-6E8A-4147-A177-3AD203B41FA5}">
+                      <a16:colId xmlns:a16="http://schemas.microsoft.com/office/drawing/2014/main" val="2880231605"/>
+                    </a:ext>
+                  </a:extLst>
+                </a:gridCol>
+                <a:gridCol w="3048000">
+                  <a:extLst>
+                    <a:ext uri="{9D8B030D-6E8A-4147-A177-3AD203B41FA5}">
+                      <a16:colId xmlns:a16="http://schemas.microsoft.com/office/drawing/2014/main" val="1722535411"/>
+                    </a:ext>
+                  </a:extLst>
+                </a:gridCol>
+              </a:tblGrid>
+              <a:tr h="370840">
+                <a:tc>
+                  <a:txBody>
+                    <a:bodyPr/>
+                    <a:lstStyle/>
+                    <a:p>
+                      <a:r>
+                        <a:rPr lang="en-US" altLang="zh-TW" sz="1400" dirty="0" smtClean="0">
+                          <a:solidFill>
+                            <a:srgbClr val="2185C5"/>
+                          </a:solidFill>
+                        </a:rPr>
+                        <a:t>Criteria</a:t>
+                      </a:r>
+                      <a:endParaRPr lang="en-US" altLang="zh-TW" sz="1400" dirty="0" smtClean="0">
+                        <a:solidFill>
+                          <a:srgbClr val="2185C5"/>
+                        </a:solidFill>
+                      </a:endParaRPr>
+                    </a:p>
+                  </a:txBody>
+                  <a:tcPr/>
+                </a:tc>
+                <a:tc>
+                  <a:txBody>
+                    <a:bodyPr/>
+                    <a:lstStyle/>
+                    <a:p>
+                      <a:r>
+                        <a:rPr lang="en-US" altLang="zh-TW" dirty="0" err="1" smtClean="0"/>
+                        <a:t>ScriptName</a:t>
+                      </a:r>
+                      <a:endParaRPr lang="zh-TW" altLang="en-US" dirty="0"/>
+                    </a:p>
+                  </a:txBody>
+                  <a:tcPr/>
+                </a:tc>
+                <a:extLst>
+                  <a:ext uri="{0D108BD9-81ED-4DB2-BD59-A6C34878D82A}">
+                    <a16:rowId xmlns:a16="http://schemas.microsoft.com/office/drawing/2014/main" val="1257208218"/>
+                  </a:ext>
+                </a:extLst>
+              </a:tr>
+              <a:tr h="370840">
+                <a:tc rowSpan="11">
+                  <a:txBody>
+                    <a:bodyPr/>
+                    <a:lstStyle/>
+                    <a:p>
+                      <a:r>
+                        <a:rPr lang="en-US" altLang="zh-TW" sz="1400" b="0" i="0" u="none" strike="noStrike" cap="none" dirty="0" err="1" smtClean="0">
+                          <a:solidFill>
+                            <a:srgbClr val="000000"/>
+                          </a:solidFill>
+                          <a:effectLst/>
+                          <a:latin typeface="Arial"/>
+                          <a:ea typeface="Arial"/>
+                          <a:cs typeface="Arial"/>
+                          <a:sym typeface="Arial"/>
+                        </a:rPr>
+                        <a:t>addTask</a:t>
+                      </a:r>
+                      <a:endParaRPr lang="zh-TW" altLang="en-US" dirty="0"/>
+                    </a:p>
+                  </a:txBody>
+                  <a:tcPr anchor="ctr"/>
+                </a:tc>
+                <a:tc>
+                  <a:txBody>
+                    <a:bodyPr/>
+                    <a:lstStyle/>
+                    <a:p>
+                      <a:r>
+                        <a:rPr lang="en-US" altLang="zh-TW" sz="1400" b="0" i="0" u="none" strike="noStrike" cap="none" dirty="0" err="1" smtClean="0">
+                          <a:solidFill>
+                            <a:srgbClr val="000000"/>
+                          </a:solidFill>
+                          <a:effectLst/>
+                          <a:latin typeface="Arial"/>
+                          <a:ea typeface="Arial"/>
+                          <a:cs typeface="Arial"/>
+                          <a:sym typeface="Arial"/>
+                        </a:rPr>
+                        <a:t>addList</a:t>
+                      </a:r>
+                      <a:endParaRPr lang="zh-TW" altLang="en-US" dirty="0"/>
+                    </a:p>
+                  </a:txBody>
+                  <a:tcPr/>
+                </a:tc>
+                <a:extLst>
+                  <a:ext uri="{0D108BD9-81ED-4DB2-BD59-A6C34878D82A}">
+                    <a16:rowId xmlns:a16="http://schemas.microsoft.com/office/drawing/2014/main" val="2202489449"/>
+                  </a:ext>
+                </a:extLst>
+              </a:tr>
+              <a:tr h="370840">
+                <a:tc vMerge="1">
+                  <a:txBody>
+                    <a:bodyPr/>
+                    <a:lstStyle/>
+                    <a:p>
+                      <a:endParaRPr lang="zh-TW" altLang="en-US" dirty="0"/>
+                    </a:p>
+                  </a:txBody>
+                  <a:tcPr/>
+                </a:tc>
+                <a:tc>
+                  <a:txBody>
+                    <a:bodyPr/>
+                    <a:lstStyle/>
+                    <a:p>
+                      <a:pPr marL="0" marR="0" indent="0" algn="l" defTabSz="914400" rtl="0" eaLnBrk="1" fontAlgn="auto" latinLnBrk="0" hangingPunct="1">
+                        <a:lnSpc>
+                          <a:spcPct val="100000"/>
+                        </a:lnSpc>
+                        <a:spcBef>
+                          <a:spcPts val="0"/>
+                        </a:spcBef>
+                        <a:spcAft>
+                          <a:spcPts val="0"/>
+                        </a:spcAft>
+                        <a:buClr>
+                          <a:srgbClr val="000000"/>
+                        </a:buClr>
+                        <a:buSzTx/>
+                        <a:buFont typeface="Arial"/>
+                        <a:buNone/>
+                        <a:tabLst/>
+                        <a:defRPr/>
+                      </a:pPr>
+                      <a:r>
+                        <a:rPr lang="en-US" altLang="zh-TW" sz="1400" b="0" i="0" u="none" strike="noStrike" cap="none" dirty="0" err="1" smtClean="0">
+                          <a:solidFill>
+                            <a:srgbClr val="000000"/>
+                          </a:solidFill>
+                          <a:effectLst/>
+                          <a:latin typeface="Arial"/>
+                          <a:ea typeface="Arial"/>
+                          <a:cs typeface="Arial"/>
+                          <a:sym typeface="Arial"/>
+                        </a:rPr>
+                        <a:t>addTask</a:t>
+                      </a:r>
+                      <a:endParaRPr lang="zh-TW" altLang="en-US" dirty="0" smtClean="0"/>
+                    </a:p>
+                  </a:txBody>
+                  <a:tcPr/>
+                </a:tc>
+                <a:extLst>
+                  <a:ext uri="{0D108BD9-81ED-4DB2-BD59-A6C34878D82A}">
+                    <a16:rowId xmlns:a16="http://schemas.microsoft.com/office/drawing/2014/main" val="1160251316"/>
+                  </a:ext>
+                </a:extLst>
+              </a:tr>
+              <a:tr h="370840">
+                <a:tc vMerge="1">
+                  <a:txBody>
+                    <a:bodyPr/>
+                    <a:lstStyle/>
+                    <a:p>
+                      <a:endParaRPr lang="zh-TW" altLang="en-US" dirty="0"/>
+                    </a:p>
+                  </a:txBody>
+                  <a:tcPr/>
+                </a:tc>
+                <a:tc>
+                  <a:txBody>
+                    <a:bodyPr/>
+                    <a:lstStyle/>
+                    <a:p>
+                      <a:pPr marL="0" marR="0" indent="0" algn="l" defTabSz="914400" rtl="0" eaLnBrk="1" fontAlgn="auto" latinLnBrk="0" hangingPunct="1">
+                        <a:lnSpc>
+                          <a:spcPct val="100000"/>
+                        </a:lnSpc>
+                        <a:spcBef>
+                          <a:spcPts val="0"/>
+                        </a:spcBef>
+                        <a:spcAft>
+                          <a:spcPts val="0"/>
+                        </a:spcAft>
+                        <a:buClr>
+                          <a:srgbClr val="000000"/>
+                        </a:buClr>
+                        <a:buSzTx/>
+                        <a:buFont typeface="Arial"/>
+                        <a:buNone/>
+                        <a:tabLst/>
+                        <a:defRPr/>
+                      </a:pPr>
+                      <a:r>
+                        <a:rPr lang="en-US" altLang="zh-TW" sz="1400" b="0" i="0" u="none" strike="noStrike" cap="none" dirty="0" err="1" smtClean="0">
+                          <a:solidFill>
+                            <a:srgbClr val="000000"/>
+                          </a:solidFill>
+                          <a:effectLst/>
+                          <a:latin typeface="Arial"/>
+                          <a:ea typeface="Arial"/>
+                          <a:cs typeface="Arial"/>
+                          <a:sym typeface="Arial"/>
+                        </a:rPr>
+                        <a:t>deleteList</a:t>
+                      </a:r>
+                      <a:endParaRPr lang="zh-TW" altLang="en-US" dirty="0" smtClean="0"/>
+                    </a:p>
+                  </a:txBody>
+                  <a:tcPr/>
+                </a:tc>
+                <a:extLst>
+                  <a:ext uri="{0D108BD9-81ED-4DB2-BD59-A6C34878D82A}">
+                    <a16:rowId xmlns:a16="http://schemas.microsoft.com/office/drawing/2014/main" val="3061208863"/>
+                  </a:ext>
+                </a:extLst>
+              </a:tr>
+              <a:tr h="370840">
+                <a:tc vMerge="1">
+                  <a:txBody>
+                    <a:bodyPr/>
+                    <a:lstStyle/>
+                    <a:p>
+                      <a:endParaRPr lang="zh-TW" altLang="en-US"/>
+                    </a:p>
+                  </a:txBody>
+                  <a:tcPr/>
+                </a:tc>
+                <a:tc>
+                  <a:txBody>
+                    <a:bodyPr/>
+                    <a:lstStyle/>
+                    <a:p>
+                      <a:pPr marL="0" marR="0" indent="0" algn="l" defTabSz="914400" rtl="0" eaLnBrk="1" fontAlgn="auto" latinLnBrk="0" hangingPunct="1">
+                        <a:lnSpc>
+                          <a:spcPct val="100000"/>
+                        </a:lnSpc>
+                        <a:spcBef>
+                          <a:spcPts val="0"/>
+                        </a:spcBef>
+                        <a:spcAft>
+                          <a:spcPts val="0"/>
+                        </a:spcAft>
+                        <a:buClr>
+                          <a:srgbClr val="000000"/>
+                        </a:buClr>
+                        <a:buSzTx/>
+                        <a:buFont typeface="Arial"/>
+                        <a:buNone/>
+                        <a:tabLst/>
+                        <a:defRPr/>
+                      </a:pPr>
+                      <a:r>
+                        <a:rPr lang="en-US" altLang="zh-TW" sz="1400" b="0" i="0" u="none" strike="noStrike" cap="none" dirty="0" err="1" smtClean="0">
+                          <a:solidFill>
+                            <a:srgbClr val="000000"/>
+                          </a:solidFill>
+                          <a:effectLst/>
+                          <a:latin typeface="Arial"/>
+                          <a:ea typeface="Arial"/>
+                          <a:cs typeface="Arial"/>
+                          <a:sym typeface="Arial"/>
+                        </a:rPr>
+                        <a:t>deleteTask</a:t>
+                      </a:r>
+                      <a:endParaRPr lang="zh-TW" altLang="en-US" dirty="0" smtClean="0"/>
+                    </a:p>
+                  </a:txBody>
+                  <a:tcPr/>
+                </a:tc>
+                <a:extLst>
+                  <a:ext uri="{0D108BD9-81ED-4DB2-BD59-A6C34878D82A}">
+                    <a16:rowId xmlns:a16="http://schemas.microsoft.com/office/drawing/2014/main" val="1098168655"/>
+                  </a:ext>
+                </a:extLst>
+              </a:tr>
+              <a:tr h="370840">
+                <a:tc vMerge="1">
+                  <a:txBody>
+                    <a:bodyPr/>
+                    <a:lstStyle/>
+                    <a:p>
+                      <a:endParaRPr lang="zh-TW" altLang="en-US"/>
+                    </a:p>
+                  </a:txBody>
+                  <a:tcPr/>
+                </a:tc>
+                <a:tc>
+                  <a:txBody>
+                    <a:bodyPr/>
+                    <a:lstStyle/>
+                    <a:p>
+                      <a:pPr marL="0" marR="0" indent="0" algn="l" defTabSz="914400" rtl="0" eaLnBrk="1" fontAlgn="auto" latinLnBrk="0" hangingPunct="1">
+                        <a:lnSpc>
+                          <a:spcPct val="100000"/>
+                        </a:lnSpc>
+                        <a:spcBef>
+                          <a:spcPts val="0"/>
+                        </a:spcBef>
+                        <a:spcAft>
+                          <a:spcPts val="0"/>
+                        </a:spcAft>
+                        <a:buClr>
+                          <a:srgbClr val="000000"/>
+                        </a:buClr>
+                        <a:buSzTx/>
+                        <a:buFont typeface="Arial"/>
+                        <a:buNone/>
+                        <a:tabLst/>
+                        <a:defRPr/>
+                      </a:pPr>
+                      <a:r>
+                        <a:rPr lang="en-US" altLang="zh-TW" sz="1400" b="0" i="0" u="none" strike="noStrike" cap="none" dirty="0" err="1" smtClean="0">
+                          <a:solidFill>
+                            <a:srgbClr val="000000"/>
+                          </a:solidFill>
+                          <a:effectLst/>
+                          <a:latin typeface="Arial"/>
+                          <a:ea typeface="Arial"/>
+                          <a:cs typeface="Arial"/>
+                          <a:sym typeface="Arial"/>
+                        </a:rPr>
+                        <a:t>editList</a:t>
+                      </a:r>
+                      <a:endParaRPr lang="zh-TW" altLang="en-US" dirty="0" smtClean="0"/>
+                    </a:p>
+                  </a:txBody>
+                  <a:tcPr/>
+                </a:tc>
+                <a:extLst>
+                  <a:ext uri="{0D108BD9-81ED-4DB2-BD59-A6C34878D82A}">
+                    <a16:rowId xmlns:a16="http://schemas.microsoft.com/office/drawing/2014/main" val="636701371"/>
+                  </a:ext>
+                </a:extLst>
+              </a:tr>
+              <a:tr h="370840">
+                <a:tc vMerge="1">
+                  <a:txBody>
+                    <a:bodyPr/>
+                    <a:lstStyle/>
+                    <a:p>
+                      <a:endParaRPr lang="zh-TW" altLang="en-US"/>
+                    </a:p>
+                  </a:txBody>
+                  <a:tcPr/>
+                </a:tc>
+                <a:tc>
+                  <a:txBody>
+                    <a:bodyPr/>
+                    <a:lstStyle/>
+                    <a:p>
+                      <a:r>
+                        <a:rPr lang="en-US" altLang="zh-TW" sz="1400" b="0" i="0" u="none" strike="noStrike" cap="none" dirty="0" err="1" smtClean="0">
+                          <a:solidFill>
+                            <a:srgbClr val="000000"/>
+                          </a:solidFill>
+                          <a:effectLst/>
+                          <a:latin typeface="Arial"/>
+                          <a:ea typeface="Arial"/>
+                          <a:cs typeface="Arial"/>
+                          <a:sym typeface="Arial"/>
+                        </a:rPr>
+                        <a:t>editTask</a:t>
+                      </a:r>
+                      <a:endParaRPr lang="zh-TW" altLang="en-US" dirty="0"/>
+                    </a:p>
+                  </a:txBody>
+                  <a:tcPr/>
+                </a:tc>
+                <a:extLst>
+                  <a:ext uri="{0D108BD9-81ED-4DB2-BD59-A6C34878D82A}">
+                    <a16:rowId xmlns:a16="http://schemas.microsoft.com/office/drawing/2014/main" val="4102869940"/>
+                  </a:ext>
+                </a:extLst>
+              </a:tr>
+              <a:tr h="0">
+                <a:tc vMerge="1">
+                  <a:txBody>
+                    <a:bodyPr/>
+                    <a:lstStyle/>
+                    <a:p>
+                      <a:endParaRPr lang="zh-TW" altLang="en-US" dirty="0"/>
+                    </a:p>
+                  </a:txBody>
+                  <a:tcPr/>
+                </a:tc>
+                <a:tc>
+                  <a:txBody>
+                    <a:bodyPr/>
+                    <a:lstStyle/>
+                    <a:p>
+                      <a:r>
+                        <a:rPr lang="en-US" altLang="zh-TW" sz="1400" b="0" i="0" u="none" strike="noStrike" cap="none" dirty="0" smtClean="0">
+                          <a:solidFill>
+                            <a:srgbClr val="000000"/>
+                          </a:solidFill>
+                          <a:effectLst/>
+                          <a:latin typeface="Arial"/>
+                          <a:ea typeface="Arial"/>
+                          <a:cs typeface="Arial"/>
+                          <a:sym typeface="Arial"/>
+                        </a:rPr>
+                        <a:t>editTask_checkList</a:t>
+                      </a:r>
+                      <a:endParaRPr lang="zh-TW" altLang="en-US" dirty="0"/>
+                    </a:p>
+                  </a:txBody>
+                  <a:tcPr/>
+                </a:tc>
+                <a:extLst>
+                  <a:ext uri="{0D108BD9-81ED-4DB2-BD59-A6C34878D82A}">
+                    <a16:rowId xmlns:a16="http://schemas.microsoft.com/office/drawing/2014/main" val="1738982029"/>
+                  </a:ext>
+                </a:extLst>
+              </a:tr>
+              <a:tr h="242993">
+                <a:tc vMerge="1">
+                  <a:txBody>
+                    <a:bodyPr/>
+                    <a:lstStyle/>
+                    <a:p>
+                      <a:endParaRPr lang="zh-TW" altLang="en-US"/>
+                    </a:p>
+                  </a:txBody>
+                  <a:tcPr/>
+                </a:tc>
+                <a:tc>
+                  <a:txBody>
+                    <a:bodyPr/>
+                    <a:lstStyle/>
+                    <a:p>
+                      <a:r>
+                        <a:rPr lang="en-US" altLang="zh-TW" dirty="0" err="1" smtClean="0"/>
+                        <a:t>quickAddTask</a:t>
+                      </a:r>
+                      <a:endParaRPr lang="zh-TW" altLang="en-US" dirty="0"/>
+                    </a:p>
+                  </a:txBody>
+                  <a:tcPr/>
+                </a:tc>
+                <a:extLst>
+                  <a:ext uri="{0D108BD9-81ED-4DB2-BD59-A6C34878D82A}">
+                    <a16:rowId xmlns:a16="http://schemas.microsoft.com/office/drawing/2014/main" val="2870517524"/>
+                  </a:ext>
+                </a:extLst>
+              </a:tr>
+              <a:tr h="181187">
+                <a:tc vMerge="1">
+                  <a:txBody>
+                    <a:bodyPr/>
+                    <a:lstStyle/>
+                    <a:p>
+                      <a:endParaRPr lang="zh-TW" altLang="en-US"/>
+                    </a:p>
+                  </a:txBody>
+                  <a:tcPr/>
+                </a:tc>
+                <a:tc>
+                  <a:txBody>
+                    <a:bodyPr/>
+                    <a:lstStyle/>
+                    <a:p>
+                      <a:r>
+                        <a:rPr lang="en-US" altLang="zh-TW" dirty="0" smtClean="0"/>
+                        <a:t>search</a:t>
+                      </a:r>
+                      <a:endParaRPr lang="zh-TW" altLang="en-US" dirty="0"/>
+                    </a:p>
+                  </a:txBody>
+                  <a:tcPr/>
+                </a:tc>
+                <a:extLst>
+                  <a:ext uri="{0D108BD9-81ED-4DB2-BD59-A6C34878D82A}">
+                    <a16:rowId xmlns:a16="http://schemas.microsoft.com/office/drawing/2014/main" val="2619120397"/>
+                  </a:ext>
+                </a:extLst>
+              </a:tr>
+              <a:tr h="119380">
+                <a:tc vMerge="1">
+                  <a:txBody>
+                    <a:bodyPr/>
+                    <a:lstStyle/>
+                    <a:p>
+                      <a:endParaRPr lang="zh-TW" altLang="en-US"/>
+                    </a:p>
+                  </a:txBody>
+                  <a:tcPr/>
+                </a:tc>
+                <a:tc>
+                  <a:txBody>
+                    <a:bodyPr/>
+                    <a:lstStyle/>
+                    <a:p>
+                      <a:r>
+                        <a:rPr lang="en-US" altLang="zh-TW" dirty="0" err="1" smtClean="0"/>
+                        <a:t>viewTask</a:t>
+                      </a:r>
+                      <a:endParaRPr lang="zh-TW" altLang="en-US" dirty="0"/>
+                    </a:p>
+                  </a:txBody>
+                  <a:tcPr/>
+                </a:tc>
+                <a:extLst>
+                  <a:ext uri="{0D108BD9-81ED-4DB2-BD59-A6C34878D82A}">
+                    <a16:rowId xmlns:a16="http://schemas.microsoft.com/office/drawing/2014/main" val="595770446"/>
+                  </a:ext>
+                </a:extLst>
+              </a:tr>
+              <a:tr h="0">
+                <a:tc vMerge="1">
+                  <a:txBody>
+                    <a:bodyPr/>
+                    <a:lstStyle/>
+                    <a:p>
+                      <a:endParaRPr lang="zh-TW" altLang="en-US"/>
+                    </a:p>
+                  </a:txBody>
+                  <a:tcPr/>
+                </a:tc>
+                <a:tc>
+                  <a:txBody>
+                    <a:bodyPr/>
+                    <a:lstStyle/>
+                    <a:p>
+                      <a:r>
+                        <a:rPr lang="en-US" altLang="zh-TW" dirty="0" smtClean="0"/>
+                        <a:t>viewTask1</a:t>
+                      </a:r>
+                      <a:endParaRPr lang="zh-TW" altLang="en-US" dirty="0"/>
+                    </a:p>
+                  </a:txBody>
+                  <a:tcPr/>
+                </a:tc>
+                <a:extLst>
+                  <a:ext uri="{0D108BD9-81ED-4DB2-BD59-A6C34878D82A}">
+                    <a16:rowId xmlns:a16="http://schemas.microsoft.com/office/drawing/2014/main" val="856240464"/>
+                  </a:ext>
+                </a:extLst>
+              </a:tr>
+            </a:tbl>
+          </a:graphicData>
+        </a:graphic>
+      </p:graphicFrame>
+    </p:spTree>
+    <p:extLst>
+      <p:ext uri="{BB962C8B-B14F-4D97-AF65-F5344CB8AC3E}">
+        <p14:creationId xmlns:p14="http://schemas.microsoft.com/office/powerpoint/2010/main" val="1101724443"/>
+      </p:ext>
+    </p:extLst>
+  </p:cSld>
+  <p:clrMapOvr>
+    <a:masterClrMapping/>
+  </p:clrMapOvr>
+  <p:timing>
+    <p:tnLst>
+      <p:par>
+        <p:cTn id="1" dur="indefinite" restart="never" nodeType="tmRoot"/>
+      </p:par>
+    </p:tnLst>
+  </p:timing>
+</p:sld>
+</file>
+
+<file path=ppt/slides/slide14.xml><?xml version="1.0" encoding="utf-8"?>
+<p:sld xmlns:a="http://schemas.openxmlformats.org/drawingml/2006/main" xmlns:r="http://schemas.openxmlformats.org/officeDocument/2006/relationships" xmlns:p="http://schemas.openxmlformats.org/presentationml/2006/main">
+  <p:cSld>
+    <p:spTree>
+      <p:nvGrpSpPr>
+        <p:cNvPr id="1" name=""/>
+        <p:cNvGrpSpPr/>
+        <p:nvPr/>
+      </p:nvGrpSpPr>
+      <p:grpSpPr>
+        <a:xfrm>
+          <a:off x="0" y="0"/>
+          <a:ext cx="0" cy="0"/>
+          <a:chOff x="0" y="0"/>
+          <a:chExt cx="0" cy="0"/>
+        </a:xfrm>
+      </p:grpSpPr>
+      <p:sp>
+        <p:nvSpPr>
+          <p:cNvPr id="2" name="標題 1"/>
+          <p:cNvSpPr>
+            <a:spLocks noGrp="1"/>
+          </p:cNvSpPr>
+          <p:nvPr>
+            <p:ph type="title"/>
+          </p:nvPr>
+        </p:nvSpPr>
+        <p:spPr/>
+        <p:txBody>
+          <a:bodyPr/>
+          <a:lstStyle/>
+          <a:p>
+            <a:r>
+              <a:rPr lang="en-US" altLang="zh-TW" dirty="0" smtClean="0"/>
+              <a:t>All Test Cases</a:t>
+            </a:r>
+            <a:endParaRPr lang="zh-TW" altLang="en-US" dirty="0"/>
+          </a:p>
+        </p:txBody>
+      </p:sp>
+      <p:sp>
+        <p:nvSpPr>
+          <p:cNvPr id="5" name="投影片編號版面配置區 4"/>
+          <p:cNvSpPr>
+            <a:spLocks noGrp="1"/>
+          </p:cNvSpPr>
+          <p:nvPr>
+            <p:ph type="sldNum" idx="12"/>
+          </p:nvPr>
+        </p:nvSpPr>
+        <p:spPr/>
+        <p:txBody>
+          <a:bodyPr/>
+          <a:lstStyle/>
+          <a:p>
+            <a:pPr marL="0" lvl="0" indent="0" algn="r" rtl="0">
+              <a:spcBef>
+                <a:spcPts val="0"/>
+              </a:spcBef>
+              <a:spcAft>
+                <a:spcPts val="0"/>
+              </a:spcAft>
+              <a:buNone/>
+            </a:pPr>
+            <a:fld id="{00000000-1234-1234-1234-123412341234}" type="slidenum">
+              <a:rPr lang="en" smtClean="0"/>
+              <a:t>14</a:t>
+            </a:fld>
+            <a:endParaRPr lang="en"/>
+          </a:p>
+        </p:txBody>
+      </p:sp>
+      <p:graphicFrame>
+        <p:nvGraphicFramePr>
+          <p:cNvPr id="7" name="表格 6"/>
+          <p:cNvGraphicFramePr>
+            <a:graphicFrameLocks noGrp="1"/>
+          </p:cNvGraphicFramePr>
+          <p:nvPr>
+            <p:extLst>
+              <p:ext uri="{D42A27DB-BD31-4B8C-83A1-F6EECF244321}">
+                <p14:modId xmlns:p14="http://schemas.microsoft.com/office/powerpoint/2010/main" val="3766634234"/>
+              </p:ext>
+            </p:extLst>
+          </p:nvPr>
+        </p:nvGraphicFramePr>
+        <p:xfrm>
+          <a:off x="893700" y="1715499"/>
+          <a:ext cx="6096000" cy="2966720"/>
+        </p:xfrm>
+        <a:graphic>
+          <a:graphicData uri="http://schemas.openxmlformats.org/drawingml/2006/table">
+            <a:tbl>
+              <a:tblPr firstRow="1" bandRow="1">
+                <a:tableStyleId>{421DADAF-C452-4BED-A372-887F624FDFEF}</a:tableStyleId>
+              </a:tblPr>
+              <a:tblGrid>
+                <a:gridCol w="3048000">
+                  <a:extLst>
+                    <a:ext uri="{9D8B030D-6E8A-4147-A177-3AD203B41FA5}">
+                      <a16:colId xmlns:a16="http://schemas.microsoft.com/office/drawing/2014/main" val="2880231605"/>
+                    </a:ext>
+                  </a:extLst>
+                </a:gridCol>
+                <a:gridCol w="3048000">
+                  <a:extLst>
+                    <a:ext uri="{9D8B030D-6E8A-4147-A177-3AD203B41FA5}">
+                      <a16:colId xmlns:a16="http://schemas.microsoft.com/office/drawing/2014/main" val="1722535411"/>
+                    </a:ext>
+                  </a:extLst>
+                </a:gridCol>
+              </a:tblGrid>
+              <a:tr h="370840">
+                <a:tc>
+                  <a:txBody>
+                    <a:bodyPr/>
+                    <a:lstStyle/>
+                    <a:p>
+                      <a:r>
+                        <a:rPr lang="en-US" altLang="zh-TW" sz="1400" dirty="0" smtClean="0">
+                          <a:solidFill>
+                            <a:srgbClr val="2185C5"/>
+                          </a:solidFill>
+                        </a:rPr>
+                        <a:t>Criteria</a:t>
+                      </a:r>
+                      <a:endParaRPr lang="en-US" altLang="zh-TW" sz="1400" dirty="0" smtClean="0">
+                        <a:solidFill>
+                          <a:srgbClr val="2185C5"/>
+                        </a:solidFill>
+                      </a:endParaRPr>
+                    </a:p>
+                  </a:txBody>
+                  <a:tcPr/>
+                </a:tc>
+                <a:tc>
+                  <a:txBody>
+                    <a:bodyPr/>
+                    <a:lstStyle/>
+                    <a:p>
+                      <a:r>
+                        <a:rPr lang="en-US" altLang="zh-TW" dirty="0" err="1" smtClean="0"/>
+                        <a:t>ScriptName</a:t>
+                      </a:r>
+                      <a:endParaRPr lang="zh-TW" altLang="en-US" dirty="0"/>
+                    </a:p>
+                  </a:txBody>
+                  <a:tcPr/>
+                </a:tc>
+                <a:extLst>
+                  <a:ext uri="{0D108BD9-81ED-4DB2-BD59-A6C34878D82A}">
+                    <a16:rowId xmlns:a16="http://schemas.microsoft.com/office/drawing/2014/main" val="1257208218"/>
+                  </a:ext>
+                </a:extLst>
+              </a:tr>
+              <a:tr h="370840">
+                <a:tc rowSpan="7">
+                  <a:txBody>
+                    <a:bodyPr/>
+                    <a:lstStyle/>
+                    <a:p>
+                      <a:r>
+                        <a:rPr lang="en-US" altLang="zh-TW" sz="1400" b="0" i="0" u="none" strike="noStrike" cap="none" dirty="0" err="1" smtClean="0">
+                          <a:solidFill>
+                            <a:srgbClr val="000000"/>
+                          </a:solidFill>
+                          <a:effectLst/>
+                          <a:latin typeface="Arial"/>
+                          <a:ea typeface="Arial"/>
+                          <a:cs typeface="Arial"/>
+                          <a:sym typeface="Arial"/>
+                        </a:rPr>
+                        <a:t>CategoryEachChoiceCoverage</a:t>
+                      </a:r>
+                      <a:endParaRPr lang="zh-TW" altLang="en-US" dirty="0"/>
+                    </a:p>
+                  </a:txBody>
+                  <a:tcPr anchor="ctr"/>
+                </a:tc>
+                <a:tc>
+                  <a:txBody>
+                    <a:bodyPr/>
+                    <a:lstStyle/>
+                    <a:p>
+                      <a:r>
+                        <a:rPr lang="en-US" altLang="zh-TW" sz="1400" b="0" i="0" u="none" strike="noStrike" cap="none" dirty="0" smtClean="0">
+                          <a:solidFill>
+                            <a:srgbClr val="000000"/>
+                          </a:solidFill>
+                          <a:effectLst/>
+                          <a:latin typeface="Arial"/>
+                          <a:ea typeface="Arial"/>
+                          <a:cs typeface="Arial"/>
+                          <a:sym typeface="Arial"/>
+                        </a:rPr>
+                        <a:t>block1</a:t>
+                      </a:r>
+                      <a:endParaRPr lang="zh-TW" altLang="en-US" dirty="0"/>
+                    </a:p>
+                  </a:txBody>
+                  <a:tcPr/>
+                </a:tc>
+                <a:extLst>
+                  <a:ext uri="{0D108BD9-81ED-4DB2-BD59-A6C34878D82A}">
+                    <a16:rowId xmlns:a16="http://schemas.microsoft.com/office/drawing/2014/main" val="2202489449"/>
+                  </a:ext>
+                </a:extLst>
+              </a:tr>
+              <a:tr h="370840">
+                <a:tc vMerge="1">
+                  <a:txBody>
+                    <a:bodyPr/>
+                    <a:lstStyle/>
+                    <a:p>
+                      <a:endParaRPr lang="zh-TW" altLang="en-US" dirty="0"/>
+                    </a:p>
+                  </a:txBody>
+                  <a:tcPr/>
+                </a:tc>
+                <a:tc>
+                  <a:txBody>
+                    <a:bodyPr/>
+                    <a:lstStyle/>
+                    <a:p>
+                      <a:pPr marL="0" marR="0" indent="0" algn="l" defTabSz="914400" rtl="0" eaLnBrk="1" fontAlgn="auto" latinLnBrk="0" hangingPunct="1">
+                        <a:lnSpc>
+                          <a:spcPct val="100000"/>
+                        </a:lnSpc>
+                        <a:spcBef>
+                          <a:spcPts val="0"/>
+                        </a:spcBef>
+                        <a:spcAft>
+                          <a:spcPts val="0"/>
+                        </a:spcAft>
+                        <a:buClr>
+                          <a:srgbClr val="000000"/>
+                        </a:buClr>
+                        <a:buSzTx/>
+                        <a:buFont typeface="Arial"/>
+                        <a:buNone/>
+                        <a:tabLst/>
+                        <a:defRPr/>
+                      </a:pPr>
+                      <a:r>
+                        <a:rPr lang="en-US" altLang="zh-TW" sz="1400" b="0" i="0" u="none" strike="noStrike" cap="none" dirty="0" smtClean="0">
+                          <a:solidFill>
+                            <a:srgbClr val="000000"/>
+                          </a:solidFill>
+                          <a:effectLst/>
+                          <a:latin typeface="Arial"/>
+                          <a:ea typeface="Arial"/>
+                          <a:cs typeface="Arial"/>
+                          <a:sym typeface="Arial"/>
+                        </a:rPr>
+                        <a:t>block2</a:t>
+                      </a:r>
+                      <a:endParaRPr lang="zh-TW" altLang="en-US" dirty="0" smtClean="0"/>
+                    </a:p>
+                  </a:txBody>
+                  <a:tcPr/>
+                </a:tc>
+                <a:extLst>
+                  <a:ext uri="{0D108BD9-81ED-4DB2-BD59-A6C34878D82A}">
+                    <a16:rowId xmlns:a16="http://schemas.microsoft.com/office/drawing/2014/main" val="1160251316"/>
+                  </a:ext>
+                </a:extLst>
+              </a:tr>
+              <a:tr h="370840">
+                <a:tc vMerge="1">
+                  <a:txBody>
+                    <a:bodyPr/>
+                    <a:lstStyle/>
+                    <a:p>
+                      <a:endParaRPr lang="zh-TW" altLang="en-US" dirty="0"/>
+                    </a:p>
+                  </a:txBody>
+                  <a:tcPr/>
+                </a:tc>
+                <a:tc>
+                  <a:txBody>
+                    <a:bodyPr/>
+                    <a:lstStyle/>
+                    <a:p>
+                      <a:pPr marL="0" marR="0" indent="0" algn="l" defTabSz="914400" rtl="0" eaLnBrk="1" fontAlgn="auto" latinLnBrk="0" hangingPunct="1">
+                        <a:lnSpc>
+                          <a:spcPct val="100000"/>
+                        </a:lnSpc>
+                        <a:spcBef>
+                          <a:spcPts val="0"/>
+                        </a:spcBef>
+                        <a:spcAft>
+                          <a:spcPts val="0"/>
+                        </a:spcAft>
+                        <a:buClr>
+                          <a:srgbClr val="000000"/>
+                        </a:buClr>
+                        <a:buSzTx/>
+                        <a:buFont typeface="Arial"/>
+                        <a:buNone/>
+                        <a:tabLst/>
+                        <a:defRPr/>
+                      </a:pPr>
+                      <a:r>
+                        <a:rPr lang="en-US" altLang="zh-TW" sz="1400" b="0" i="0" u="none" strike="noStrike" cap="none" dirty="0" smtClean="0">
+                          <a:solidFill>
+                            <a:srgbClr val="000000"/>
+                          </a:solidFill>
+                          <a:effectLst/>
+                          <a:latin typeface="Arial"/>
+                          <a:ea typeface="Arial"/>
+                          <a:cs typeface="Arial"/>
+                          <a:sym typeface="Arial"/>
+                        </a:rPr>
+                        <a:t>block3</a:t>
+                      </a:r>
+                      <a:endParaRPr lang="zh-TW" altLang="en-US" dirty="0" smtClean="0"/>
+                    </a:p>
+                  </a:txBody>
+                  <a:tcPr/>
+                </a:tc>
+                <a:extLst>
+                  <a:ext uri="{0D108BD9-81ED-4DB2-BD59-A6C34878D82A}">
+                    <a16:rowId xmlns:a16="http://schemas.microsoft.com/office/drawing/2014/main" val="3061208863"/>
+                  </a:ext>
+                </a:extLst>
+              </a:tr>
+              <a:tr h="370840">
+                <a:tc vMerge="1">
+                  <a:txBody>
+                    <a:bodyPr/>
+                    <a:lstStyle/>
+                    <a:p>
+                      <a:endParaRPr lang="zh-TW" altLang="en-US"/>
+                    </a:p>
+                  </a:txBody>
+                  <a:tcPr/>
+                </a:tc>
+                <a:tc>
+                  <a:txBody>
+                    <a:bodyPr/>
+                    <a:lstStyle/>
+                    <a:p>
+                      <a:pPr marL="0" marR="0" indent="0" algn="l" defTabSz="914400" rtl="0" eaLnBrk="1" fontAlgn="auto" latinLnBrk="0" hangingPunct="1">
+                        <a:lnSpc>
+                          <a:spcPct val="100000"/>
+                        </a:lnSpc>
+                        <a:spcBef>
+                          <a:spcPts val="0"/>
+                        </a:spcBef>
+                        <a:spcAft>
+                          <a:spcPts val="0"/>
+                        </a:spcAft>
+                        <a:buClr>
+                          <a:srgbClr val="000000"/>
+                        </a:buClr>
+                        <a:buSzTx/>
+                        <a:buFont typeface="Arial"/>
+                        <a:buNone/>
+                        <a:tabLst/>
+                        <a:defRPr/>
+                      </a:pPr>
+                      <a:r>
+                        <a:rPr lang="en-US" altLang="zh-TW" sz="1400" b="0" i="0" u="none" strike="noStrike" cap="none" dirty="0" smtClean="0">
+                          <a:solidFill>
+                            <a:srgbClr val="000000"/>
+                          </a:solidFill>
+                          <a:effectLst/>
+                          <a:latin typeface="Arial"/>
+                          <a:ea typeface="Arial"/>
+                          <a:cs typeface="Arial"/>
+                          <a:sym typeface="Arial"/>
+                        </a:rPr>
+                        <a:t>block4</a:t>
+                      </a:r>
+                      <a:endParaRPr lang="zh-TW" altLang="en-US" dirty="0" smtClean="0"/>
+                    </a:p>
+                  </a:txBody>
+                  <a:tcPr/>
+                </a:tc>
+                <a:extLst>
+                  <a:ext uri="{0D108BD9-81ED-4DB2-BD59-A6C34878D82A}">
+                    <a16:rowId xmlns:a16="http://schemas.microsoft.com/office/drawing/2014/main" val="1098168655"/>
+                  </a:ext>
+                </a:extLst>
+              </a:tr>
+              <a:tr h="370840">
+                <a:tc vMerge="1">
+                  <a:txBody>
+                    <a:bodyPr/>
+                    <a:lstStyle/>
+                    <a:p>
+                      <a:endParaRPr lang="zh-TW" altLang="en-US"/>
+                    </a:p>
+                  </a:txBody>
+                  <a:tcPr/>
+                </a:tc>
+                <a:tc>
+                  <a:txBody>
+                    <a:bodyPr/>
+                    <a:lstStyle/>
+                    <a:p>
+                      <a:pPr marL="0" marR="0" indent="0" algn="l" defTabSz="914400" rtl="0" eaLnBrk="1" fontAlgn="auto" latinLnBrk="0" hangingPunct="1">
+                        <a:lnSpc>
+                          <a:spcPct val="100000"/>
+                        </a:lnSpc>
+                        <a:spcBef>
+                          <a:spcPts val="0"/>
+                        </a:spcBef>
+                        <a:spcAft>
+                          <a:spcPts val="0"/>
+                        </a:spcAft>
+                        <a:buClr>
+                          <a:srgbClr val="000000"/>
+                        </a:buClr>
+                        <a:buSzTx/>
+                        <a:buFont typeface="Arial"/>
+                        <a:buNone/>
+                        <a:tabLst/>
+                        <a:defRPr/>
+                      </a:pPr>
+                      <a:r>
+                        <a:rPr lang="en-US" altLang="zh-TW" sz="1400" b="0" i="0" u="none" strike="noStrike" cap="none" dirty="0" smtClean="0">
+                          <a:solidFill>
+                            <a:srgbClr val="000000"/>
+                          </a:solidFill>
+                          <a:effectLst/>
+                          <a:latin typeface="Arial"/>
+                          <a:ea typeface="Arial"/>
+                          <a:cs typeface="Arial"/>
+                          <a:sym typeface="Arial"/>
+                        </a:rPr>
+                        <a:t>block6</a:t>
+                      </a:r>
+                      <a:endParaRPr lang="zh-TW" altLang="en-US" dirty="0" smtClean="0"/>
+                    </a:p>
+                  </a:txBody>
+                  <a:tcPr/>
+                </a:tc>
+                <a:extLst>
+                  <a:ext uri="{0D108BD9-81ED-4DB2-BD59-A6C34878D82A}">
+                    <a16:rowId xmlns:a16="http://schemas.microsoft.com/office/drawing/2014/main" val="636701371"/>
+                  </a:ext>
+                </a:extLst>
+              </a:tr>
+              <a:tr h="370840">
+                <a:tc vMerge="1">
+                  <a:txBody>
+                    <a:bodyPr/>
+                    <a:lstStyle/>
+                    <a:p>
+                      <a:endParaRPr lang="zh-TW" altLang="en-US"/>
+                    </a:p>
+                  </a:txBody>
+                  <a:tcPr/>
+                </a:tc>
+                <a:tc>
+                  <a:txBody>
+                    <a:bodyPr/>
+                    <a:lstStyle/>
+                    <a:p>
+                      <a:r>
+                        <a:rPr lang="en-US" altLang="zh-TW" sz="1400" b="0" i="0" u="none" strike="noStrike" cap="none" dirty="0" err="1" smtClean="0">
+                          <a:solidFill>
+                            <a:srgbClr val="000000"/>
+                          </a:solidFill>
+                          <a:effectLst/>
+                          <a:latin typeface="Arial"/>
+                          <a:ea typeface="Arial"/>
+                          <a:cs typeface="Arial"/>
+                          <a:sym typeface="Arial"/>
+                        </a:rPr>
+                        <a:t>somedayStartCategory</a:t>
+                      </a:r>
+                      <a:endParaRPr lang="zh-TW" altLang="en-US" dirty="0"/>
+                    </a:p>
+                  </a:txBody>
+                  <a:tcPr/>
+                </a:tc>
+                <a:extLst>
+                  <a:ext uri="{0D108BD9-81ED-4DB2-BD59-A6C34878D82A}">
+                    <a16:rowId xmlns:a16="http://schemas.microsoft.com/office/drawing/2014/main" val="4102869940"/>
+                  </a:ext>
+                </a:extLst>
+              </a:tr>
+              <a:tr h="370840">
+                <a:tc vMerge="1">
+                  <a:txBody>
+                    <a:bodyPr/>
+                    <a:lstStyle/>
+                    <a:p>
+                      <a:endParaRPr lang="zh-TW" altLang="en-US" dirty="0"/>
+                    </a:p>
+                  </a:txBody>
+                  <a:tcPr/>
+                </a:tc>
+                <a:tc>
+                  <a:txBody>
+                    <a:bodyPr/>
+                    <a:lstStyle/>
+                    <a:p>
+                      <a:r>
+                        <a:rPr lang="en-US" altLang="zh-TW" sz="1400" b="0" i="0" u="none" strike="noStrike" cap="none" dirty="0" err="1" smtClean="0">
+                          <a:solidFill>
+                            <a:srgbClr val="000000"/>
+                          </a:solidFill>
+                          <a:effectLst/>
+                          <a:latin typeface="Arial"/>
+                          <a:ea typeface="Arial"/>
+                          <a:cs typeface="Arial"/>
+                          <a:sym typeface="Arial"/>
+                        </a:rPr>
+                        <a:t>tomorrowStartCategory</a:t>
+                      </a:r>
+                      <a:endParaRPr lang="zh-TW" altLang="en-US" dirty="0"/>
+                    </a:p>
+                  </a:txBody>
+                  <a:tcPr/>
+                </a:tc>
+                <a:extLst>
+                  <a:ext uri="{0D108BD9-81ED-4DB2-BD59-A6C34878D82A}">
+                    <a16:rowId xmlns:a16="http://schemas.microsoft.com/office/drawing/2014/main" val="1738982029"/>
+                  </a:ext>
+                </a:extLst>
+              </a:tr>
+            </a:tbl>
+          </a:graphicData>
+        </a:graphic>
+      </p:graphicFrame>
     </p:spTree>
     <p:extLst>
       <p:ext uri="{BB962C8B-B14F-4D97-AF65-F5344CB8AC3E}">
@@ -8406,10 +9514,2586 @@
   <p:clrMapOvr>
     <a:masterClrMapping/>
   </p:clrMapOvr>
+  <p:timing>
+    <p:tnLst>
+      <p:par>
+        <p:cTn id="1" dur="indefinite" restart="never" nodeType="tmRoot"/>
+      </p:par>
+    </p:tnLst>
+  </p:timing>
 </p:sld>
 </file>
 
-<file path=ppt/slides/slide14.xml><?xml version="1.0" encoding="utf-8"?>
+<file path=ppt/slides/slide15.xml><?xml version="1.0" encoding="utf-8"?>
+<p:sld xmlns:a="http://schemas.openxmlformats.org/drawingml/2006/main" xmlns:r="http://schemas.openxmlformats.org/officeDocument/2006/relationships" xmlns:p="http://schemas.openxmlformats.org/presentationml/2006/main">
+  <p:cSld>
+    <p:spTree>
+      <p:nvGrpSpPr>
+        <p:cNvPr id="1" name=""/>
+        <p:cNvGrpSpPr/>
+        <p:nvPr/>
+      </p:nvGrpSpPr>
+      <p:grpSpPr>
+        <a:xfrm>
+          <a:off x="0" y="0"/>
+          <a:ext cx="0" cy="0"/>
+          <a:chOff x="0" y="0"/>
+          <a:chExt cx="0" cy="0"/>
+        </a:xfrm>
+      </p:grpSpPr>
+      <p:sp>
+        <p:nvSpPr>
+          <p:cNvPr id="2" name="標題 1"/>
+          <p:cNvSpPr>
+            <a:spLocks noGrp="1"/>
+          </p:cNvSpPr>
+          <p:nvPr>
+            <p:ph type="title"/>
+          </p:nvPr>
+        </p:nvSpPr>
+        <p:spPr>
+          <a:xfrm>
+            <a:off x="85391" y="-149723"/>
+            <a:ext cx="6462600" cy="1143000"/>
+          </a:xfrm>
+        </p:spPr>
+        <p:txBody>
+          <a:bodyPr/>
+          <a:lstStyle/>
+          <a:p>
+            <a:r>
+              <a:rPr lang="en-US" altLang="zh-TW" dirty="0" smtClean="0"/>
+              <a:t>All Test Cases</a:t>
+            </a:r>
+            <a:endParaRPr lang="zh-TW" altLang="en-US" dirty="0"/>
+          </a:p>
+        </p:txBody>
+      </p:sp>
+      <p:sp>
+        <p:nvSpPr>
+          <p:cNvPr id="5" name="投影片編號版面配置區 4"/>
+          <p:cNvSpPr>
+            <a:spLocks noGrp="1"/>
+          </p:cNvSpPr>
+          <p:nvPr>
+            <p:ph type="sldNum" idx="12"/>
+          </p:nvPr>
+        </p:nvSpPr>
+        <p:spPr/>
+        <p:txBody>
+          <a:bodyPr/>
+          <a:lstStyle/>
+          <a:p>
+            <a:pPr marL="0" lvl="0" indent="0" algn="r" rtl="0">
+              <a:spcBef>
+                <a:spcPts val="0"/>
+              </a:spcBef>
+              <a:spcAft>
+                <a:spcPts val="0"/>
+              </a:spcAft>
+              <a:buNone/>
+            </a:pPr>
+            <a:fld id="{00000000-1234-1234-1234-123412341234}" type="slidenum">
+              <a:rPr lang="en" smtClean="0"/>
+              <a:t>15</a:t>
+            </a:fld>
+            <a:endParaRPr lang="en"/>
+          </a:p>
+        </p:txBody>
+      </p:sp>
+      <p:graphicFrame>
+        <p:nvGraphicFramePr>
+          <p:cNvPr id="7" name="表格 6"/>
+          <p:cNvGraphicFramePr>
+            <a:graphicFrameLocks noGrp="1"/>
+          </p:cNvGraphicFramePr>
+          <p:nvPr>
+            <p:extLst>
+              <p:ext uri="{D42A27DB-BD31-4B8C-83A1-F6EECF244321}">
+                <p14:modId xmlns:p14="http://schemas.microsoft.com/office/powerpoint/2010/main" val="1130333544"/>
+              </p:ext>
+            </p:extLst>
+          </p:nvPr>
+        </p:nvGraphicFramePr>
+        <p:xfrm>
+          <a:off x="3316691" y="268177"/>
+          <a:ext cx="5712584" cy="6096000"/>
+        </p:xfrm>
+        <a:graphic>
+          <a:graphicData uri="http://schemas.openxmlformats.org/drawingml/2006/table">
+            <a:tbl>
+              <a:tblPr firstRow="1" bandRow="1">
+                <a:tableStyleId>{421DADAF-C452-4BED-A372-887F624FDFEF}</a:tableStyleId>
+              </a:tblPr>
+              <a:tblGrid>
+                <a:gridCol w="2856292">
+                  <a:extLst>
+                    <a:ext uri="{9D8B030D-6E8A-4147-A177-3AD203B41FA5}">
+                      <a16:colId xmlns:a16="http://schemas.microsoft.com/office/drawing/2014/main" val="2880231605"/>
+                    </a:ext>
+                  </a:extLst>
+                </a:gridCol>
+                <a:gridCol w="2856292">
+                  <a:extLst>
+                    <a:ext uri="{9D8B030D-6E8A-4147-A177-3AD203B41FA5}">
+                      <a16:colId xmlns:a16="http://schemas.microsoft.com/office/drawing/2014/main" val="1722535411"/>
+                    </a:ext>
+                  </a:extLst>
+                </a:gridCol>
+              </a:tblGrid>
+              <a:tr h="209778">
+                <a:tc>
+                  <a:txBody>
+                    <a:bodyPr/>
+                    <a:lstStyle/>
+                    <a:p>
+                      <a:r>
+                        <a:rPr lang="en-US" altLang="zh-TW" sz="1400" dirty="0" smtClean="0">
+                          <a:solidFill>
+                            <a:srgbClr val="2185C5"/>
+                          </a:solidFill>
+                        </a:rPr>
+                        <a:t>Criteria</a:t>
+                      </a:r>
+                      <a:endParaRPr lang="en-US" altLang="zh-TW" sz="1400" dirty="0" smtClean="0">
+                        <a:solidFill>
+                          <a:srgbClr val="2185C5"/>
+                        </a:solidFill>
+                      </a:endParaRPr>
+                    </a:p>
+                  </a:txBody>
+                  <a:tcPr/>
+                </a:tc>
+                <a:tc>
+                  <a:txBody>
+                    <a:bodyPr/>
+                    <a:lstStyle/>
+                    <a:p>
+                      <a:r>
+                        <a:rPr lang="en-US" altLang="zh-TW" dirty="0" err="1" smtClean="0"/>
+                        <a:t>ScriptName</a:t>
+                      </a:r>
+                      <a:endParaRPr lang="zh-TW" altLang="en-US" dirty="0"/>
+                    </a:p>
+                  </a:txBody>
+                  <a:tcPr/>
+                </a:tc>
+                <a:extLst>
+                  <a:ext uri="{0D108BD9-81ED-4DB2-BD59-A6C34878D82A}">
+                    <a16:rowId xmlns:a16="http://schemas.microsoft.com/office/drawing/2014/main" val="1257208218"/>
+                  </a:ext>
+                </a:extLst>
+              </a:tr>
+              <a:tr h="209778">
+                <a:tc rowSpan="19">
+                  <a:txBody>
+                    <a:bodyPr/>
+                    <a:lstStyle/>
+                    <a:p>
+                      <a:pPr algn="l"/>
+                      <a:r>
+                        <a:rPr lang="en-US" altLang="zh-TW" sz="1400" b="0" i="0" u="none" strike="noStrike" cap="none" dirty="0" err="1" smtClean="0">
+                          <a:solidFill>
+                            <a:srgbClr val="000000"/>
+                          </a:solidFill>
+                          <a:effectLst/>
+                          <a:latin typeface="Arial"/>
+                          <a:ea typeface="Arial"/>
+                          <a:cs typeface="Arial"/>
+                          <a:sym typeface="Arial"/>
+                        </a:rPr>
+                        <a:t>EdgeCoverage</a:t>
+                      </a:r>
+                      <a:endParaRPr lang="zh-TW" altLang="en-US" dirty="0"/>
+                    </a:p>
+                  </a:txBody>
+                  <a:tcPr anchor="ctr"/>
+                </a:tc>
+                <a:tc>
+                  <a:txBody>
+                    <a:bodyPr/>
+                    <a:lstStyle/>
+                    <a:p>
+                      <a:pPr algn="l"/>
+                      <a:r>
+                        <a:rPr lang="en-US" altLang="zh-TW" sz="1400" b="0" i="0" u="none" strike="noStrike" cap="none" smtClean="0">
+                          <a:solidFill>
+                            <a:srgbClr val="000000"/>
+                          </a:solidFill>
+                          <a:effectLst/>
+                          <a:latin typeface="Arial"/>
+                          <a:ea typeface="Arial"/>
+                          <a:cs typeface="Arial"/>
+                          <a:sym typeface="Arial"/>
+                        </a:rPr>
+                        <a:t>endWithNode10</a:t>
+                      </a:r>
+                      <a:endParaRPr lang="zh-TW" altLang="en-US" dirty="0"/>
+                    </a:p>
+                  </a:txBody>
+                  <a:tcPr anchor="ctr"/>
+                </a:tc>
+                <a:extLst>
+                  <a:ext uri="{0D108BD9-81ED-4DB2-BD59-A6C34878D82A}">
+                    <a16:rowId xmlns:a16="http://schemas.microsoft.com/office/drawing/2014/main" val="2202489449"/>
+                  </a:ext>
+                </a:extLst>
+              </a:tr>
+              <a:tr h="209778">
+                <a:tc vMerge="1">
+                  <a:txBody>
+                    <a:bodyPr/>
+                    <a:lstStyle/>
+                    <a:p>
+                      <a:endParaRPr lang="zh-TW" altLang="en-US" dirty="0"/>
+                    </a:p>
+                  </a:txBody>
+                  <a:tcPr/>
+                </a:tc>
+                <a:tc>
+                  <a:txBody>
+                    <a:bodyPr/>
+                    <a:lstStyle/>
+                    <a:p>
+                      <a:pPr marL="0" marR="0" indent="0" algn="l" defTabSz="914400" rtl="0" eaLnBrk="1" fontAlgn="auto" latinLnBrk="0" hangingPunct="1">
+                        <a:lnSpc>
+                          <a:spcPct val="100000"/>
+                        </a:lnSpc>
+                        <a:spcBef>
+                          <a:spcPts val="0"/>
+                        </a:spcBef>
+                        <a:spcAft>
+                          <a:spcPts val="0"/>
+                        </a:spcAft>
+                        <a:buClr>
+                          <a:srgbClr val="000000"/>
+                        </a:buClr>
+                        <a:buSzTx/>
+                        <a:buFont typeface="Arial"/>
+                        <a:buNone/>
+                        <a:tabLst/>
+                        <a:defRPr/>
+                      </a:pPr>
+                      <a:r>
+                        <a:rPr lang="en-US" altLang="zh-TW" sz="1400" b="0" i="0" u="none" strike="noStrike" cap="none" smtClean="0">
+                          <a:solidFill>
+                            <a:srgbClr val="000000"/>
+                          </a:solidFill>
+                          <a:effectLst/>
+                          <a:latin typeface="Arial"/>
+                          <a:ea typeface="Arial"/>
+                          <a:cs typeface="Arial"/>
+                          <a:sym typeface="Arial"/>
+                        </a:rPr>
+                        <a:t>endWithNode12</a:t>
+                      </a:r>
+                      <a:endParaRPr lang="zh-TW" altLang="en-US" dirty="0" smtClean="0"/>
+                    </a:p>
+                  </a:txBody>
+                  <a:tcPr anchor="ctr"/>
+                </a:tc>
+                <a:extLst>
+                  <a:ext uri="{0D108BD9-81ED-4DB2-BD59-A6C34878D82A}">
+                    <a16:rowId xmlns:a16="http://schemas.microsoft.com/office/drawing/2014/main" val="1160251316"/>
+                  </a:ext>
+                </a:extLst>
+              </a:tr>
+              <a:tr h="209778">
+                <a:tc vMerge="1">
+                  <a:txBody>
+                    <a:bodyPr/>
+                    <a:lstStyle/>
+                    <a:p>
+                      <a:endParaRPr lang="zh-TW" altLang="en-US" dirty="0"/>
+                    </a:p>
+                  </a:txBody>
+                  <a:tcPr/>
+                </a:tc>
+                <a:tc>
+                  <a:txBody>
+                    <a:bodyPr/>
+                    <a:lstStyle/>
+                    <a:p>
+                      <a:pPr marL="0" marR="0" indent="0" algn="l" defTabSz="914400" rtl="0" eaLnBrk="1" fontAlgn="auto" latinLnBrk="0" hangingPunct="1">
+                        <a:lnSpc>
+                          <a:spcPct val="100000"/>
+                        </a:lnSpc>
+                        <a:spcBef>
+                          <a:spcPts val="0"/>
+                        </a:spcBef>
+                        <a:spcAft>
+                          <a:spcPts val="0"/>
+                        </a:spcAft>
+                        <a:buClr>
+                          <a:srgbClr val="000000"/>
+                        </a:buClr>
+                        <a:buSzTx/>
+                        <a:buFont typeface="Arial"/>
+                        <a:buNone/>
+                        <a:tabLst/>
+                        <a:defRPr/>
+                      </a:pPr>
+                      <a:r>
+                        <a:rPr lang="en-US" altLang="zh-TW" sz="1400" b="0" i="0" u="none" strike="noStrike" cap="none" dirty="0" smtClean="0">
+                          <a:solidFill>
+                            <a:srgbClr val="000000"/>
+                          </a:solidFill>
+                          <a:effectLst/>
+                          <a:latin typeface="Arial"/>
+                          <a:ea typeface="Arial"/>
+                          <a:cs typeface="Arial"/>
+                          <a:sym typeface="Arial"/>
+                        </a:rPr>
+                        <a:t>endWithNode14</a:t>
+                      </a:r>
+                      <a:endParaRPr lang="zh-TW" altLang="en-US" dirty="0" smtClean="0"/>
+                    </a:p>
+                  </a:txBody>
+                  <a:tcPr anchor="ctr"/>
+                </a:tc>
+                <a:extLst>
+                  <a:ext uri="{0D108BD9-81ED-4DB2-BD59-A6C34878D82A}">
+                    <a16:rowId xmlns:a16="http://schemas.microsoft.com/office/drawing/2014/main" val="3061208863"/>
+                  </a:ext>
+                </a:extLst>
+              </a:tr>
+              <a:tr h="209778">
+                <a:tc vMerge="1">
+                  <a:txBody>
+                    <a:bodyPr/>
+                    <a:lstStyle/>
+                    <a:p>
+                      <a:endParaRPr lang="zh-TW" altLang="en-US" dirty="0"/>
+                    </a:p>
+                  </a:txBody>
+                  <a:tcPr/>
+                </a:tc>
+                <a:tc>
+                  <a:txBody>
+                    <a:bodyPr/>
+                    <a:lstStyle/>
+                    <a:p>
+                      <a:pPr marL="0" marR="0" indent="0" algn="l" defTabSz="914400" rtl="0" eaLnBrk="1" fontAlgn="auto" latinLnBrk="0" hangingPunct="1">
+                        <a:lnSpc>
+                          <a:spcPct val="100000"/>
+                        </a:lnSpc>
+                        <a:spcBef>
+                          <a:spcPts val="0"/>
+                        </a:spcBef>
+                        <a:spcAft>
+                          <a:spcPts val="0"/>
+                        </a:spcAft>
+                        <a:buClr>
+                          <a:srgbClr val="000000"/>
+                        </a:buClr>
+                        <a:buSzTx/>
+                        <a:buFont typeface="Arial"/>
+                        <a:buNone/>
+                        <a:tabLst/>
+                        <a:defRPr/>
+                      </a:pPr>
+                      <a:r>
+                        <a:rPr lang="en-US" altLang="zh-TW" sz="1400" b="0" i="0" u="none" strike="noStrike" cap="none" smtClean="0">
+                          <a:solidFill>
+                            <a:srgbClr val="000000"/>
+                          </a:solidFill>
+                          <a:effectLst/>
+                          <a:latin typeface="Arial"/>
+                          <a:ea typeface="Arial"/>
+                          <a:cs typeface="Arial"/>
+                          <a:sym typeface="Arial"/>
+                        </a:rPr>
+                        <a:t>endWithNode15_1</a:t>
+                      </a:r>
+                      <a:endParaRPr lang="zh-TW" altLang="en-US" dirty="0" smtClean="0"/>
+                    </a:p>
+                  </a:txBody>
+                  <a:tcPr anchor="ctr"/>
+                </a:tc>
+                <a:extLst>
+                  <a:ext uri="{0D108BD9-81ED-4DB2-BD59-A6C34878D82A}">
+                    <a16:rowId xmlns:a16="http://schemas.microsoft.com/office/drawing/2014/main" val="1098168655"/>
+                  </a:ext>
+                </a:extLst>
+              </a:tr>
+              <a:tr h="209778">
+                <a:tc vMerge="1">
+                  <a:txBody>
+                    <a:bodyPr/>
+                    <a:lstStyle/>
+                    <a:p>
+                      <a:endParaRPr lang="zh-TW" altLang="en-US" dirty="0"/>
+                    </a:p>
+                  </a:txBody>
+                  <a:tcPr/>
+                </a:tc>
+                <a:tc>
+                  <a:txBody>
+                    <a:bodyPr/>
+                    <a:lstStyle/>
+                    <a:p>
+                      <a:pPr marL="0" marR="0" indent="0" algn="l" defTabSz="914400" rtl="0" eaLnBrk="1" fontAlgn="auto" latinLnBrk="0" hangingPunct="1">
+                        <a:lnSpc>
+                          <a:spcPct val="100000"/>
+                        </a:lnSpc>
+                        <a:spcBef>
+                          <a:spcPts val="0"/>
+                        </a:spcBef>
+                        <a:spcAft>
+                          <a:spcPts val="0"/>
+                        </a:spcAft>
+                        <a:buClr>
+                          <a:srgbClr val="000000"/>
+                        </a:buClr>
+                        <a:buSzTx/>
+                        <a:buFont typeface="Arial"/>
+                        <a:buNone/>
+                        <a:tabLst/>
+                        <a:defRPr/>
+                      </a:pPr>
+                      <a:r>
+                        <a:rPr lang="en-US" altLang="zh-TW" sz="1400" b="0" i="0" u="none" strike="noStrike" cap="none" dirty="0" smtClean="0">
+                          <a:solidFill>
+                            <a:srgbClr val="000000"/>
+                          </a:solidFill>
+                          <a:effectLst/>
+                          <a:latin typeface="Arial"/>
+                          <a:ea typeface="Arial"/>
+                          <a:cs typeface="Arial"/>
+                          <a:sym typeface="Arial"/>
+                        </a:rPr>
+                        <a:t>endWithNode15_2</a:t>
+                      </a:r>
+                      <a:endParaRPr lang="zh-TW" altLang="en-US" dirty="0" smtClean="0"/>
+                    </a:p>
+                  </a:txBody>
+                  <a:tcPr anchor="ctr"/>
+                </a:tc>
+                <a:extLst>
+                  <a:ext uri="{0D108BD9-81ED-4DB2-BD59-A6C34878D82A}">
+                    <a16:rowId xmlns:a16="http://schemas.microsoft.com/office/drawing/2014/main" val="636701371"/>
+                  </a:ext>
+                </a:extLst>
+              </a:tr>
+              <a:tr h="209778">
+                <a:tc vMerge="1">
+                  <a:txBody>
+                    <a:bodyPr/>
+                    <a:lstStyle/>
+                    <a:p>
+                      <a:endParaRPr lang="zh-TW" altLang="en-US" dirty="0"/>
+                    </a:p>
+                  </a:txBody>
+                  <a:tcPr/>
+                </a:tc>
+                <a:tc>
+                  <a:txBody>
+                    <a:bodyPr/>
+                    <a:lstStyle/>
+                    <a:p>
+                      <a:pPr algn="l"/>
+                      <a:r>
+                        <a:rPr lang="en-US" altLang="zh-TW" sz="1400" b="0" i="0" u="none" strike="noStrike" cap="none" dirty="0" smtClean="0">
+                          <a:solidFill>
+                            <a:srgbClr val="000000"/>
+                          </a:solidFill>
+                          <a:effectLst/>
+                          <a:latin typeface="Arial"/>
+                          <a:ea typeface="Arial"/>
+                          <a:cs typeface="Arial"/>
+                          <a:sym typeface="Arial"/>
+                        </a:rPr>
+                        <a:t>endWithNode15_3</a:t>
+                      </a:r>
+                      <a:endParaRPr lang="zh-TW" altLang="en-US" dirty="0"/>
+                    </a:p>
+                  </a:txBody>
+                  <a:tcPr anchor="ctr"/>
+                </a:tc>
+                <a:extLst>
+                  <a:ext uri="{0D108BD9-81ED-4DB2-BD59-A6C34878D82A}">
+                    <a16:rowId xmlns:a16="http://schemas.microsoft.com/office/drawing/2014/main" val="4102869940"/>
+                  </a:ext>
+                </a:extLst>
+              </a:tr>
+              <a:tr h="209778">
+                <a:tc vMerge="1">
+                  <a:txBody>
+                    <a:bodyPr/>
+                    <a:lstStyle/>
+                    <a:p>
+                      <a:endParaRPr lang="zh-TW" altLang="en-US" dirty="0"/>
+                    </a:p>
+                  </a:txBody>
+                  <a:tcPr/>
+                </a:tc>
+                <a:tc>
+                  <a:txBody>
+                    <a:bodyPr/>
+                    <a:lstStyle/>
+                    <a:p>
+                      <a:pPr algn="l"/>
+                      <a:r>
+                        <a:rPr lang="en-US" altLang="zh-TW" sz="1400" b="0" i="0" u="none" strike="noStrike" cap="none" dirty="0" smtClean="0">
+                          <a:solidFill>
+                            <a:srgbClr val="000000"/>
+                          </a:solidFill>
+                          <a:effectLst/>
+                          <a:latin typeface="Arial"/>
+                          <a:ea typeface="Arial"/>
+                          <a:cs typeface="Arial"/>
+                          <a:sym typeface="Arial"/>
+                        </a:rPr>
+                        <a:t>endWithNode2-1</a:t>
+                      </a:r>
+                      <a:endParaRPr lang="zh-TW" altLang="en-US" dirty="0"/>
+                    </a:p>
+                  </a:txBody>
+                  <a:tcPr anchor="ctr"/>
+                </a:tc>
+                <a:extLst>
+                  <a:ext uri="{0D108BD9-81ED-4DB2-BD59-A6C34878D82A}">
+                    <a16:rowId xmlns:a16="http://schemas.microsoft.com/office/drawing/2014/main" val="1738982029"/>
+                  </a:ext>
+                </a:extLst>
+              </a:tr>
+              <a:tr h="209778">
+                <a:tc vMerge="1">
+                  <a:txBody>
+                    <a:bodyPr/>
+                    <a:lstStyle/>
+                    <a:p>
+                      <a:endParaRPr lang="zh-TW" altLang="en-US" dirty="0"/>
+                    </a:p>
+                  </a:txBody>
+                  <a:tcPr/>
+                </a:tc>
+                <a:tc>
+                  <a:txBody>
+                    <a:bodyPr/>
+                    <a:lstStyle/>
+                    <a:p>
+                      <a:pPr algn="l"/>
+                      <a:r>
+                        <a:rPr lang="en-US" altLang="zh-TW" sz="1400" b="0" i="0" u="none" strike="noStrike" cap="none" dirty="0" smtClean="0">
+                          <a:solidFill>
+                            <a:srgbClr val="000000"/>
+                          </a:solidFill>
+                          <a:effectLst/>
+                          <a:latin typeface="Arial"/>
+                          <a:ea typeface="Arial"/>
+                          <a:cs typeface="Arial"/>
+                          <a:sym typeface="Arial"/>
+                        </a:rPr>
+                        <a:t>endWithNode2-2</a:t>
+                      </a:r>
+                      <a:endParaRPr lang="zh-TW" altLang="en-US" dirty="0"/>
+                    </a:p>
+                  </a:txBody>
+                  <a:tcPr anchor="ctr"/>
+                </a:tc>
+                <a:extLst>
+                  <a:ext uri="{0D108BD9-81ED-4DB2-BD59-A6C34878D82A}">
+                    <a16:rowId xmlns:a16="http://schemas.microsoft.com/office/drawing/2014/main" val="66591494"/>
+                  </a:ext>
+                </a:extLst>
+              </a:tr>
+              <a:tr h="209778">
+                <a:tc vMerge="1">
+                  <a:txBody>
+                    <a:bodyPr/>
+                    <a:lstStyle/>
+                    <a:p>
+                      <a:endParaRPr lang="zh-TW" altLang="en-US" dirty="0"/>
+                    </a:p>
+                  </a:txBody>
+                  <a:tcPr/>
+                </a:tc>
+                <a:tc>
+                  <a:txBody>
+                    <a:bodyPr/>
+                    <a:lstStyle/>
+                    <a:p>
+                      <a:pPr algn="l"/>
+                      <a:r>
+                        <a:rPr lang="en-US" altLang="zh-TW" sz="1400" b="0" i="0" u="none" strike="noStrike" cap="none" dirty="0" smtClean="0">
+                          <a:solidFill>
+                            <a:srgbClr val="000000"/>
+                          </a:solidFill>
+                          <a:effectLst/>
+                          <a:latin typeface="Arial"/>
+                          <a:ea typeface="Arial"/>
+                          <a:cs typeface="Arial"/>
+                          <a:sym typeface="Arial"/>
+                        </a:rPr>
+                        <a:t>endWithNode20</a:t>
+                      </a:r>
+                      <a:endParaRPr lang="zh-TW" altLang="en-US" dirty="0"/>
+                    </a:p>
+                  </a:txBody>
+                  <a:tcPr anchor="ctr"/>
+                </a:tc>
+                <a:extLst>
+                  <a:ext uri="{0D108BD9-81ED-4DB2-BD59-A6C34878D82A}">
+                    <a16:rowId xmlns:a16="http://schemas.microsoft.com/office/drawing/2014/main" val="2277794106"/>
+                  </a:ext>
+                </a:extLst>
+              </a:tr>
+              <a:tr h="209778">
+                <a:tc vMerge="1">
+                  <a:txBody>
+                    <a:bodyPr/>
+                    <a:lstStyle/>
+                    <a:p>
+                      <a:endParaRPr lang="zh-TW" altLang="en-US" dirty="0"/>
+                    </a:p>
+                  </a:txBody>
+                  <a:tcPr/>
+                </a:tc>
+                <a:tc>
+                  <a:txBody>
+                    <a:bodyPr/>
+                    <a:lstStyle/>
+                    <a:p>
+                      <a:pPr algn="l"/>
+                      <a:r>
+                        <a:rPr lang="en-US" altLang="zh-TW" sz="1400" b="0" i="0" u="none" strike="noStrike" cap="none" dirty="0" smtClean="0">
+                          <a:solidFill>
+                            <a:srgbClr val="000000"/>
+                          </a:solidFill>
+                          <a:effectLst/>
+                          <a:latin typeface="Arial"/>
+                          <a:ea typeface="Arial"/>
+                          <a:cs typeface="Arial"/>
+                          <a:sym typeface="Arial"/>
+                        </a:rPr>
+                        <a:t>endWithNode21</a:t>
+                      </a:r>
+                      <a:endParaRPr lang="zh-TW" altLang="en-US" dirty="0"/>
+                    </a:p>
+                  </a:txBody>
+                  <a:tcPr anchor="ctr"/>
+                </a:tc>
+                <a:extLst>
+                  <a:ext uri="{0D108BD9-81ED-4DB2-BD59-A6C34878D82A}">
+                    <a16:rowId xmlns:a16="http://schemas.microsoft.com/office/drawing/2014/main" val="3236078462"/>
+                  </a:ext>
+                </a:extLst>
+              </a:tr>
+              <a:tr h="209778">
+                <a:tc vMerge="1">
+                  <a:txBody>
+                    <a:bodyPr/>
+                    <a:lstStyle/>
+                    <a:p>
+                      <a:endParaRPr lang="zh-TW" altLang="en-US" dirty="0"/>
+                    </a:p>
+                  </a:txBody>
+                  <a:tcPr/>
+                </a:tc>
+                <a:tc>
+                  <a:txBody>
+                    <a:bodyPr/>
+                    <a:lstStyle/>
+                    <a:p>
+                      <a:pPr algn="l"/>
+                      <a:r>
+                        <a:rPr lang="en-US" altLang="zh-TW" sz="1400" b="0" i="0" u="none" strike="noStrike" cap="none" dirty="0" smtClean="0">
+                          <a:solidFill>
+                            <a:srgbClr val="000000"/>
+                          </a:solidFill>
+                          <a:effectLst/>
+                          <a:latin typeface="Arial"/>
+                          <a:ea typeface="Arial"/>
+                          <a:cs typeface="Arial"/>
+                          <a:sym typeface="Arial"/>
+                        </a:rPr>
+                        <a:t>endWithNode24_1</a:t>
+                      </a:r>
+                      <a:endParaRPr lang="zh-TW" altLang="en-US" dirty="0"/>
+                    </a:p>
+                  </a:txBody>
+                  <a:tcPr anchor="ctr"/>
+                </a:tc>
+                <a:extLst>
+                  <a:ext uri="{0D108BD9-81ED-4DB2-BD59-A6C34878D82A}">
+                    <a16:rowId xmlns:a16="http://schemas.microsoft.com/office/drawing/2014/main" val="2174449253"/>
+                  </a:ext>
+                </a:extLst>
+              </a:tr>
+              <a:tr h="209778">
+                <a:tc vMerge="1">
+                  <a:txBody>
+                    <a:bodyPr/>
+                    <a:lstStyle/>
+                    <a:p>
+                      <a:endParaRPr lang="zh-TW" altLang="en-US"/>
+                    </a:p>
+                  </a:txBody>
+                  <a:tcPr/>
+                </a:tc>
+                <a:tc>
+                  <a:txBody>
+                    <a:bodyPr/>
+                    <a:lstStyle/>
+                    <a:p>
+                      <a:pPr algn="l"/>
+                      <a:r>
+                        <a:rPr lang="en-US" altLang="zh-TW" sz="1400" b="0" i="0" u="none" strike="noStrike" cap="none" dirty="0" smtClean="0">
+                          <a:solidFill>
+                            <a:srgbClr val="000000"/>
+                          </a:solidFill>
+                          <a:effectLst/>
+                          <a:latin typeface="Arial"/>
+                          <a:ea typeface="Arial"/>
+                          <a:cs typeface="Arial"/>
+                          <a:sym typeface="Arial"/>
+                        </a:rPr>
+                        <a:t>endWithNode24_2</a:t>
+                      </a:r>
+                      <a:endParaRPr lang="zh-TW" altLang="en-US" dirty="0"/>
+                    </a:p>
+                  </a:txBody>
+                  <a:tcPr anchor="ctr"/>
+                </a:tc>
+                <a:extLst>
+                  <a:ext uri="{0D108BD9-81ED-4DB2-BD59-A6C34878D82A}">
+                    <a16:rowId xmlns:a16="http://schemas.microsoft.com/office/drawing/2014/main" val="2979290829"/>
+                  </a:ext>
+                </a:extLst>
+              </a:tr>
+              <a:tr h="209778">
+                <a:tc vMerge="1">
+                  <a:txBody>
+                    <a:bodyPr/>
+                    <a:lstStyle/>
+                    <a:p>
+                      <a:endParaRPr lang="zh-TW" altLang="en-US"/>
+                    </a:p>
+                  </a:txBody>
+                  <a:tcPr/>
+                </a:tc>
+                <a:tc>
+                  <a:txBody>
+                    <a:bodyPr/>
+                    <a:lstStyle/>
+                    <a:p>
+                      <a:pPr algn="l"/>
+                      <a:r>
+                        <a:rPr lang="en-US" altLang="zh-TW" sz="1400" b="0" i="0" u="none" strike="noStrike" cap="none" dirty="0" smtClean="0">
+                          <a:solidFill>
+                            <a:srgbClr val="000000"/>
+                          </a:solidFill>
+                          <a:effectLst/>
+                          <a:latin typeface="Arial"/>
+                          <a:ea typeface="Arial"/>
+                          <a:cs typeface="Arial"/>
+                          <a:sym typeface="Arial"/>
+                        </a:rPr>
+                        <a:t>endWithNode24_3</a:t>
+                      </a:r>
+                      <a:endParaRPr lang="zh-TW" altLang="en-US" dirty="0"/>
+                    </a:p>
+                  </a:txBody>
+                  <a:tcPr anchor="ctr"/>
+                </a:tc>
+                <a:extLst>
+                  <a:ext uri="{0D108BD9-81ED-4DB2-BD59-A6C34878D82A}">
+                    <a16:rowId xmlns:a16="http://schemas.microsoft.com/office/drawing/2014/main" val="2002726918"/>
+                  </a:ext>
+                </a:extLst>
+              </a:tr>
+              <a:tr h="209778">
+                <a:tc vMerge="1">
+                  <a:txBody>
+                    <a:bodyPr/>
+                    <a:lstStyle/>
+                    <a:p>
+                      <a:endParaRPr lang="zh-TW" altLang="en-US"/>
+                    </a:p>
+                  </a:txBody>
+                  <a:tcPr/>
+                </a:tc>
+                <a:tc>
+                  <a:txBody>
+                    <a:bodyPr/>
+                    <a:lstStyle/>
+                    <a:p>
+                      <a:pPr algn="l"/>
+                      <a:r>
+                        <a:rPr lang="en-US" altLang="zh-TW" sz="1400" b="0" i="0" u="none" strike="noStrike" cap="none" dirty="0" smtClean="0">
+                          <a:solidFill>
+                            <a:srgbClr val="000000"/>
+                          </a:solidFill>
+                          <a:effectLst/>
+                          <a:latin typeface="Arial"/>
+                          <a:ea typeface="Arial"/>
+                          <a:cs typeface="Arial"/>
+                          <a:sym typeface="Arial"/>
+                        </a:rPr>
+                        <a:t>endWithNode24_5</a:t>
+                      </a:r>
+                      <a:endParaRPr lang="zh-TW" altLang="en-US" dirty="0"/>
+                    </a:p>
+                  </a:txBody>
+                  <a:tcPr anchor="ctr"/>
+                </a:tc>
+                <a:extLst>
+                  <a:ext uri="{0D108BD9-81ED-4DB2-BD59-A6C34878D82A}">
+                    <a16:rowId xmlns:a16="http://schemas.microsoft.com/office/drawing/2014/main" val="2698226357"/>
+                  </a:ext>
+                </a:extLst>
+              </a:tr>
+              <a:tr h="209778">
+                <a:tc vMerge="1">
+                  <a:txBody>
+                    <a:bodyPr/>
+                    <a:lstStyle/>
+                    <a:p>
+                      <a:endParaRPr lang="zh-TW" altLang="en-US"/>
+                    </a:p>
+                  </a:txBody>
+                  <a:tcPr/>
+                </a:tc>
+                <a:tc>
+                  <a:txBody>
+                    <a:bodyPr/>
+                    <a:lstStyle/>
+                    <a:p>
+                      <a:pPr algn="l"/>
+                      <a:r>
+                        <a:rPr lang="en-US" altLang="zh-TW" sz="1400" b="0" i="0" u="none" strike="noStrike" cap="none" dirty="0" smtClean="0">
+                          <a:solidFill>
+                            <a:srgbClr val="000000"/>
+                          </a:solidFill>
+                          <a:effectLst/>
+                          <a:latin typeface="Arial"/>
+                          <a:ea typeface="Arial"/>
+                          <a:cs typeface="Arial"/>
+                          <a:sym typeface="Arial"/>
+                        </a:rPr>
+                        <a:t>endWithNode30_1</a:t>
+                      </a:r>
+                      <a:endParaRPr lang="zh-TW" altLang="en-US" dirty="0"/>
+                    </a:p>
+                  </a:txBody>
+                  <a:tcPr anchor="ctr"/>
+                </a:tc>
+                <a:extLst>
+                  <a:ext uri="{0D108BD9-81ED-4DB2-BD59-A6C34878D82A}">
+                    <a16:rowId xmlns:a16="http://schemas.microsoft.com/office/drawing/2014/main" val="2026564046"/>
+                  </a:ext>
+                </a:extLst>
+              </a:tr>
+              <a:tr h="209778">
+                <a:tc vMerge="1">
+                  <a:txBody>
+                    <a:bodyPr/>
+                    <a:lstStyle/>
+                    <a:p>
+                      <a:endParaRPr lang="zh-TW" altLang="en-US"/>
+                    </a:p>
+                  </a:txBody>
+                  <a:tcPr/>
+                </a:tc>
+                <a:tc>
+                  <a:txBody>
+                    <a:bodyPr/>
+                    <a:lstStyle/>
+                    <a:p>
+                      <a:pPr algn="l"/>
+                      <a:r>
+                        <a:rPr lang="en-US" altLang="zh-TW" sz="1400" b="0" i="0" u="none" strike="noStrike" cap="none" dirty="0" smtClean="0">
+                          <a:solidFill>
+                            <a:srgbClr val="000000"/>
+                          </a:solidFill>
+                          <a:effectLst/>
+                          <a:latin typeface="Arial"/>
+                          <a:ea typeface="Arial"/>
+                          <a:cs typeface="Arial"/>
+                          <a:sym typeface="Arial"/>
+                        </a:rPr>
+                        <a:t>endWithNode30_2</a:t>
+                      </a:r>
+                      <a:endParaRPr lang="zh-TW" altLang="en-US" dirty="0"/>
+                    </a:p>
+                  </a:txBody>
+                  <a:tcPr anchor="ctr"/>
+                </a:tc>
+                <a:extLst>
+                  <a:ext uri="{0D108BD9-81ED-4DB2-BD59-A6C34878D82A}">
+                    <a16:rowId xmlns:a16="http://schemas.microsoft.com/office/drawing/2014/main" val="4177640730"/>
+                  </a:ext>
+                </a:extLst>
+              </a:tr>
+              <a:tr h="209778">
+                <a:tc vMerge="1">
+                  <a:txBody>
+                    <a:bodyPr/>
+                    <a:lstStyle/>
+                    <a:p>
+                      <a:endParaRPr lang="zh-TW" altLang="en-US"/>
+                    </a:p>
+                  </a:txBody>
+                  <a:tcPr/>
+                </a:tc>
+                <a:tc>
+                  <a:txBody>
+                    <a:bodyPr/>
+                    <a:lstStyle/>
+                    <a:p>
+                      <a:pPr algn="l"/>
+                      <a:r>
+                        <a:rPr lang="en-US" altLang="zh-TW" sz="1400" b="0" i="0" u="none" strike="noStrike" cap="none" dirty="0" smtClean="0">
+                          <a:solidFill>
+                            <a:srgbClr val="000000"/>
+                          </a:solidFill>
+                          <a:effectLst/>
+                          <a:latin typeface="Arial"/>
+                          <a:ea typeface="Arial"/>
+                          <a:cs typeface="Arial"/>
+                          <a:sym typeface="Arial"/>
+                        </a:rPr>
+                        <a:t>endWithNode34</a:t>
+                      </a:r>
+                      <a:endParaRPr lang="zh-TW" altLang="en-US" dirty="0"/>
+                    </a:p>
+                  </a:txBody>
+                  <a:tcPr anchor="ctr"/>
+                </a:tc>
+                <a:extLst>
+                  <a:ext uri="{0D108BD9-81ED-4DB2-BD59-A6C34878D82A}">
+                    <a16:rowId xmlns:a16="http://schemas.microsoft.com/office/drawing/2014/main" val="4155943818"/>
+                  </a:ext>
+                </a:extLst>
+              </a:tr>
+              <a:tr h="209778">
+                <a:tc vMerge="1">
+                  <a:txBody>
+                    <a:bodyPr/>
+                    <a:lstStyle/>
+                    <a:p>
+                      <a:endParaRPr lang="zh-TW" altLang="en-US"/>
+                    </a:p>
+                  </a:txBody>
+                  <a:tcPr/>
+                </a:tc>
+                <a:tc>
+                  <a:txBody>
+                    <a:bodyPr/>
+                    <a:lstStyle/>
+                    <a:p>
+                      <a:pPr algn="l"/>
+                      <a:r>
+                        <a:rPr lang="en-US" altLang="zh-TW" sz="1400" b="0" i="0" u="none" strike="noStrike" cap="none" dirty="0" smtClean="0">
+                          <a:solidFill>
+                            <a:srgbClr val="000000"/>
+                          </a:solidFill>
+                          <a:effectLst/>
+                          <a:latin typeface="Arial"/>
+                          <a:ea typeface="Arial"/>
+                          <a:cs typeface="Arial"/>
+                          <a:sym typeface="Arial"/>
+                        </a:rPr>
+                        <a:t>endWithNode35</a:t>
+                      </a:r>
+                      <a:endParaRPr lang="zh-TW" altLang="en-US" dirty="0"/>
+                    </a:p>
+                  </a:txBody>
+                  <a:tcPr anchor="ctr"/>
+                </a:tc>
+                <a:extLst>
+                  <a:ext uri="{0D108BD9-81ED-4DB2-BD59-A6C34878D82A}">
+                    <a16:rowId xmlns:a16="http://schemas.microsoft.com/office/drawing/2014/main" val="183099459"/>
+                  </a:ext>
+                </a:extLst>
+              </a:tr>
+              <a:tr h="209778">
+                <a:tc vMerge="1">
+                  <a:txBody>
+                    <a:bodyPr/>
+                    <a:lstStyle/>
+                    <a:p>
+                      <a:endParaRPr lang="zh-TW" altLang="en-US"/>
+                    </a:p>
+                  </a:txBody>
+                  <a:tcPr/>
+                </a:tc>
+                <a:tc>
+                  <a:txBody>
+                    <a:bodyPr/>
+                    <a:lstStyle/>
+                    <a:p>
+                      <a:pPr algn="l"/>
+                      <a:r>
+                        <a:rPr lang="en-US" altLang="zh-TW" sz="1400" b="0" i="0" u="none" strike="noStrike" cap="none" dirty="0" smtClean="0">
+                          <a:solidFill>
+                            <a:srgbClr val="000000"/>
+                          </a:solidFill>
+                          <a:effectLst/>
+                          <a:latin typeface="Arial"/>
+                          <a:ea typeface="Arial"/>
+                          <a:cs typeface="Arial"/>
+                          <a:sym typeface="Arial"/>
+                        </a:rPr>
+                        <a:t>goThroughNode3to7</a:t>
+                      </a:r>
+                      <a:endParaRPr lang="zh-TW" altLang="en-US" dirty="0"/>
+                    </a:p>
+                  </a:txBody>
+                  <a:tcPr anchor="ctr"/>
+                </a:tc>
+                <a:extLst>
+                  <a:ext uri="{0D108BD9-81ED-4DB2-BD59-A6C34878D82A}">
+                    <a16:rowId xmlns:a16="http://schemas.microsoft.com/office/drawing/2014/main" val="2578473362"/>
+                  </a:ext>
+                </a:extLst>
+              </a:tr>
+            </a:tbl>
+          </a:graphicData>
+        </a:graphic>
+      </p:graphicFrame>
+    </p:spTree>
+    <p:extLst>
+      <p:ext uri="{BB962C8B-B14F-4D97-AF65-F5344CB8AC3E}">
+        <p14:creationId xmlns:p14="http://schemas.microsoft.com/office/powerpoint/2010/main" val="3892579494"/>
+      </p:ext>
+    </p:extLst>
+  </p:cSld>
+  <p:clrMapOvr>
+    <a:masterClrMapping/>
+  </p:clrMapOvr>
+  <p:timing>
+    <p:tnLst>
+      <p:par>
+        <p:cTn id="1" dur="indefinite" restart="never" nodeType="tmRoot"/>
+      </p:par>
+    </p:tnLst>
+  </p:timing>
+</p:sld>
+</file>
+
+<file path=ppt/slides/slide16.xml><?xml version="1.0" encoding="utf-8"?>
+<p:sld xmlns:a="http://schemas.openxmlformats.org/drawingml/2006/main" xmlns:r="http://schemas.openxmlformats.org/officeDocument/2006/relationships" xmlns:p="http://schemas.openxmlformats.org/presentationml/2006/main">
+  <p:cSld>
+    <p:spTree>
+      <p:nvGrpSpPr>
+        <p:cNvPr id="1" name=""/>
+        <p:cNvGrpSpPr/>
+        <p:nvPr/>
+      </p:nvGrpSpPr>
+      <p:grpSpPr>
+        <a:xfrm>
+          <a:off x="0" y="0"/>
+          <a:ext cx="0" cy="0"/>
+          <a:chOff x="0" y="0"/>
+          <a:chExt cx="0" cy="0"/>
+        </a:xfrm>
+      </p:grpSpPr>
+      <p:sp>
+        <p:nvSpPr>
+          <p:cNvPr id="2" name="標題 1"/>
+          <p:cNvSpPr>
+            <a:spLocks noGrp="1"/>
+          </p:cNvSpPr>
+          <p:nvPr>
+            <p:ph type="title"/>
+          </p:nvPr>
+        </p:nvSpPr>
+        <p:spPr>
+          <a:xfrm>
+            <a:off x="85391" y="-149723"/>
+            <a:ext cx="6462600" cy="1143000"/>
+          </a:xfrm>
+        </p:spPr>
+        <p:txBody>
+          <a:bodyPr/>
+          <a:lstStyle/>
+          <a:p>
+            <a:r>
+              <a:rPr lang="en-US" altLang="zh-TW" dirty="0" smtClean="0"/>
+              <a:t>All Test Cases</a:t>
+            </a:r>
+            <a:endParaRPr lang="zh-TW" altLang="en-US" dirty="0"/>
+          </a:p>
+        </p:txBody>
+      </p:sp>
+      <p:sp>
+        <p:nvSpPr>
+          <p:cNvPr id="5" name="投影片編號版面配置區 4"/>
+          <p:cNvSpPr>
+            <a:spLocks noGrp="1"/>
+          </p:cNvSpPr>
+          <p:nvPr>
+            <p:ph type="sldNum" idx="12"/>
+          </p:nvPr>
+        </p:nvSpPr>
+        <p:spPr/>
+        <p:txBody>
+          <a:bodyPr/>
+          <a:lstStyle/>
+          <a:p>
+            <a:pPr marL="0" lvl="0" indent="0" algn="r" rtl="0">
+              <a:spcBef>
+                <a:spcPts val="0"/>
+              </a:spcBef>
+              <a:spcAft>
+                <a:spcPts val="0"/>
+              </a:spcAft>
+              <a:buNone/>
+            </a:pPr>
+            <a:fld id="{00000000-1234-1234-1234-123412341234}" type="slidenum">
+              <a:rPr lang="en" smtClean="0"/>
+              <a:t>16</a:t>
+            </a:fld>
+            <a:endParaRPr lang="en"/>
+          </a:p>
+        </p:txBody>
+      </p:sp>
+      <p:graphicFrame>
+        <p:nvGraphicFramePr>
+          <p:cNvPr id="7" name="表格 6"/>
+          <p:cNvGraphicFramePr>
+            <a:graphicFrameLocks noGrp="1"/>
+          </p:cNvGraphicFramePr>
+          <p:nvPr>
+            <p:extLst>
+              <p:ext uri="{D42A27DB-BD31-4B8C-83A1-F6EECF244321}">
+                <p14:modId xmlns:p14="http://schemas.microsoft.com/office/powerpoint/2010/main" val="49494072"/>
+              </p:ext>
+            </p:extLst>
+          </p:nvPr>
+        </p:nvGraphicFramePr>
+        <p:xfrm>
+          <a:off x="3273885" y="0"/>
+          <a:ext cx="5755390" cy="6705600"/>
+        </p:xfrm>
+        <a:graphic>
+          <a:graphicData uri="http://schemas.openxmlformats.org/drawingml/2006/table">
+            <a:tbl>
+              <a:tblPr firstRow="1" bandRow="1">
+                <a:tableStyleId>{421DADAF-C452-4BED-A372-887F624FDFEF}</a:tableStyleId>
+              </a:tblPr>
+              <a:tblGrid>
+                <a:gridCol w="1830662">
+                  <a:extLst>
+                    <a:ext uri="{9D8B030D-6E8A-4147-A177-3AD203B41FA5}">
+                      <a16:colId xmlns:a16="http://schemas.microsoft.com/office/drawing/2014/main" val="2880231605"/>
+                    </a:ext>
+                  </a:extLst>
+                </a:gridCol>
+                <a:gridCol w="3924728">
+                  <a:extLst>
+                    <a:ext uri="{9D8B030D-6E8A-4147-A177-3AD203B41FA5}">
+                      <a16:colId xmlns:a16="http://schemas.microsoft.com/office/drawing/2014/main" val="1722535411"/>
+                    </a:ext>
+                  </a:extLst>
+                </a:gridCol>
+              </a:tblGrid>
+              <a:tr h="0">
+                <a:tc>
+                  <a:txBody>
+                    <a:bodyPr/>
+                    <a:lstStyle/>
+                    <a:p>
+                      <a:r>
+                        <a:rPr lang="en-US" altLang="zh-TW" sz="1400" dirty="0" smtClean="0">
+                          <a:solidFill>
+                            <a:srgbClr val="2185C5"/>
+                          </a:solidFill>
+                        </a:rPr>
+                        <a:t>Criteria</a:t>
+                      </a:r>
+                      <a:endParaRPr lang="en-US" altLang="zh-TW" sz="1400" dirty="0" smtClean="0">
+                        <a:solidFill>
+                          <a:srgbClr val="2185C5"/>
+                        </a:solidFill>
+                      </a:endParaRPr>
+                    </a:p>
+                  </a:txBody>
+                  <a:tcPr/>
+                </a:tc>
+                <a:tc>
+                  <a:txBody>
+                    <a:bodyPr/>
+                    <a:lstStyle/>
+                    <a:p>
+                      <a:r>
+                        <a:rPr lang="en-US" altLang="zh-TW" dirty="0" err="1" smtClean="0"/>
+                        <a:t>ScriptName</a:t>
+                      </a:r>
+                      <a:endParaRPr lang="zh-TW" altLang="en-US" dirty="0"/>
+                    </a:p>
+                  </a:txBody>
+                  <a:tcPr/>
+                </a:tc>
+                <a:extLst>
+                  <a:ext uri="{0D108BD9-81ED-4DB2-BD59-A6C34878D82A}">
+                    <a16:rowId xmlns:a16="http://schemas.microsoft.com/office/drawing/2014/main" val="1257208218"/>
+                  </a:ext>
+                </a:extLst>
+              </a:tr>
+              <a:tr h="209778">
+                <a:tc rowSpan="21">
+                  <a:txBody>
+                    <a:bodyPr/>
+                    <a:lstStyle/>
+                    <a:p>
+                      <a:pPr algn="l"/>
+                      <a:r>
+                        <a:rPr lang="en-US" altLang="zh-TW" sz="1400" b="0" i="0" u="none" strike="noStrike" cap="none" dirty="0" err="1" smtClean="0">
+                          <a:solidFill>
+                            <a:srgbClr val="000000"/>
+                          </a:solidFill>
+                          <a:effectLst/>
+                          <a:latin typeface="Arial"/>
+                          <a:ea typeface="Arial"/>
+                          <a:cs typeface="Arial"/>
+                          <a:sym typeface="Arial"/>
+                        </a:rPr>
+                        <a:t>InputSpacePartition</a:t>
+                      </a:r>
+                      <a:endParaRPr lang="zh-TW" altLang="en-US" dirty="0"/>
+                    </a:p>
+                  </a:txBody>
+                  <a:tcPr anchor="ctr"/>
+                </a:tc>
+                <a:tc>
+                  <a:txBody>
+                    <a:bodyPr/>
+                    <a:lstStyle/>
+                    <a:p>
+                      <a:pPr algn="l"/>
+                      <a:r>
+                        <a:rPr lang="en-US" altLang="zh-TW" sz="1400" b="0" i="0" u="none" strike="noStrike" cap="none" dirty="0" err="1" smtClean="0">
+                          <a:solidFill>
+                            <a:srgbClr val="000000"/>
+                          </a:solidFill>
+                          <a:effectLst/>
+                          <a:latin typeface="Arial"/>
+                          <a:ea typeface="Arial"/>
+                          <a:cs typeface="Arial"/>
+                          <a:sym typeface="Arial"/>
+                        </a:rPr>
+                        <a:t>saveWithEarlyCompleteDate</a:t>
+                      </a:r>
+                      <a:endParaRPr lang="zh-TW" altLang="en-US" dirty="0"/>
+                    </a:p>
+                  </a:txBody>
+                  <a:tcPr anchor="ctr"/>
+                </a:tc>
+                <a:extLst>
+                  <a:ext uri="{0D108BD9-81ED-4DB2-BD59-A6C34878D82A}">
+                    <a16:rowId xmlns:a16="http://schemas.microsoft.com/office/drawing/2014/main" val="2202489449"/>
+                  </a:ext>
+                </a:extLst>
+              </a:tr>
+              <a:tr h="209778">
+                <a:tc vMerge="1">
+                  <a:txBody>
+                    <a:bodyPr/>
+                    <a:lstStyle/>
+                    <a:p>
+                      <a:endParaRPr lang="zh-TW" altLang="en-US" dirty="0"/>
+                    </a:p>
+                  </a:txBody>
+                  <a:tcPr/>
+                </a:tc>
+                <a:tc>
+                  <a:txBody>
+                    <a:bodyPr/>
+                    <a:lstStyle/>
+                    <a:p>
+                      <a:pPr marL="0" marR="0" indent="0" algn="l" defTabSz="914400" rtl="0" eaLnBrk="1" fontAlgn="auto" latinLnBrk="0" hangingPunct="1">
+                        <a:lnSpc>
+                          <a:spcPct val="100000"/>
+                        </a:lnSpc>
+                        <a:spcBef>
+                          <a:spcPts val="0"/>
+                        </a:spcBef>
+                        <a:spcAft>
+                          <a:spcPts val="0"/>
+                        </a:spcAft>
+                        <a:buClr>
+                          <a:srgbClr val="000000"/>
+                        </a:buClr>
+                        <a:buSzTx/>
+                        <a:buFont typeface="Arial"/>
+                        <a:buNone/>
+                        <a:tabLst/>
+                        <a:defRPr/>
+                      </a:pPr>
+                      <a:r>
+                        <a:rPr lang="en-US" altLang="zh-TW" sz="1400" b="0" i="0" u="none" strike="noStrike" cap="none" dirty="0" err="1" smtClean="0">
+                          <a:solidFill>
+                            <a:srgbClr val="000000"/>
+                          </a:solidFill>
+                          <a:effectLst/>
+                          <a:latin typeface="Arial"/>
+                          <a:ea typeface="Arial"/>
+                          <a:cs typeface="Arial"/>
+                          <a:sym typeface="Arial"/>
+                        </a:rPr>
+                        <a:t>saveWithFutureCompleteDate</a:t>
+                      </a:r>
+                      <a:endParaRPr lang="zh-TW" altLang="en-US" dirty="0" smtClean="0"/>
+                    </a:p>
+                  </a:txBody>
+                  <a:tcPr anchor="ctr"/>
+                </a:tc>
+                <a:extLst>
+                  <a:ext uri="{0D108BD9-81ED-4DB2-BD59-A6C34878D82A}">
+                    <a16:rowId xmlns:a16="http://schemas.microsoft.com/office/drawing/2014/main" val="1160251316"/>
+                  </a:ext>
+                </a:extLst>
+              </a:tr>
+              <a:tr h="209778">
+                <a:tc vMerge="1">
+                  <a:txBody>
+                    <a:bodyPr/>
+                    <a:lstStyle/>
+                    <a:p>
+                      <a:endParaRPr lang="zh-TW" altLang="en-US" dirty="0"/>
+                    </a:p>
+                  </a:txBody>
+                  <a:tcPr/>
+                </a:tc>
+                <a:tc>
+                  <a:txBody>
+                    <a:bodyPr/>
+                    <a:lstStyle/>
+                    <a:p>
+                      <a:pPr marL="0" marR="0" indent="0" algn="l" defTabSz="914400" rtl="0" eaLnBrk="1" fontAlgn="auto" latinLnBrk="0" hangingPunct="1">
+                        <a:lnSpc>
+                          <a:spcPct val="100000"/>
+                        </a:lnSpc>
+                        <a:spcBef>
+                          <a:spcPts val="0"/>
+                        </a:spcBef>
+                        <a:spcAft>
+                          <a:spcPts val="0"/>
+                        </a:spcAft>
+                        <a:buClr>
+                          <a:srgbClr val="000000"/>
+                        </a:buClr>
+                        <a:buSzTx/>
+                        <a:buFont typeface="Arial"/>
+                        <a:buNone/>
+                        <a:tabLst/>
+                        <a:defRPr/>
+                      </a:pPr>
+                      <a:r>
+                        <a:rPr lang="en-US" altLang="zh-TW" sz="1400" b="0" i="0" u="none" strike="noStrike" cap="none" dirty="0" err="1" smtClean="0">
+                          <a:solidFill>
+                            <a:srgbClr val="000000"/>
+                          </a:solidFill>
+                          <a:effectLst/>
+                          <a:latin typeface="Arial"/>
+                          <a:ea typeface="Arial"/>
+                          <a:cs typeface="Arial"/>
+                          <a:sym typeface="Arial"/>
+                        </a:rPr>
+                        <a:t>saveWithSettingCompleteTime</a:t>
+                      </a:r>
+                      <a:endParaRPr lang="zh-TW" altLang="en-US" dirty="0" smtClean="0"/>
+                    </a:p>
+                  </a:txBody>
+                  <a:tcPr anchor="ctr"/>
+                </a:tc>
+                <a:extLst>
+                  <a:ext uri="{0D108BD9-81ED-4DB2-BD59-A6C34878D82A}">
+                    <a16:rowId xmlns:a16="http://schemas.microsoft.com/office/drawing/2014/main" val="3061208863"/>
+                  </a:ext>
+                </a:extLst>
+              </a:tr>
+              <a:tr h="209778">
+                <a:tc vMerge="1">
+                  <a:txBody>
+                    <a:bodyPr/>
+                    <a:lstStyle/>
+                    <a:p>
+                      <a:endParaRPr lang="zh-TW" altLang="en-US" dirty="0"/>
+                    </a:p>
+                  </a:txBody>
+                  <a:tcPr/>
+                </a:tc>
+                <a:tc>
+                  <a:txBody>
+                    <a:bodyPr/>
+                    <a:lstStyle/>
+                    <a:p>
+                      <a:pPr marL="0" marR="0" indent="0" algn="l" defTabSz="914400" rtl="0" eaLnBrk="1" fontAlgn="auto" latinLnBrk="0" hangingPunct="1">
+                        <a:lnSpc>
+                          <a:spcPct val="100000"/>
+                        </a:lnSpc>
+                        <a:spcBef>
+                          <a:spcPts val="0"/>
+                        </a:spcBef>
+                        <a:spcAft>
+                          <a:spcPts val="0"/>
+                        </a:spcAft>
+                        <a:buClr>
+                          <a:srgbClr val="000000"/>
+                        </a:buClr>
+                        <a:buSzTx/>
+                        <a:buFont typeface="Arial"/>
+                        <a:buNone/>
+                        <a:tabLst/>
+                        <a:defRPr/>
+                      </a:pPr>
+                      <a:r>
+                        <a:rPr lang="en-US" altLang="zh-TW" sz="1400" b="0" i="0" u="none" strike="noStrike" cap="none" dirty="0" err="1" smtClean="0">
+                          <a:solidFill>
+                            <a:srgbClr val="000000"/>
+                          </a:solidFill>
+                          <a:effectLst/>
+                          <a:latin typeface="Arial"/>
+                          <a:ea typeface="Arial"/>
+                          <a:cs typeface="Arial"/>
+                          <a:sym typeface="Arial"/>
+                        </a:rPr>
+                        <a:t>saveWithRandomTextDescription</a:t>
+                      </a:r>
+                      <a:endParaRPr lang="zh-TW" altLang="en-US" dirty="0" smtClean="0"/>
+                    </a:p>
+                  </a:txBody>
+                  <a:tcPr anchor="ctr"/>
+                </a:tc>
+                <a:extLst>
+                  <a:ext uri="{0D108BD9-81ED-4DB2-BD59-A6C34878D82A}">
+                    <a16:rowId xmlns:a16="http://schemas.microsoft.com/office/drawing/2014/main" val="1098168655"/>
+                  </a:ext>
+                </a:extLst>
+              </a:tr>
+              <a:tr h="209778">
+                <a:tc vMerge="1">
+                  <a:txBody>
+                    <a:bodyPr/>
+                    <a:lstStyle/>
+                    <a:p>
+                      <a:endParaRPr lang="zh-TW" altLang="en-US" dirty="0"/>
+                    </a:p>
+                  </a:txBody>
+                  <a:tcPr/>
+                </a:tc>
+                <a:tc>
+                  <a:txBody>
+                    <a:bodyPr/>
+                    <a:lstStyle/>
+                    <a:p>
+                      <a:pPr marL="0" marR="0" indent="0" algn="l" defTabSz="914400" rtl="0" eaLnBrk="1" fontAlgn="auto" latinLnBrk="0" hangingPunct="1">
+                        <a:lnSpc>
+                          <a:spcPct val="100000"/>
+                        </a:lnSpc>
+                        <a:spcBef>
+                          <a:spcPts val="0"/>
+                        </a:spcBef>
+                        <a:spcAft>
+                          <a:spcPts val="0"/>
+                        </a:spcAft>
+                        <a:buClr>
+                          <a:srgbClr val="000000"/>
+                        </a:buClr>
+                        <a:buSzTx/>
+                        <a:buFont typeface="Arial"/>
+                        <a:buNone/>
+                        <a:tabLst/>
+                        <a:defRPr/>
+                      </a:pPr>
+                      <a:r>
+                        <a:rPr lang="en-US" altLang="zh-TW" sz="1400" b="0" i="0" u="none" strike="noStrike" cap="none" dirty="0" err="1" smtClean="0">
+                          <a:solidFill>
+                            <a:srgbClr val="000000"/>
+                          </a:solidFill>
+                          <a:effectLst/>
+                          <a:latin typeface="Arial"/>
+                          <a:ea typeface="Arial"/>
+                          <a:cs typeface="Arial"/>
+                          <a:sym typeface="Arial"/>
+                        </a:rPr>
+                        <a:t>saveWithEarlyDueDateAndCheckTaskListView</a:t>
+                      </a:r>
+                      <a:endParaRPr lang="zh-TW" altLang="en-US" dirty="0" smtClean="0"/>
+                    </a:p>
+                  </a:txBody>
+                  <a:tcPr anchor="ctr"/>
+                </a:tc>
+                <a:extLst>
+                  <a:ext uri="{0D108BD9-81ED-4DB2-BD59-A6C34878D82A}">
+                    <a16:rowId xmlns:a16="http://schemas.microsoft.com/office/drawing/2014/main" val="636701371"/>
+                  </a:ext>
+                </a:extLst>
+              </a:tr>
+              <a:tr h="209778">
+                <a:tc vMerge="1">
+                  <a:txBody>
+                    <a:bodyPr/>
+                    <a:lstStyle/>
+                    <a:p>
+                      <a:endParaRPr lang="zh-TW" altLang="en-US" dirty="0"/>
+                    </a:p>
+                  </a:txBody>
+                  <a:tcPr/>
+                </a:tc>
+                <a:tc>
+                  <a:txBody>
+                    <a:bodyPr/>
+                    <a:lstStyle/>
+                    <a:p>
+                      <a:pPr algn="l"/>
+                      <a:r>
+                        <a:rPr lang="en-US" altLang="zh-TW" sz="1400" b="0" i="0" u="none" strike="noStrike" cap="none" dirty="0" err="1" smtClean="0">
+                          <a:solidFill>
+                            <a:srgbClr val="000000"/>
+                          </a:solidFill>
+                          <a:effectLst/>
+                          <a:latin typeface="Arial"/>
+                          <a:ea typeface="Arial"/>
+                          <a:cs typeface="Arial"/>
+                          <a:sym typeface="Arial"/>
+                        </a:rPr>
+                        <a:t>saveWithFutureDueDate</a:t>
+                      </a:r>
+                      <a:endParaRPr lang="zh-TW" altLang="en-US" dirty="0"/>
+                    </a:p>
+                  </a:txBody>
+                  <a:tcPr anchor="ctr"/>
+                </a:tc>
+                <a:extLst>
+                  <a:ext uri="{0D108BD9-81ED-4DB2-BD59-A6C34878D82A}">
+                    <a16:rowId xmlns:a16="http://schemas.microsoft.com/office/drawing/2014/main" val="4102869940"/>
+                  </a:ext>
+                </a:extLst>
+              </a:tr>
+              <a:tr h="209778">
+                <a:tc vMerge="1">
+                  <a:txBody>
+                    <a:bodyPr/>
+                    <a:lstStyle/>
+                    <a:p>
+                      <a:endParaRPr lang="zh-TW" altLang="en-US" dirty="0"/>
+                    </a:p>
+                  </a:txBody>
+                  <a:tcPr/>
+                </a:tc>
+                <a:tc>
+                  <a:txBody>
+                    <a:bodyPr/>
+                    <a:lstStyle/>
+                    <a:p>
+                      <a:pPr algn="l"/>
+                      <a:r>
+                        <a:rPr lang="en-US" altLang="zh-TW" sz="1400" b="0" i="0" u="none" strike="noStrike" cap="none" dirty="0" err="1" smtClean="0">
+                          <a:solidFill>
+                            <a:srgbClr val="000000"/>
+                          </a:solidFill>
+                          <a:effectLst/>
+                          <a:latin typeface="Arial"/>
+                          <a:ea typeface="Arial"/>
+                          <a:cs typeface="Arial"/>
+                          <a:sym typeface="Arial"/>
+                        </a:rPr>
+                        <a:t>saveWithSettingDueTime</a:t>
+                      </a:r>
+                      <a:endParaRPr lang="zh-TW" altLang="en-US" dirty="0"/>
+                    </a:p>
+                  </a:txBody>
+                  <a:tcPr anchor="ctr"/>
+                </a:tc>
+                <a:extLst>
+                  <a:ext uri="{0D108BD9-81ED-4DB2-BD59-A6C34878D82A}">
+                    <a16:rowId xmlns:a16="http://schemas.microsoft.com/office/drawing/2014/main" val="1738982029"/>
+                  </a:ext>
+                </a:extLst>
+              </a:tr>
+              <a:tr h="209778">
+                <a:tc vMerge="1">
+                  <a:txBody>
+                    <a:bodyPr/>
+                    <a:lstStyle/>
+                    <a:p>
+                      <a:endParaRPr lang="zh-TW" altLang="en-US" dirty="0"/>
+                    </a:p>
+                  </a:txBody>
+                  <a:tcPr/>
+                </a:tc>
+                <a:tc>
+                  <a:txBody>
+                    <a:bodyPr/>
+                    <a:lstStyle/>
+                    <a:p>
+                      <a:pPr algn="l"/>
+                      <a:r>
+                        <a:rPr lang="en-US" altLang="zh-TW" sz="1400" b="0" i="0" u="none" strike="noStrike" cap="none" dirty="0" err="1" smtClean="0">
+                          <a:solidFill>
+                            <a:srgbClr val="000000"/>
+                          </a:solidFill>
+                          <a:effectLst/>
+                          <a:latin typeface="Arial"/>
+                          <a:ea typeface="Arial"/>
+                          <a:cs typeface="Arial"/>
+                          <a:sym typeface="Arial"/>
+                        </a:rPr>
+                        <a:t>editList_forNullName</a:t>
+                      </a:r>
+                      <a:endParaRPr lang="zh-TW" altLang="en-US" dirty="0"/>
+                    </a:p>
+                  </a:txBody>
+                  <a:tcPr anchor="ctr"/>
+                </a:tc>
+                <a:extLst>
+                  <a:ext uri="{0D108BD9-81ED-4DB2-BD59-A6C34878D82A}">
+                    <a16:rowId xmlns:a16="http://schemas.microsoft.com/office/drawing/2014/main" val="66591494"/>
+                  </a:ext>
+                </a:extLst>
+              </a:tr>
+              <a:tr h="209778">
+                <a:tc vMerge="1">
+                  <a:txBody>
+                    <a:bodyPr/>
+                    <a:lstStyle/>
+                    <a:p>
+                      <a:endParaRPr lang="zh-TW" altLang="en-US" dirty="0"/>
+                    </a:p>
+                  </a:txBody>
+                  <a:tcPr/>
+                </a:tc>
+                <a:tc>
+                  <a:txBody>
+                    <a:bodyPr/>
+                    <a:lstStyle/>
+                    <a:p>
+                      <a:pPr algn="l"/>
+                      <a:r>
+                        <a:rPr lang="en-US" altLang="zh-TW" sz="1400" b="0" i="0" u="none" strike="noStrike" cap="none" dirty="0" err="1" smtClean="0">
+                          <a:solidFill>
+                            <a:srgbClr val="000000"/>
+                          </a:solidFill>
+                          <a:effectLst/>
+                          <a:latin typeface="Arial"/>
+                          <a:ea typeface="Arial"/>
+                          <a:cs typeface="Arial"/>
+                          <a:sym typeface="Arial"/>
+                        </a:rPr>
+                        <a:t>editList_forRandomly</a:t>
+                      </a:r>
+                      <a:endParaRPr lang="zh-TW" altLang="en-US" dirty="0"/>
+                    </a:p>
+                  </a:txBody>
+                  <a:tcPr anchor="ctr"/>
+                </a:tc>
+                <a:extLst>
+                  <a:ext uri="{0D108BD9-81ED-4DB2-BD59-A6C34878D82A}">
+                    <a16:rowId xmlns:a16="http://schemas.microsoft.com/office/drawing/2014/main" val="2277794106"/>
+                  </a:ext>
+                </a:extLst>
+              </a:tr>
+              <a:tr h="209778">
+                <a:tc vMerge="1">
+                  <a:txBody>
+                    <a:bodyPr/>
+                    <a:lstStyle/>
+                    <a:p>
+                      <a:endParaRPr lang="zh-TW" altLang="en-US" dirty="0"/>
+                    </a:p>
+                  </a:txBody>
+                  <a:tcPr/>
+                </a:tc>
+                <a:tc>
+                  <a:txBody>
+                    <a:bodyPr/>
+                    <a:lstStyle/>
+                    <a:p>
+                      <a:pPr algn="l"/>
+                      <a:r>
+                        <a:rPr lang="en-US" altLang="zh-TW" sz="1400" b="0" i="0" u="none" strike="noStrike" cap="none" dirty="0" err="1" smtClean="0">
+                          <a:solidFill>
+                            <a:srgbClr val="000000"/>
+                          </a:solidFill>
+                          <a:effectLst/>
+                          <a:latin typeface="Arial"/>
+                          <a:ea typeface="Arial"/>
+                          <a:cs typeface="Arial"/>
+                          <a:sym typeface="Arial"/>
+                        </a:rPr>
+                        <a:t>editList_forSpace</a:t>
+                      </a:r>
+                      <a:endParaRPr lang="zh-TW" altLang="en-US" dirty="0"/>
+                    </a:p>
+                  </a:txBody>
+                  <a:tcPr anchor="ctr"/>
+                </a:tc>
+                <a:extLst>
+                  <a:ext uri="{0D108BD9-81ED-4DB2-BD59-A6C34878D82A}">
+                    <a16:rowId xmlns:a16="http://schemas.microsoft.com/office/drawing/2014/main" val="3236078462"/>
+                  </a:ext>
+                </a:extLst>
+              </a:tr>
+              <a:tr h="209778">
+                <a:tc vMerge="1">
+                  <a:txBody>
+                    <a:bodyPr/>
+                    <a:lstStyle/>
+                    <a:p>
+                      <a:endParaRPr lang="zh-TW" altLang="en-US" dirty="0"/>
+                    </a:p>
+                  </a:txBody>
+                  <a:tcPr/>
+                </a:tc>
+                <a:tc>
+                  <a:txBody>
+                    <a:bodyPr/>
+                    <a:lstStyle/>
+                    <a:p>
+                      <a:pPr algn="l"/>
+                      <a:r>
+                        <a:rPr lang="en-US" altLang="zh-TW" sz="1400" b="0" i="0" u="none" strike="noStrike" cap="none" dirty="0" err="1" smtClean="0">
+                          <a:solidFill>
+                            <a:srgbClr val="000000"/>
+                          </a:solidFill>
+                          <a:effectLst/>
+                          <a:latin typeface="Arial"/>
+                          <a:ea typeface="Arial"/>
+                          <a:cs typeface="Arial"/>
+                          <a:sym typeface="Arial"/>
+                        </a:rPr>
+                        <a:t>saveWithNumbericLocation</a:t>
+                      </a:r>
+                      <a:endParaRPr lang="zh-TW" altLang="en-US" dirty="0"/>
+                    </a:p>
+                  </a:txBody>
+                  <a:tcPr anchor="ctr"/>
+                </a:tc>
+                <a:extLst>
+                  <a:ext uri="{0D108BD9-81ED-4DB2-BD59-A6C34878D82A}">
+                    <a16:rowId xmlns:a16="http://schemas.microsoft.com/office/drawing/2014/main" val="2174449253"/>
+                  </a:ext>
+                </a:extLst>
+              </a:tr>
+              <a:tr h="209778">
+                <a:tc vMerge="1">
+                  <a:txBody>
+                    <a:bodyPr/>
+                    <a:lstStyle/>
+                    <a:p>
+                      <a:endParaRPr lang="zh-TW" altLang="en-US"/>
+                    </a:p>
+                  </a:txBody>
+                  <a:tcPr/>
+                </a:tc>
+                <a:tc>
+                  <a:txBody>
+                    <a:bodyPr/>
+                    <a:lstStyle/>
+                    <a:p>
+                      <a:pPr algn="l"/>
+                      <a:r>
+                        <a:rPr lang="en-US" altLang="zh-TW" sz="1400" b="0" i="0" u="none" strike="noStrike" cap="none" dirty="0" err="1" smtClean="0">
+                          <a:solidFill>
+                            <a:srgbClr val="000000"/>
+                          </a:solidFill>
+                          <a:effectLst/>
+                          <a:latin typeface="Arial"/>
+                          <a:ea typeface="Arial"/>
+                          <a:cs typeface="Arial"/>
+                          <a:sym typeface="Arial"/>
+                        </a:rPr>
+                        <a:t>saveWithEarlyStartDate</a:t>
+                      </a:r>
+                      <a:endParaRPr lang="zh-TW" altLang="en-US" dirty="0"/>
+                    </a:p>
+                  </a:txBody>
+                  <a:tcPr anchor="ctr"/>
+                </a:tc>
+                <a:extLst>
+                  <a:ext uri="{0D108BD9-81ED-4DB2-BD59-A6C34878D82A}">
+                    <a16:rowId xmlns:a16="http://schemas.microsoft.com/office/drawing/2014/main" val="2979290829"/>
+                  </a:ext>
+                </a:extLst>
+              </a:tr>
+              <a:tr h="209778">
+                <a:tc vMerge="1">
+                  <a:txBody>
+                    <a:bodyPr/>
+                    <a:lstStyle/>
+                    <a:p>
+                      <a:endParaRPr lang="zh-TW" altLang="en-US"/>
+                    </a:p>
+                  </a:txBody>
+                  <a:tcPr/>
+                </a:tc>
+                <a:tc>
+                  <a:txBody>
+                    <a:bodyPr/>
+                    <a:lstStyle/>
+                    <a:p>
+                      <a:pPr algn="l"/>
+                      <a:r>
+                        <a:rPr lang="en-US" altLang="zh-TW" sz="1400" b="0" i="0" u="none" strike="noStrike" cap="none" dirty="0" err="1" smtClean="0">
+                          <a:solidFill>
+                            <a:srgbClr val="000000"/>
+                          </a:solidFill>
+                          <a:effectLst/>
+                          <a:latin typeface="Arial"/>
+                          <a:ea typeface="Arial"/>
+                          <a:cs typeface="Arial"/>
+                          <a:sym typeface="Arial"/>
+                        </a:rPr>
+                        <a:t>saveWithFutureStartDate</a:t>
+                      </a:r>
+                      <a:endParaRPr lang="zh-TW" altLang="en-US" dirty="0"/>
+                    </a:p>
+                  </a:txBody>
+                  <a:tcPr anchor="ctr"/>
+                </a:tc>
+                <a:extLst>
+                  <a:ext uri="{0D108BD9-81ED-4DB2-BD59-A6C34878D82A}">
+                    <a16:rowId xmlns:a16="http://schemas.microsoft.com/office/drawing/2014/main" val="2002726918"/>
+                  </a:ext>
+                </a:extLst>
+              </a:tr>
+              <a:tr h="209778">
+                <a:tc vMerge="1">
+                  <a:txBody>
+                    <a:bodyPr/>
+                    <a:lstStyle/>
+                    <a:p>
+                      <a:endParaRPr lang="zh-TW" altLang="en-US"/>
+                    </a:p>
+                  </a:txBody>
+                  <a:tcPr/>
+                </a:tc>
+                <a:tc>
+                  <a:txBody>
+                    <a:bodyPr/>
+                    <a:lstStyle/>
+                    <a:p>
+                      <a:pPr algn="l"/>
+                      <a:r>
+                        <a:rPr lang="en-US" altLang="zh-TW" sz="1400" b="0" i="0" u="none" strike="noStrike" cap="none" dirty="0" err="1" smtClean="0">
+                          <a:solidFill>
+                            <a:srgbClr val="000000"/>
+                          </a:solidFill>
+                          <a:effectLst/>
+                          <a:latin typeface="Arial"/>
+                          <a:ea typeface="Arial"/>
+                          <a:cs typeface="Arial"/>
+                          <a:sym typeface="Arial"/>
+                        </a:rPr>
+                        <a:t>saveWithThisYearStartDate</a:t>
+                      </a:r>
+                      <a:endParaRPr lang="zh-TW" altLang="en-US" dirty="0"/>
+                    </a:p>
+                  </a:txBody>
+                  <a:tcPr anchor="ctr"/>
+                </a:tc>
+                <a:extLst>
+                  <a:ext uri="{0D108BD9-81ED-4DB2-BD59-A6C34878D82A}">
+                    <a16:rowId xmlns:a16="http://schemas.microsoft.com/office/drawing/2014/main" val="2698226357"/>
+                  </a:ext>
+                </a:extLst>
+              </a:tr>
+              <a:tr h="209778">
+                <a:tc vMerge="1">
+                  <a:txBody>
+                    <a:bodyPr/>
+                    <a:lstStyle/>
+                    <a:p>
+                      <a:endParaRPr lang="zh-TW" altLang="en-US"/>
+                    </a:p>
+                  </a:txBody>
+                  <a:tcPr/>
+                </a:tc>
+                <a:tc>
+                  <a:txBody>
+                    <a:bodyPr/>
+                    <a:lstStyle/>
+                    <a:p>
+                      <a:pPr algn="l"/>
+                      <a:r>
+                        <a:rPr lang="en-US" altLang="zh-TW" sz="1400" b="0" i="0" u="none" strike="noStrike" cap="none" dirty="0" err="1" smtClean="0">
+                          <a:solidFill>
+                            <a:srgbClr val="000000"/>
+                          </a:solidFill>
+                          <a:effectLst/>
+                          <a:latin typeface="Arial"/>
+                          <a:ea typeface="Arial"/>
+                          <a:cs typeface="Arial"/>
+                          <a:sym typeface="Arial"/>
+                        </a:rPr>
+                        <a:t>saveWithSettingStartTime</a:t>
+                      </a:r>
+                      <a:endParaRPr lang="zh-TW" altLang="en-US" dirty="0"/>
+                    </a:p>
+                  </a:txBody>
+                  <a:tcPr anchor="ctr"/>
+                </a:tc>
+                <a:extLst>
+                  <a:ext uri="{0D108BD9-81ED-4DB2-BD59-A6C34878D82A}">
+                    <a16:rowId xmlns:a16="http://schemas.microsoft.com/office/drawing/2014/main" val="2026564046"/>
+                  </a:ext>
+                </a:extLst>
+              </a:tr>
+              <a:tr h="209778">
+                <a:tc vMerge="1">
+                  <a:txBody>
+                    <a:bodyPr/>
+                    <a:lstStyle/>
+                    <a:p>
+                      <a:endParaRPr lang="zh-TW" altLang="en-US"/>
+                    </a:p>
+                  </a:txBody>
+                  <a:tcPr/>
+                </a:tc>
+                <a:tc>
+                  <a:txBody>
+                    <a:bodyPr/>
+                    <a:lstStyle/>
+                    <a:p>
+                      <a:pPr algn="l"/>
+                      <a:r>
+                        <a:rPr lang="en-US" altLang="zh-TW" sz="1400" b="0" i="0" u="none" strike="noStrike" cap="none" dirty="0" err="1" smtClean="0">
+                          <a:solidFill>
+                            <a:srgbClr val="000000"/>
+                          </a:solidFill>
+                          <a:effectLst/>
+                          <a:latin typeface="Arial"/>
+                          <a:ea typeface="Arial"/>
+                          <a:cs typeface="Arial"/>
+                          <a:sym typeface="Arial"/>
+                        </a:rPr>
+                        <a:t>saveWithNoTaskName</a:t>
+                      </a:r>
+                      <a:endParaRPr lang="zh-TW" altLang="en-US" dirty="0"/>
+                    </a:p>
+                  </a:txBody>
+                  <a:tcPr anchor="ctr"/>
+                </a:tc>
+                <a:extLst>
+                  <a:ext uri="{0D108BD9-81ED-4DB2-BD59-A6C34878D82A}">
+                    <a16:rowId xmlns:a16="http://schemas.microsoft.com/office/drawing/2014/main" val="4177640730"/>
+                  </a:ext>
+                </a:extLst>
+              </a:tr>
+              <a:tr h="209778">
+                <a:tc vMerge="1">
+                  <a:txBody>
+                    <a:bodyPr/>
+                    <a:lstStyle/>
+                    <a:p>
+                      <a:endParaRPr lang="zh-TW" altLang="en-US"/>
+                    </a:p>
+                  </a:txBody>
+                  <a:tcPr/>
+                </a:tc>
+                <a:tc>
+                  <a:txBody>
+                    <a:bodyPr/>
+                    <a:lstStyle/>
+                    <a:p>
+                      <a:pPr algn="l"/>
+                      <a:r>
+                        <a:rPr lang="en-US" altLang="zh-TW" sz="1400" b="0" i="0" u="none" strike="noStrike" cap="none" dirty="0" err="1" smtClean="0">
+                          <a:solidFill>
+                            <a:srgbClr val="000000"/>
+                          </a:solidFill>
+                          <a:effectLst/>
+                          <a:latin typeface="Arial"/>
+                          <a:ea typeface="Arial"/>
+                          <a:cs typeface="Arial"/>
+                          <a:sym typeface="Arial"/>
+                        </a:rPr>
+                        <a:t>saveWithNoTaskNameAfterSaveTask</a:t>
+                      </a:r>
+                      <a:endParaRPr lang="zh-TW" altLang="en-US" dirty="0"/>
+                    </a:p>
+                  </a:txBody>
+                  <a:tcPr anchor="ctr"/>
+                </a:tc>
+                <a:extLst>
+                  <a:ext uri="{0D108BD9-81ED-4DB2-BD59-A6C34878D82A}">
+                    <a16:rowId xmlns:a16="http://schemas.microsoft.com/office/drawing/2014/main" val="4155943818"/>
+                  </a:ext>
+                </a:extLst>
+              </a:tr>
+              <a:tr h="209778">
+                <a:tc vMerge="1">
+                  <a:txBody>
+                    <a:bodyPr/>
+                    <a:lstStyle/>
+                    <a:p>
+                      <a:endParaRPr lang="zh-TW" altLang="en-US"/>
+                    </a:p>
+                  </a:txBody>
+                  <a:tcPr/>
+                </a:tc>
+                <a:tc>
+                  <a:txBody>
+                    <a:bodyPr/>
+                    <a:lstStyle/>
+                    <a:p>
+                      <a:pPr algn="l"/>
+                      <a:r>
+                        <a:rPr lang="en-US" altLang="zh-TW" sz="1400" b="0" i="0" u="none" strike="noStrike" cap="none" dirty="0" err="1" smtClean="0">
+                          <a:solidFill>
+                            <a:srgbClr val="000000"/>
+                          </a:solidFill>
+                          <a:effectLst/>
+                          <a:latin typeface="Arial"/>
+                          <a:ea typeface="Arial"/>
+                          <a:cs typeface="Arial"/>
+                          <a:sym typeface="Arial"/>
+                        </a:rPr>
+                        <a:t>saveWithTaskName</a:t>
+                      </a:r>
+                      <a:endParaRPr lang="zh-TW" altLang="en-US" dirty="0"/>
+                    </a:p>
+                  </a:txBody>
+                  <a:tcPr anchor="ctr"/>
+                </a:tc>
+                <a:extLst>
+                  <a:ext uri="{0D108BD9-81ED-4DB2-BD59-A6C34878D82A}">
+                    <a16:rowId xmlns:a16="http://schemas.microsoft.com/office/drawing/2014/main" val="183099459"/>
+                  </a:ext>
+                </a:extLst>
+              </a:tr>
+              <a:tr h="0">
+                <a:tc vMerge="1">
+                  <a:txBody>
+                    <a:bodyPr/>
+                    <a:lstStyle/>
+                    <a:p>
+                      <a:endParaRPr lang="zh-TW" altLang="en-US"/>
+                    </a:p>
+                  </a:txBody>
+                  <a:tcPr/>
+                </a:tc>
+                <a:tc>
+                  <a:txBody>
+                    <a:bodyPr/>
+                    <a:lstStyle/>
+                    <a:p>
+                      <a:pPr algn="l"/>
+                      <a:r>
+                        <a:rPr lang="en-US" altLang="zh-TW" sz="1400" b="0" i="0" u="none" strike="noStrike" cap="none" dirty="0" smtClean="0">
+                          <a:solidFill>
+                            <a:srgbClr val="000000"/>
+                          </a:solidFill>
+                          <a:effectLst/>
+                          <a:latin typeface="Arial"/>
+                          <a:ea typeface="Arial"/>
+                          <a:cs typeface="Arial"/>
+                          <a:sym typeface="Arial"/>
+                        </a:rPr>
+                        <a:t>saveWithBottomCountryInTimeZone</a:t>
+                      </a:r>
+                      <a:endParaRPr lang="zh-TW" altLang="en-US" dirty="0"/>
+                    </a:p>
+                  </a:txBody>
+                  <a:tcPr anchor="ctr"/>
+                </a:tc>
+                <a:extLst>
+                  <a:ext uri="{0D108BD9-81ED-4DB2-BD59-A6C34878D82A}">
+                    <a16:rowId xmlns:a16="http://schemas.microsoft.com/office/drawing/2014/main" val="2578473362"/>
+                  </a:ext>
+                </a:extLst>
+              </a:tr>
+              <a:tr h="243840">
+                <a:tc vMerge="1">
+                  <a:txBody>
+                    <a:bodyPr/>
+                    <a:lstStyle/>
+                    <a:p>
+                      <a:endParaRPr lang="zh-TW" altLang="en-US"/>
+                    </a:p>
+                  </a:txBody>
+                  <a:tcPr/>
+                </a:tc>
+                <a:tc>
+                  <a:txBody>
+                    <a:bodyPr/>
+                    <a:lstStyle/>
+                    <a:p>
+                      <a:pPr algn="l"/>
+                      <a:r>
+                        <a:rPr lang="en-US" altLang="zh-TW" dirty="0" err="1" smtClean="0"/>
+                        <a:t>saveWithTopCountryInTimeZone</a:t>
+                      </a:r>
+                      <a:endParaRPr lang="zh-TW" altLang="en-US" dirty="0"/>
+                    </a:p>
+                  </a:txBody>
+                  <a:tcPr anchor="ctr"/>
+                </a:tc>
+                <a:extLst>
+                  <a:ext uri="{0D108BD9-81ED-4DB2-BD59-A6C34878D82A}">
+                    <a16:rowId xmlns:a16="http://schemas.microsoft.com/office/drawing/2014/main" val="3581965472"/>
+                  </a:ext>
+                </a:extLst>
+              </a:tr>
+              <a:tr h="304800">
+                <a:tc vMerge="1">
+                  <a:txBody>
+                    <a:bodyPr/>
+                    <a:lstStyle/>
+                    <a:p>
+                      <a:endParaRPr lang="zh-TW" altLang="en-US"/>
+                    </a:p>
+                  </a:txBody>
+                  <a:tcPr/>
+                </a:tc>
+                <a:tc>
+                  <a:txBody>
+                    <a:bodyPr/>
+                    <a:lstStyle/>
+                    <a:p>
+                      <a:pPr algn="l"/>
+                      <a:r>
+                        <a:rPr lang="en-US" altLang="zh-TW" dirty="0" err="1" smtClean="0"/>
+                        <a:t>saveWithRandomTextURL</a:t>
+                      </a:r>
+                      <a:endParaRPr lang="zh-TW" altLang="en-US" dirty="0"/>
+                    </a:p>
+                  </a:txBody>
+                  <a:tcPr anchor="ctr"/>
+                </a:tc>
+                <a:extLst>
+                  <a:ext uri="{0D108BD9-81ED-4DB2-BD59-A6C34878D82A}">
+                    <a16:rowId xmlns:a16="http://schemas.microsoft.com/office/drawing/2014/main" val="2700940044"/>
+                  </a:ext>
+                </a:extLst>
+              </a:tr>
+            </a:tbl>
+          </a:graphicData>
+        </a:graphic>
+      </p:graphicFrame>
+    </p:spTree>
+    <p:extLst>
+      <p:ext uri="{BB962C8B-B14F-4D97-AF65-F5344CB8AC3E}">
+        <p14:creationId xmlns:p14="http://schemas.microsoft.com/office/powerpoint/2010/main" val="2853608100"/>
+      </p:ext>
+    </p:extLst>
+  </p:cSld>
+  <p:clrMapOvr>
+    <a:masterClrMapping/>
+  </p:clrMapOvr>
+  <p:timing>
+    <p:tnLst>
+      <p:par>
+        <p:cTn id="1" dur="indefinite" restart="never" nodeType="tmRoot"/>
+      </p:par>
+    </p:tnLst>
+  </p:timing>
+</p:sld>
+</file>
+
+<file path=ppt/slides/slide17.xml><?xml version="1.0" encoding="utf-8"?>
+<p:sld xmlns:a="http://schemas.openxmlformats.org/drawingml/2006/main" xmlns:r="http://schemas.openxmlformats.org/officeDocument/2006/relationships" xmlns:p="http://schemas.openxmlformats.org/presentationml/2006/main">
+  <p:cSld>
+    <p:spTree>
+      <p:nvGrpSpPr>
+        <p:cNvPr id="1" name=""/>
+        <p:cNvGrpSpPr/>
+        <p:nvPr/>
+      </p:nvGrpSpPr>
+      <p:grpSpPr>
+        <a:xfrm>
+          <a:off x="0" y="0"/>
+          <a:ext cx="0" cy="0"/>
+          <a:chOff x="0" y="0"/>
+          <a:chExt cx="0" cy="0"/>
+        </a:xfrm>
+      </p:grpSpPr>
+      <p:sp>
+        <p:nvSpPr>
+          <p:cNvPr id="2" name="標題 1"/>
+          <p:cNvSpPr>
+            <a:spLocks noGrp="1"/>
+          </p:cNvSpPr>
+          <p:nvPr>
+            <p:ph type="title"/>
+          </p:nvPr>
+        </p:nvSpPr>
+        <p:spPr>
+          <a:xfrm>
+            <a:off x="85391" y="-149723"/>
+            <a:ext cx="6462600" cy="1143000"/>
+          </a:xfrm>
+        </p:spPr>
+        <p:txBody>
+          <a:bodyPr/>
+          <a:lstStyle/>
+          <a:p>
+            <a:r>
+              <a:rPr lang="en-US" altLang="zh-TW" dirty="0" smtClean="0"/>
+              <a:t>All Test Cases</a:t>
+            </a:r>
+            <a:endParaRPr lang="zh-TW" altLang="en-US" dirty="0"/>
+          </a:p>
+        </p:txBody>
+      </p:sp>
+      <p:sp>
+        <p:nvSpPr>
+          <p:cNvPr id="5" name="投影片編號版面配置區 4"/>
+          <p:cNvSpPr>
+            <a:spLocks noGrp="1"/>
+          </p:cNvSpPr>
+          <p:nvPr>
+            <p:ph type="sldNum" idx="12"/>
+          </p:nvPr>
+        </p:nvSpPr>
+        <p:spPr/>
+        <p:txBody>
+          <a:bodyPr/>
+          <a:lstStyle/>
+          <a:p>
+            <a:pPr marL="0" lvl="0" indent="0" algn="r" rtl="0">
+              <a:spcBef>
+                <a:spcPts val="0"/>
+              </a:spcBef>
+              <a:spcAft>
+                <a:spcPts val="0"/>
+              </a:spcAft>
+              <a:buNone/>
+            </a:pPr>
+            <a:fld id="{00000000-1234-1234-1234-123412341234}" type="slidenum">
+              <a:rPr lang="en" smtClean="0"/>
+              <a:t>17</a:t>
+            </a:fld>
+            <a:endParaRPr lang="en"/>
+          </a:p>
+        </p:txBody>
+      </p:sp>
+      <p:graphicFrame>
+        <p:nvGraphicFramePr>
+          <p:cNvPr id="7" name="表格 6"/>
+          <p:cNvGraphicFramePr>
+            <a:graphicFrameLocks noGrp="1"/>
+          </p:cNvGraphicFramePr>
+          <p:nvPr>
+            <p:extLst>
+              <p:ext uri="{D42A27DB-BD31-4B8C-83A1-F6EECF244321}">
+                <p14:modId xmlns:p14="http://schemas.microsoft.com/office/powerpoint/2010/main" val="416738418"/>
+              </p:ext>
+            </p:extLst>
+          </p:nvPr>
+        </p:nvGraphicFramePr>
+        <p:xfrm>
+          <a:off x="1058240" y="1921269"/>
+          <a:ext cx="5589140" cy="2028128"/>
+        </p:xfrm>
+        <a:graphic>
+          <a:graphicData uri="http://schemas.openxmlformats.org/drawingml/2006/table">
+            <a:tbl>
+              <a:tblPr firstRow="1" bandRow="1">
+                <a:tableStyleId>{421DADAF-C452-4BED-A372-887F624FDFEF}</a:tableStyleId>
+              </a:tblPr>
+              <a:tblGrid>
+                <a:gridCol w="2732925">
+                  <a:extLst>
+                    <a:ext uri="{9D8B030D-6E8A-4147-A177-3AD203B41FA5}">
+                      <a16:colId xmlns:a16="http://schemas.microsoft.com/office/drawing/2014/main" val="2880231605"/>
+                    </a:ext>
+                  </a:extLst>
+                </a:gridCol>
+                <a:gridCol w="2856215">
+                  <a:extLst>
+                    <a:ext uri="{9D8B030D-6E8A-4147-A177-3AD203B41FA5}">
+                      <a16:colId xmlns:a16="http://schemas.microsoft.com/office/drawing/2014/main" val="1722535411"/>
+                    </a:ext>
+                  </a:extLst>
+                </a:gridCol>
+              </a:tblGrid>
+              <a:tr h="356170">
+                <a:tc>
+                  <a:txBody>
+                    <a:bodyPr/>
+                    <a:lstStyle/>
+                    <a:p>
+                      <a:r>
+                        <a:rPr lang="en-US" altLang="zh-TW" sz="1400" dirty="0" smtClean="0">
+                          <a:solidFill>
+                            <a:srgbClr val="2185C5"/>
+                          </a:solidFill>
+                        </a:rPr>
+                        <a:t>Criteria</a:t>
+                      </a:r>
+                      <a:endParaRPr lang="en-US" altLang="zh-TW" sz="1400" dirty="0" smtClean="0">
+                        <a:solidFill>
+                          <a:srgbClr val="2185C5"/>
+                        </a:solidFill>
+                      </a:endParaRPr>
+                    </a:p>
+                  </a:txBody>
+                  <a:tcPr/>
+                </a:tc>
+                <a:tc>
+                  <a:txBody>
+                    <a:bodyPr/>
+                    <a:lstStyle/>
+                    <a:p>
+                      <a:r>
+                        <a:rPr lang="en-US" altLang="zh-TW" dirty="0" err="1" smtClean="0"/>
+                        <a:t>ScriptName</a:t>
+                      </a:r>
+                      <a:endParaRPr lang="zh-TW" altLang="en-US" dirty="0"/>
+                    </a:p>
+                  </a:txBody>
+                  <a:tcPr/>
+                </a:tc>
+                <a:extLst>
+                  <a:ext uri="{0D108BD9-81ED-4DB2-BD59-A6C34878D82A}">
+                    <a16:rowId xmlns:a16="http://schemas.microsoft.com/office/drawing/2014/main" val="1257208218"/>
+                  </a:ext>
+                </a:extLst>
+              </a:tr>
+              <a:tr h="177912">
+                <a:tc rowSpan="4">
+                  <a:txBody>
+                    <a:bodyPr/>
+                    <a:lstStyle/>
+                    <a:p>
+                      <a:pPr algn="l"/>
+                      <a:r>
+                        <a:rPr lang="en-US" altLang="zh-TW" sz="1400" b="0" i="0" u="none" strike="noStrike" cap="none" dirty="0" err="1" smtClean="0">
+                          <a:solidFill>
+                            <a:srgbClr val="000000"/>
+                          </a:solidFill>
+                          <a:effectLst/>
+                          <a:latin typeface="Arial"/>
+                          <a:ea typeface="Arial"/>
+                          <a:cs typeface="Arial"/>
+                          <a:sym typeface="Arial"/>
+                        </a:rPr>
+                        <a:t>EditTaskEachChoiceCoverage</a:t>
+                      </a:r>
+                      <a:endParaRPr lang="zh-TW" altLang="en-US" dirty="0"/>
+                    </a:p>
+                  </a:txBody>
+                  <a:tcPr anchor="ctr"/>
+                </a:tc>
+                <a:tc>
+                  <a:txBody>
+                    <a:bodyPr/>
+                    <a:lstStyle/>
+                    <a:p>
+                      <a:pPr algn="l"/>
+                      <a:r>
+                        <a:rPr lang="en-US" altLang="zh-TW" sz="1400" b="0" i="0" u="none" strike="noStrike" cap="none" dirty="0" smtClean="0">
+                          <a:solidFill>
+                            <a:srgbClr val="000000"/>
+                          </a:solidFill>
+                          <a:effectLst/>
+                          <a:latin typeface="Arial"/>
+                          <a:ea typeface="Arial"/>
+                          <a:cs typeface="Arial"/>
+                          <a:sym typeface="Arial"/>
+                        </a:rPr>
+                        <a:t>editTaskEachChoiceSelection1</a:t>
+                      </a:r>
+                      <a:endParaRPr lang="zh-TW" altLang="en-US" dirty="0"/>
+                    </a:p>
+                  </a:txBody>
+                  <a:tcPr anchor="ctr"/>
+                </a:tc>
+                <a:extLst>
+                  <a:ext uri="{0D108BD9-81ED-4DB2-BD59-A6C34878D82A}">
+                    <a16:rowId xmlns:a16="http://schemas.microsoft.com/office/drawing/2014/main" val="2202489449"/>
+                  </a:ext>
+                </a:extLst>
+              </a:tr>
+              <a:tr h="177912">
+                <a:tc vMerge="1">
+                  <a:txBody>
+                    <a:bodyPr/>
+                    <a:lstStyle/>
+                    <a:p>
+                      <a:endParaRPr lang="zh-TW" altLang="en-US" dirty="0"/>
+                    </a:p>
+                  </a:txBody>
+                  <a:tcPr/>
+                </a:tc>
+                <a:tc>
+                  <a:txBody>
+                    <a:bodyPr/>
+                    <a:lstStyle/>
+                    <a:p>
+                      <a:pPr marL="0" marR="0" indent="0" algn="l" defTabSz="914400" rtl="0" eaLnBrk="1" fontAlgn="auto" latinLnBrk="0" hangingPunct="1">
+                        <a:lnSpc>
+                          <a:spcPct val="100000"/>
+                        </a:lnSpc>
+                        <a:spcBef>
+                          <a:spcPts val="0"/>
+                        </a:spcBef>
+                        <a:spcAft>
+                          <a:spcPts val="0"/>
+                        </a:spcAft>
+                        <a:buClr>
+                          <a:srgbClr val="000000"/>
+                        </a:buClr>
+                        <a:buSzTx/>
+                        <a:buFont typeface="Arial"/>
+                        <a:buNone/>
+                        <a:tabLst/>
+                        <a:defRPr/>
+                      </a:pPr>
+                      <a:r>
+                        <a:rPr lang="en-US" altLang="zh-TW" sz="1400" b="0" i="0" u="none" strike="noStrike" cap="none" dirty="0" smtClean="0">
+                          <a:solidFill>
+                            <a:srgbClr val="000000"/>
+                          </a:solidFill>
+                          <a:effectLst/>
+                          <a:latin typeface="Arial"/>
+                          <a:ea typeface="Arial"/>
+                          <a:cs typeface="Arial"/>
+                          <a:sym typeface="Arial"/>
+                        </a:rPr>
+                        <a:t>editTaskEachChoiceSelection2</a:t>
+                      </a:r>
+                      <a:endParaRPr lang="zh-TW" altLang="en-US" dirty="0" smtClean="0"/>
+                    </a:p>
+                  </a:txBody>
+                  <a:tcPr anchor="ctr"/>
+                </a:tc>
+                <a:extLst>
+                  <a:ext uri="{0D108BD9-81ED-4DB2-BD59-A6C34878D82A}">
+                    <a16:rowId xmlns:a16="http://schemas.microsoft.com/office/drawing/2014/main" val="1160251316"/>
+                  </a:ext>
+                </a:extLst>
+              </a:tr>
+              <a:tr h="177912">
+                <a:tc vMerge="1">
+                  <a:txBody>
+                    <a:bodyPr/>
+                    <a:lstStyle/>
+                    <a:p>
+                      <a:endParaRPr lang="zh-TW" altLang="en-US" dirty="0"/>
+                    </a:p>
+                  </a:txBody>
+                  <a:tcPr/>
+                </a:tc>
+                <a:tc>
+                  <a:txBody>
+                    <a:bodyPr/>
+                    <a:lstStyle/>
+                    <a:p>
+                      <a:pPr marL="0" marR="0" indent="0" algn="l" defTabSz="914400" rtl="0" eaLnBrk="1" fontAlgn="auto" latinLnBrk="0" hangingPunct="1">
+                        <a:lnSpc>
+                          <a:spcPct val="100000"/>
+                        </a:lnSpc>
+                        <a:spcBef>
+                          <a:spcPts val="0"/>
+                        </a:spcBef>
+                        <a:spcAft>
+                          <a:spcPts val="0"/>
+                        </a:spcAft>
+                        <a:buClr>
+                          <a:srgbClr val="000000"/>
+                        </a:buClr>
+                        <a:buSzTx/>
+                        <a:buFont typeface="Arial"/>
+                        <a:buNone/>
+                        <a:tabLst/>
+                        <a:defRPr/>
+                      </a:pPr>
+                      <a:r>
+                        <a:rPr lang="en-US" altLang="zh-TW" sz="1400" b="0" i="0" u="none" strike="noStrike" cap="none" dirty="0" smtClean="0">
+                          <a:solidFill>
+                            <a:srgbClr val="000000"/>
+                          </a:solidFill>
+                          <a:effectLst/>
+                          <a:latin typeface="Arial"/>
+                          <a:ea typeface="Arial"/>
+                          <a:cs typeface="Arial"/>
+                          <a:sym typeface="Arial"/>
+                        </a:rPr>
+                        <a:t>editTaskEachChoiceSelection3</a:t>
+                      </a:r>
+                      <a:endParaRPr lang="zh-TW" altLang="en-US" dirty="0" smtClean="0"/>
+                    </a:p>
+                  </a:txBody>
+                  <a:tcPr anchor="ctr"/>
+                </a:tc>
+                <a:extLst>
+                  <a:ext uri="{0D108BD9-81ED-4DB2-BD59-A6C34878D82A}">
+                    <a16:rowId xmlns:a16="http://schemas.microsoft.com/office/drawing/2014/main" val="3061208863"/>
+                  </a:ext>
+                </a:extLst>
+              </a:tr>
+              <a:tr h="757558">
+                <a:tc vMerge="1">
+                  <a:txBody>
+                    <a:bodyPr/>
+                    <a:lstStyle/>
+                    <a:p>
+                      <a:endParaRPr lang="zh-TW" altLang="en-US" dirty="0"/>
+                    </a:p>
+                  </a:txBody>
+                  <a:tcPr/>
+                </a:tc>
+                <a:tc>
+                  <a:txBody>
+                    <a:bodyPr/>
+                    <a:lstStyle/>
+                    <a:p>
+                      <a:pPr marL="0" marR="0" indent="0" algn="l" defTabSz="914400" rtl="0" eaLnBrk="1" fontAlgn="auto" latinLnBrk="0" hangingPunct="1">
+                        <a:lnSpc>
+                          <a:spcPct val="100000"/>
+                        </a:lnSpc>
+                        <a:spcBef>
+                          <a:spcPts val="0"/>
+                        </a:spcBef>
+                        <a:spcAft>
+                          <a:spcPts val="0"/>
+                        </a:spcAft>
+                        <a:buClr>
+                          <a:srgbClr val="000000"/>
+                        </a:buClr>
+                        <a:buSzTx/>
+                        <a:buFont typeface="Arial"/>
+                        <a:buNone/>
+                        <a:tabLst/>
+                        <a:defRPr/>
+                      </a:pPr>
+                      <a:r>
+                        <a:rPr lang="en-US" altLang="zh-TW" dirty="0" smtClean="0"/>
+                        <a:t>editTaskEachChoiceSelection4</a:t>
+                      </a:r>
+                      <a:endParaRPr lang="zh-TW" altLang="en-US" dirty="0"/>
+                    </a:p>
+                  </a:txBody>
+                  <a:tcPr anchor="ctr"/>
+                </a:tc>
+                <a:extLst>
+                  <a:ext uri="{0D108BD9-81ED-4DB2-BD59-A6C34878D82A}">
+                    <a16:rowId xmlns:a16="http://schemas.microsoft.com/office/drawing/2014/main" val="1098168655"/>
+                  </a:ext>
+                </a:extLst>
+              </a:tr>
+            </a:tbl>
+          </a:graphicData>
+        </a:graphic>
+      </p:graphicFrame>
+    </p:spTree>
+    <p:extLst>
+      <p:ext uri="{BB962C8B-B14F-4D97-AF65-F5344CB8AC3E}">
+        <p14:creationId xmlns:p14="http://schemas.microsoft.com/office/powerpoint/2010/main" val="2154057615"/>
+      </p:ext>
+    </p:extLst>
+  </p:cSld>
+  <p:clrMapOvr>
+    <a:masterClrMapping/>
+  </p:clrMapOvr>
+  <p:timing>
+    <p:tnLst>
+      <p:par>
+        <p:cTn id="1" dur="indefinite" restart="never" nodeType="tmRoot"/>
+      </p:par>
+    </p:tnLst>
+  </p:timing>
+</p:sld>
+</file>
+
+<file path=ppt/slides/slide18.xml><?xml version="1.0" encoding="utf-8"?>
 <p:sld xmlns:a="http://schemas.openxmlformats.org/drawingml/2006/main" xmlns:r="http://schemas.openxmlformats.org/officeDocument/2006/relationships" xmlns:p="http://schemas.openxmlformats.org/presentationml/2006/main">
   <p:cSld>
     <p:spTree>
@@ -8462,7 +12146,7 @@
             </a:pPr>
             <a:fld id="{00000000-1234-1234-1234-123412341234}" type="slidenum">
               <a:rPr lang="en"/>
-              <a:t>14</a:t>
+              <a:t>18</a:t>
             </a:fld>
             <a:endParaRPr/>
           </a:p>
@@ -8590,17 +12274,7 @@
                 <a:latin typeface="微軟正黑體" panose="020B0604030504040204" pitchFamily="34" charset="-120"/>
                 <a:ea typeface="微軟正黑體" panose="020B0604030504040204" pitchFamily="34" charset="-120"/>
               </a:rPr>
-              <a:t>.On </a:t>
-            </a:r>
-            <a:r>
-              <a:rPr lang="en-US" altLang="zh-TW" sz="2800" dirty="0" smtClean="0">
-                <a:solidFill>
-                  <a:srgbClr val="97ABBC"/>
-                </a:solidFill>
-                <a:latin typeface="微軟正黑體" panose="020B0604030504040204" pitchFamily="34" charset="-120"/>
-                <a:ea typeface="微軟正黑體" panose="020B0604030504040204" pitchFamily="34" charset="-120"/>
-              </a:rPr>
-              <a:t>Pause   </a:t>
+              <a:t>.On Pause   </a:t>
             </a:r>
           </a:p>
         </p:txBody>
@@ -8609,812 +12283,6 @@
     <p:extLst>
       <p:ext uri="{BB962C8B-B14F-4D97-AF65-F5344CB8AC3E}">
         <p14:creationId xmlns:p14="http://schemas.microsoft.com/office/powerpoint/2010/main" val="3091730751"/>
-      </p:ext>
-    </p:extLst>
-  </p:cSld>
-  <p:clrMapOvr>
-    <a:masterClrMapping/>
-  </p:clrMapOvr>
-  <p:timing>
-    <p:tnLst>
-      <p:par>
-        <p:cTn id="1" dur="indefinite" restart="never" nodeType="tmRoot"/>
-      </p:par>
-    </p:tnLst>
-  </p:timing>
-</p:sld>
-</file>
-
-<file path=ppt/slides/slide15.xml><?xml version="1.0" encoding="utf-8"?>
-<p:sld xmlns:a="http://schemas.openxmlformats.org/drawingml/2006/main" xmlns:r="http://schemas.openxmlformats.org/officeDocument/2006/relationships" xmlns:p="http://schemas.openxmlformats.org/presentationml/2006/main">
-  <p:cSld>
-    <p:spTree>
-      <p:nvGrpSpPr>
-        <p:cNvPr id="1" name="Shape 143"/>
-        <p:cNvGrpSpPr/>
-        <p:nvPr/>
-      </p:nvGrpSpPr>
-      <p:grpSpPr>
-        <a:xfrm>
-          <a:off x="0" y="0"/>
-          <a:ext cx="0" cy="0"/>
-          <a:chOff x="0" y="0"/>
-          <a:chExt cx="0" cy="0"/>
-        </a:xfrm>
-      </p:grpSpPr>
-      <p:sp>
-        <p:nvSpPr>
-          <p:cNvPr id="145" name="Google Shape;145;p19"/>
-          <p:cNvSpPr txBox="1">
-            <a:spLocks noGrp="1"/>
-          </p:cNvSpPr>
-          <p:nvPr>
-            <p:ph type="title"/>
-          </p:nvPr>
-        </p:nvSpPr>
-        <p:spPr>
-          <a:xfrm>
-            <a:off x="647515" y="547211"/>
-            <a:ext cx="6462600" cy="1143000"/>
-          </a:xfrm>
-          <a:prstGeom prst="rect">
-            <a:avLst/>
-          </a:prstGeom>
-        </p:spPr>
-        <p:txBody>
-          <a:bodyPr spcFirstLastPara="1" wrap="square" lIns="91425" tIns="91425" rIns="91425" bIns="91425" anchor="b" anchorCtr="0">
-            <a:noAutofit/>
-          </a:bodyPr>
-          <a:lstStyle/>
-          <a:p>
-            <a:pPr lvl="0"/>
-            <a:r>
-              <a:rPr lang="en-US" altLang="zh-TW" dirty="0" smtClean="0"/>
-              <a:t>Approach</a:t>
-            </a:r>
-            <a:endParaRPr dirty="0"/>
-          </a:p>
-        </p:txBody>
-      </p:sp>
-      <p:sp>
-        <p:nvSpPr>
-          <p:cNvPr id="147" name="Google Shape;147;p19"/>
-          <p:cNvSpPr txBox="1">
-            <a:spLocks noGrp="1"/>
-          </p:cNvSpPr>
-          <p:nvPr>
-            <p:ph type="sldNum" idx="12"/>
-          </p:nvPr>
-        </p:nvSpPr>
-        <p:spPr>
-          <a:xfrm>
-            <a:off x="8480575" y="6364177"/>
-            <a:ext cx="548700" cy="417900"/>
-          </a:xfrm>
-          <a:prstGeom prst="rect">
-            <a:avLst/>
-          </a:prstGeom>
-        </p:spPr>
-        <p:txBody>
-          <a:bodyPr spcFirstLastPara="1" wrap="square" lIns="91425" tIns="91425" rIns="91425" bIns="91425" anchor="t" anchorCtr="0">
-            <a:noAutofit/>
-          </a:bodyPr>
-          <a:lstStyle/>
-          <a:p>
-            <a:pPr marL="0" lvl="0" indent="0" algn="r" rtl="0">
-              <a:spcBef>
-                <a:spcPts val="0"/>
-              </a:spcBef>
-              <a:spcAft>
-                <a:spcPts val="0"/>
-              </a:spcAft>
-              <a:buNone/>
-            </a:pPr>
-            <a:fld id="{00000000-1234-1234-1234-123412341234}" type="slidenum">
-              <a:rPr lang="en"/>
-              <a:t>15</a:t>
-            </a:fld>
-            <a:endParaRPr/>
-          </a:p>
-        </p:txBody>
-      </p:sp>
-      <p:sp>
-        <p:nvSpPr>
-          <p:cNvPr id="4" name="文字方塊 3"/>
-          <p:cNvSpPr txBox="1"/>
-          <p:nvPr/>
-        </p:nvSpPr>
-        <p:spPr>
-          <a:xfrm>
-            <a:off x="716090" y="2255306"/>
-            <a:ext cx="4530407" cy="307777"/>
-          </a:xfrm>
-          <a:prstGeom prst="rect">
-            <a:avLst/>
-          </a:prstGeom>
-          <a:noFill/>
-        </p:spPr>
-        <p:txBody>
-          <a:bodyPr wrap="none" rtlCol="0">
-            <a:spAutoFit/>
-          </a:bodyPr>
-          <a:lstStyle/>
-          <a:p>
-            <a:r>
-              <a:rPr lang="en-US" altLang="zh-TW" dirty="0"/>
-              <a:t>We use independent path  </a:t>
-            </a:r>
-            <a:r>
-              <a:rPr lang="en-US" altLang="zh-TW" dirty="0" smtClean="0"/>
-              <a:t>for </a:t>
-            </a:r>
-            <a:r>
-              <a:rPr lang="en-US" altLang="zh-TW" dirty="0"/>
-              <a:t>code coverage Criteria  </a:t>
-            </a:r>
-            <a:endParaRPr lang="zh-TW" altLang="en-US" dirty="0"/>
-          </a:p>
-        </p:txBody>
-      </p:sp>
-      <p:sp>
-        <p:nvSpPr>
-          <p:cNvPr id="8" name="文字方塊 7"/>
-          <p:cNvSpPr txBox="1"/>
-          <p:nvPr/>
-        </p:nvSpPr>
-        <p:spPr>
-          <a:xfrm>
-            <a:off x="716090" y="3435956"/>
-            <a:ext cx="3162725" cy="1815882"/>
-          </a:xfrm>
-          <a:prstGeom prst="rect">
-            <a:avLst/>
-          </a:prstGeom>
-          <a:noFill/>
-        </p:spPr>
-        <p:txBody>
-          <a:bodyPr wrap="none" rtlCol="0">
-            <a:spAutoFit/>
-          </a:bodyPr>
-          <a:lstStyle/>
-          <a:p>
-            <a:r>
-              <a:rPr lang="en-US" altLang="zh-TW" dirty="0" smtClean="0"/>
-              <a:t>To detect </a:t>
-            </a:r>
-            <a:r>
-              <a:rPr lang="en-US" altLang="zh-TW" dirty="0"/>
-              <a:t>App’s </a:t>
-            </a:r>
-            <a:r>
-              <a:rPr lang="en-US" altLang="zh-TW" kern="100" dirty="0">
-                <a:solidFill>
-                  <a:schemeClr val="tx1">
-                    <a:lumMod val="85000"/>
-                    <a:lumOff val="15000"/>
-                  </a:schemeClr>
-                </a:solidFill>
-                <a:latin typeface="微軟正黑體" panose="020B0604030504040204" pitchFamily="34" charset="-120"/>
-                <a:ea typeface="微軟正黑體" panose="020B0604030504040204" pitchFamily="34" charset="-120"/>
-                <a:cs typeface="Times New Roman" panose="02020603050405020304" pitchFamily="18" charset="0"/>
-              </a:rPr>
-              <a:t>abnormal behavior </a:t>
-            </a:r>
-            <a:r>
-              <a:rPr lang="en-US" altLang="zh-TW" kern="100" dirty="0" smtClean="0">
-                <a:solidFill>
-                  <a:schemeClr val="tx1">
-                    <a:lumMod val="85000"/>
-                    <a:lumOff val="15000"/>
-                  </a:schemeClr>
-                </a:solidFill>
-                <a:latin typeface="微軟正黑體" panose="020B0604030504040204" pitchFamily="34" charset="-120"/>
-                <a:ea typeface="微軟正黑體" panose="020B0604030504040204" pitchFamily="34" charset="-120"/>
-                <a:cs typeface="Times New Roman" panose="02020603050405020304" pitchFamily="18" charset="0"/>
-              </a:rPr>
-              <a:t>:</a:t>
-            </a:r>
-            <a:endParaRPr lang="zh-TW" altLang="en-US" dirty="0"/>
-          </a:p>
-          <a:p>
-            <a:endParaRPr lang="en-US" altLang="zh-TW" dirty="0" smtClean="0"/>
-          </a:p>
-          <a:p>
-            <a:endParaRPr lang="en-US" altLang="zh-TW" dirty="0"/>
-          </a:p>
-          <a:p>
-            <a:pPr lvl="5"/>
-            <a:r>
-              <a:rPr lang="en-US" altLang="zh-TW" dirty="0" smtClean="0"/>
-              <a:t>1.Each </a:t>
-            </a:r>
-            <a:r>
-              <a:rPr lang="en-US" altLang="zh-TW" dirty="0"/>
-              <a:t>Choice </a:t>
-            </a:r>
-            <a:endParaRPr lang="en-US" altLang="zh-TW" dirty="0" smtClean="0"/>
-          </a:p>
-          <a:p>
-            <a:pPr lvl="5"/>
-            <a:endParaRPr lang="en-US" altLang="zh-TW" dirty="0"/>
-          </a:p>
-          <a:p>
-            <a:pPr lvl="5"/>
-            <a:r>
-              <a:rPr lang="en-US" altLang="zh-TW" dirty="0" smtClean="0"/>
-              <a:t>2.Equivalence </a:t>
-            </a:r>
-            <a:r>
-              <a:rPr lang="en-US" altLang="zh-TW" dirty="0"/>
-              <a:t>partition </a:t>
-            </a:r>
-            <a:endParaRPr lang="en-US" altLang="zh-TW" dirty="0" smtClean="0"/>
-          </a:p>
-          <a:p>
-            <a:pPr lvl="5"/>
-            <a:endParaRPr lang="en-US" altLang="zh-TW" dirty="0" smtClean="0"/>
-          </a:p>
-          <a:p>
-            <a:pPr lvl="5"/>
-            <a:r>
-              <a:rPr lang="en-US" altLang="zh-TW" dirty="0" smtClean="0"/>
-              <a:t>3.Sequencing Constraints</a:t>
-            </a:r>
-            <a:endParaRPr lang="zh-TW" altLang="en-US" dirty="0"/>
-          </a:p>
-        </p:txBody>
-      </p:sp>
-    </p:spTree>
-    <p:extLst>
-      <p:ext uri="{BB962C8B-B14F-4D97-AF65-F5344CB8AC3E}">
-        <p14:creationId xmlns:p14="http://schemas.microsoft.com/office/powerpoint/2010/main" val="2222598891"/>
-      </p:ext>
-    </p:extLst>
-  </p:cSld>
-  <p:clrMapOvr>
-    <a:masterClrMapping/>
-  </p:clrMapOvr>
-  <p:timing>
-    <p:tnLst>
-      <p:par>
-        <p:cTn id="1" dur="indefinite" restart="never" nodeType="tmRoot"/>
-      </p:par>
-    </p:tnLst>
-  </p:timing>
-</p:sld>
-</file>
-
-<file path=ppt/slides/slide16.xml><?xml version="1.0" encoding="utf-8"?>
-<p:sld xmlns:a="http://schemas.openxmlformats.org/drawingml/2006/main" xmlns:r="http://schemas.openxmlformats.org/officeDocument/2006/relationships" xmlns:p="http://schemas.openxmlformats.org/presentationml/2006/main">
-  <p:cSld>
-    <p:spTree>
-      <p:nvGrpSpPr>
-        <p:cNvPr id="1" name="Shape 143"/>
-        <p:cNvGrpSpPr/>
-        <p:nvPr/>
-      </p:nvGrpSpPr>
-      <p:grpSpPr>
-        <a:xfrm>
-          <a:off x="0" y="0"/>
-          <a:ext cx="0" cy="0"/>
-          <a:chOff x="0" y="0"/>
-          <a:chExt cx="0" cy="0"/>
-        </a:xfrm>
-      </p:grpSpPr>
-      <p:sp>
-        <p:nvSpPr>
-          <p:cNvPr id="145" name="Google Shape;145;p19"/>
-          <p:cNvSpPr txBox="1">
-            <a:spLocks noGrp="1"/>
-          </p:cNvSpPr>
-          <p:nvPr>
-            <p:ph type="title"/>
-          </p:nvPr>
-        </p:nvSpPr>
-        <p:spPr>
-          <a:xfrm>
-            <a:off x="647515" y="547211"/>
-            <a:ext cx="6462600" cy="1143000"/>
-          </a:xfrm>
-          <a:prstGeom prst="rect">
-            <a:avLst/>
-          </a:prstGeom>
-        </p:spPr>
-        <p:txBody>
-          <a:bodyPr spcFirstLastPara="1" wrap="square" lIns="91425" tIns="91425" rIns="91425" bIns="91425" anchor="b" anchorCtr="0">
-            <a:noAutofit/>
-          </a:bodyPr>
-          <a:lstStyle/>
-          <a:p>
-            <a:pPr lvl="0"/>
-            <a:r>
-              <a:rPr lang="en-US" altLang="zh-TW" dirty="0" smtClean="0"/>
-              <a:t>Approach</a:t>
-            </a:r>
-            <a:endParaRPr dirty="0"/>
-          </a:p>
-        </p:txBody>
-      </p:sp>
-      <p:sp>
-        <p:nvSpPr>
-          <p:cNvPr id="147" name="Google Shape;147;p19"/>
-          <p:cNvSpPr txBox="1">
-            <a:spLocks noGrp="1"/>
-          </p:cNvSpPr>
-          <p:nvPr>
-            <p:ph type="sldNum" idx="12"/>
-          </p:nvPr>
-        </p:nvSpPr>
-        <p:spPr>
-          <a:xfrm>
-            <a:off x="8480575" y="6364177"/>
-            <a:ext cx="548700" cy="417900"/>
-          </a:xfrm>
-          <a:prstGeom prst="rect">
-            <a:avLst/>
-          </a:prstGeom>
-        </p:spPr>
-        <p:txBody>
-          <a:bodyPr spcFirstLastPara="1" wrap="square" lIns="91425" tIns="91425" rIns="91425" bIns="91425" anchor="t" anchorCtr="0">
-            <a:noAutofit/>
-          </a:bodyPr>
-          <a:lstStyle/>
-          <a:p>
-            <a:pPr marL="0" lvl="0" indent="0" algn="r" rtl="0">
-              <a:spcBef>
-                <a:spcPts val="0"/>
-              </a:spcBef>
-              <a:spcAft>
-                <a:spcPts val="0"/>
-              </a:spcAft>
-              <a:buNone/>
-            </a:pPr>
-            <a:fld id="{00000000-1234-1234-1234-123412341234}" type="slidenum">
-              <a:rPr lang="en"/>
-              <a:t>16</a:t>
-            </a:fld>
-            <a:endParaRPr/>
-          </a:p>
-        </p:txBody>
-      </p:sp>
-      <p:sp>
-        <p:nvSpPr>
-          <p:cNvPr id="4" name="文字方塊 3"/>
-          <p:cNvSpPr txBox="1"/>
-          <p:nvPr/>
-        </p:nvSpPr>
-        <p:spPr>
-          <a:xfrm>
-            <a:off x="716090" y="2255306"/>
-            <a:ext cx="4530407" cy="307777"/>
-          </a:xfrm>
-          <a:prstGeom prst="rect">
-            <a:avLst/>
-          </a:prstGeom>
-          <a:noFill/>
-        </p:spPr>
-        <p:txBody>
-          <a:bodyPr wrap="none" rtlCol="0">
-            <a:spAutoFit/>
-          </a:bodyPr>
-          <a:lstStyle/>
-          <a:p>
-            <a:r>
-              <a:rPr lang="en-US" altLang="zh-TW" dirty="0"/>
-              <a:t>We use independent path  </a:t>
-            </a:r>
-            <a:r>
-              <a:rPr lang="en-US" altLang="zh-TW" dirty="0" smtClean="0"/>
-              <a:t>for </a:t>
-            </a:r>
-            <a:r>
-              <a:rPr lang="en-US" altLang="zh-TW" dirty="0"/>
-              <a:t>code coverage Criteria  </a:t>
-            </a:r>
-            <a:endParaRPr lang="zh-TW" altLang="en-US" dirty="0"/>
-          </a:p>
-        </p:txBody>
-      </p:sp>
-      <p:sp>
-        <p:nvSpPr>
-          <p:cNvPr id="8" name="文字方塊 7"/>
-          <p:cNvSpPr txBox="1"/>
-          <p:nvPr/>
-        </p:nvSpPr>
-        <p:spPr>
-          <a:xfrm>
-            <a:off x="716090" y="3435956"/>
-            <a:ext cx="3162725" cy="1815882"/>
-          </a:xfrm>
-          <a:prstGeom prst="rect">
-            <a:avLst/>
-          </a:prstGeom>
-          <a:noFill/>
-        </p:spPr>
-        <p:txBody>
-          <a:bodyPr wrap="none" rtlCol="0">
-            <a:spAutoFit/>
-          </a:bodyPr>
-          <a:lstStyle/>
-          <a:p>
-            <a:r>
-              <a:rPr lang="en-US" altLang="zh-TW" dirty="0" smtClean="0"/>
-              <a:t>To detect </a:t>
-            </a:r>
-            <a:r>
-              <a:rPr lang="en-US" altLang="zh-TW" dirty="0"/>
-              <a:t>App’s </a:t>
-            </a:r>
-            <a:r>
-              <a:rPr lang="en-US" altLang="zh-TW" kern="100" dirty="0">
-                <a:solidFill>
-                  <a:schemeClr val="tx1">
-                    <a:lumMod val="85000"/>
-                    <a:lumOff val="15000"/>
-                  </a:schemeClr>
-                </a:solidFill>
-                <a:latin typeface="微軟正黑體" panose="020B0604030504040204" pitchFamily="34" charset="-120"/>
-                <a:ea typeface="微軟正黑體" panose="020B0604030504040204" pitchFamily="34" charset="-120"/>
-                <a:cs typeface="Times New Roman" panose="02020603050405020304" pitchFamily="18" charset="0"/>
-              </a:rPr>
-              <a:t>abnormal behavior </a:t>
-            </a:r>
-            <a:r>
-              <a:rPr lang="en-US" altLang="zh-TW" kern="100" dirty="0" smtClean="0">
-                <a:solidFill>
-                  <a:schemeClr val="tx1">
-                    <a:lumMod val="85000"/>
-                    <a:lumOff val="15000"/>
-                  </a:schemeClr>
-                </a:solidFill>
-                <a:latin typeface="微軟正黑體" panose="020B0604030504040204" pitchFamily="34" charset="-120"/>
-                <a:ea typeface="微軟正黑體" panose="020B0604030504040204" pitchFamily="34" charset="-120"/>
-                <a:cs typeface="Times New Roman" panose="02020603050405020304" pitchFamily="18" charset="0"/>
-              </a:rPr>
-              <a:t>:</a:t>
-            </a:r>
-            <a:endParaRPr lang="zh-TW" altLang="en-US" dirty="0"/>
-          </a:p>
-          <a:p>
-            <a:endParaRPr lang="en-US" altLang="zh-TW" dirty="0" smtClean="0"/>
-          </a:p>
-          <a:p>
-            <a:endParaRPr lang="en-US" altLang="zh-TW" dirty="0"/>
-          </a:p>
-          <a:p>
-            <a:pPr lvl="5"/>
-            <a:r>
-              <a:rPr lang="en-US" altLang="zh-TW" dirty="0" smtClean="0"/>
-              <a:t>1.Each </a:t>
-            </a:r>
-            <a:r>
-              <a:rPr lang="en-US" altLang="zh-TW" dirty="0"/>
-              <a:t>Choice </a:t>
-            </a:r>
-            <a:endParaRPr lang="en-US" altLang="zh-TW" dirty="0" smtClean="0"/>
-          </a:p>
-          <a:p>
-            <a:pPr lvl="5"/>
-            <a:endParaRPr lang="en-US" altLang="zh-TW" dirty="0"/>
-          </a:p>
-          <a:p>
-            <a:pPr lvl="5"/>
-            <a:r>
-              <a:rPr lang="en-US" altLang="zh-TW" dirty="0" smtClean="0"/>
-              <a:t>2.Equivalence </a:t>
-            </a:r>
-            <a:r>
-              <a:rPr lang="en-US" altLang="zh-TW" dirty="0"/>
-              <a:t>partition </a:t>
-            </a:r>
-            <a:endParaRPr lang="en-US" altLang="zh-TW" dirty="0" smtClean="0"/>
-          </a:p>
-          <a:p>
-            <a:pPr lvl="5"/>
-            <a:endParaRPr lang="en-US" altLang="zh-TW" dirty="0" smtClean="0"/>
-          </a:p>
-          <a:p>
-            <a:pPr lvl="5"/>
-            <a:r>
-              <a:rPr lang="en-US" altLang="zh-TW" dirty="0" smtClean="0"/>
-              <a:t>3.Sequencing Constraints</a:t>
-            </a:r>
-            <a:endParaRPr lang="zh-TW" altLang="en-US" dirty="0"/>
-          </a:p>
-        </p:txBody>
-      </p:sp>
-    </p:spTree>
-    <p:extLst>
-      <p:ext uri="{BB962C8B-B14F-4D97-AF65-F5344CB8AC3E}">
-        <p14:creationId xmlns:p14="http://schemas.microsoft.com/office/powerpoint/2010/main" val="3930917518"/>
-      </p:ext>
-    </p:extLst>
-  </p:cSld>
-  <p:clrMapOvr>
-    <a:masterClrMapping/>
-  </p:clrMapOvr>
-  <p:timing>
-    <p:tnLst>
-      <p:par>
-        <p:cTn id="1" dur="indefinite" restart="never" nodeType="tmRoot"/>
-      </p:par>
-    </p:tnLst>
-  </p:timing>
-</p:sld>
-</file>
-
-<file path=ppt/slides/slide17.xml><?xml version="1.0" encoding="utf-8"?>
-<p:sld xmlns:a="http://schemas.openxmlformats.org/drawingml/2006/main" xmlns:r="http://schemas.openxmlformats.org/officeDocument/2006/relationships" xmlns:p="http://schemas.openxmlformats.org/presentationml/2006/main">
-  <p:cSld>
-    <p:spTree>
-      <p:nvGrpSpPr>
-        <p:cNvPr id="1" name="Shape 143"/>
-        <p:cNvGrpSpPr/>
-        <p:nvPr/>
-      </p:nvGrpSpPr>
-      <p:grpSpPr>
-        <a:xfrm>
-          <a:off x="0" y="0"/>
-          <a:ext cx="0" cy="0"/>
-          <a:chOff x="0" y="0"/>
-          <a:chExt cx="0" cy="0"/>
-        </a:xfrm>
-      </p:grpSpPr>
-      <p:sp>
-        <p:nvSpPr>
-          <p:cNvPr id="145" name="Google Shape;145;p19"/>
-          <p:cNvSpPr txBox="1">
-            <a:spLocks noGrp="1"/>
-          </p:cNvSpPr>
-          <p:nvPr>
-            <p:ph type="title"/>
-          </p:nvPr>
-        </p:nvSpPr>
-        <p:spPr>
-          <a:xfrm>
-            <a:off x="647514" y="547211"/>
-            <a:ext cx="8496486" cy="1143000"/>
-          </a:xfrm>
-          <a:prstGeom prst="rect">
-            <a:avLst/>
-          </a:prstGeom>
-        </p:spPr>
-        <p:txBody>
-          <a:bodyPr spcFirstLastPara="1" wrap="square" lIns="91425" tIns="91425" rIns="91425" bIns="91425" anchor="b" anchorCtr="0">
-            <a:noAutofit/>
-          </a:bodyPr>
-          <a:lstStyle/>
-          <a:p>
-            <a:r>
-              <a:rPr lang="en-US" altLang="zh-TW" dirty="0">
-                <a:solidFill>
-                  <a:srgbClr val="2185C5"/>
-                </a:solidFill>
-              </a:rPr>
-              <a:t>Testing Tools : </a:t>
-            </a:r>
-            <a:r>
-              <a:rPr lang="en-US" altLang="zh-TW" sz="3200" dirty="0" smtClean="0">
-                <a:solidFill>
-                  <a:srgbClr val="2185C5"/>
-                </a:solidFill>
-              </a:rPr>
-              <a:t>AKB-</a:t>
-            </a:r>
-            <a:r>
-              <a:rPr lang="en-US" altLang="zh-TW" sz="3200" dirty="0"/>
-              <a:t>Conceptual Diagram</a:t>
-            </a:r>
-            <a:endParaRPr lang="en-US" altLang="zh-TW" sz="3200" dirty="0">
-              <a:solidFill>
-                <a:srgbClr val="2185C5"/>
-              </a:solidFill>
-            </a:endParaRPr>
-          </a:p>
-        </p:txBody>
-      </p:sp>
-      <p:sp>
-        <p:nvSpPr>
-          <p:cNvPr id="147" name="Google Shape;147;p19"/>
-          <p:cNvSpPr txBox="1">
-            <a:spLocks noGrp="1"/>
-          </p:cNvSpPr>
-          <p:nvPr>
-            <p:ph type="sldNum" idx="12"/>
-          </p:nvPr>
-        </p:nvSpPr>
-        <p:spPr>
-          <a:xfrm>
-            <a:off x="8480575" y="6364177"/>
-            <a:ext cx="548700" cy="417900"/>
-          </a:xfrm>
-          <a:prstGeom prst="rect">
-            <a:avLst/>
-          </a:prstGeom>
-        </p:spPr>
-        <p:txBody>
-          <a:bodyPr spcFirstLastPara="1" wrap="square" lIns="91425" tIns="91425" rIns="91425" bIns="91425" anchor="t" anchorCtr="0">
-            <a:noAutofit/>
-          </a:bodyPr>
-          <a:lstStyle/>
-          <a:p>
-            <a:pPr marL="0" lvl="0" indent="0" algn="r" rtl="0">
-              <a:spcBef>
-                <a:spcPts val="0"/>
-              </a:spcBef>
-              <a:spcAft>
-                <a:spcPts val="0"/>
-              </a:spcAft>
-              <a:buNone/>
-            </a:pPr>
-            <a:fld id="{00000000-1234-1234-1234-123412341234}" type="slidenum">
-              <a:rPr lang="en"/>
-              <a:t>17</a:t>
-            </a:fld>
-            <a:endParaRPr/>
-          </a:p>
-        </p:txBody>
-      </p:sp>
-    </p:spTree>
-    <p:extLst>
-      <p:ext uri="{BB962C8B-B14F-4D97-AF65-F5344CB8AC3E}">
-        <p14:creationId xmlns:p14="http://schemas.microsoft.com/office/powerpoint/2010/main" val="2562385998"/>
-      </p:ext>
-    </p:extLst>
-  </p:cSld>
-  <p:clrMapOvr>
-    <a:masterClrMapping/>
-  </p:clrMapOvr>
-  <p:timing>
-    <p:tnLst>
-      <p:par>
-        <p:cTn id="1" dur="indefinite" restart="never" nodeType="tmRoot"/>
-      </p:par>
-    </p:tnLst>
-  </p:timing>
-</p:sld>
-</file>
-
-<file path=ppt/slides/slide18.xml><?xml version="1.0" encoding="utf-8"?>
-<p:sld xmlns:a="http://schemas.openxmlformats.org/drawingml/2006/main" xmlns:r="http://schemas.openxmlformats.org/officeDocument/2006/relationships" xmlns:p="http://schemas.openxmlformats.org/presentationml/2006/main">
-  <p:cSld>
-    <p:spTree>
-      <p:nvGrpSpPr>
-        <p:cNvPr id="1" name="Shape 143"/>
-        <p:cNvGrpSpPr/>
-        <p:nvPr/>
-      </p:nvGrpSpPr>
-      <p:grpSpPr>
-        <a:xfrm>
-          <a:off x="0" y="0"/>
-          <a:ext cx="0" cy="0"/>
-          <a:chOff x="0" y="0"/>
-          <a:chExt cx="0" cy="0"/>
-        </a:xfrm>
-      </p:grpSpPr>
-      <p:sp>
-        <p:nvSpPr>
-          <p:cNvPr id="145" name="Google Shape;145;p19"/>
-          <p:cNvSpPr txBox="1">
-            <a:spLocks noGrp="1"/>
-          </p:cNvSpPr>
-          <p:nvPr>
-            <p:ph type="title"/>
-          </p:nvPr>
-        </p:nvSpPr>
-        <p:spPr>
-          <a:xfrm>
-            <a:off x="647514" y="547211"/>
-            <a:ext cx="8267885" cy="1143000"/>
-          </a:xfrm>
-          <a:prstGeom prst="rect">
-            <a:avLst/>
-          </a:prstGeom>
-        </p:spPr>
-        <p:txBody>
-          <a:bodyPr spcFirstLastPara="1" wrap="square" lIns="91425" tIns="91425" rIns="91425" bIns="91425" anchor="b" anchorCtr="0">
-            <a:noAutofit/>
-          </a:bodyPr>
-          <a:lstStyle/>
-          <a:p>
-            <a:pPr lvl="0"/>
-            <a:r>
-              <a:rPr lang="en-US" altLang="zh-TW" dirty="0"/>
-              <a:t>Test </a:t>
-            </a:r>
-            <a:r>
-              <a:rPr lang="en-US" altLang="zh-TW" u="sng" dirty="0"/>
-              <a:t>tools</a:t>
-            </a:r>
-            <a:r>
-              <a:rPr lang="en-US" altLang="zh-TW" dirty="0"/>
-              <a:t> to be </a:t>
-            </a:r>
-            <a:r>
-              <a:rPr lang="en-US" altLang="zh-TW" dirty="0" smtClean="0"/>
-              <a:t>used-CI</a:t>
-            </a:r>
-            <a:endParaRPr dirty="0"/>
-          </a:p>
-        </p:txBody>
-      </p:sp>
-      <p:sp>
-        <p:nvSpPr>
-          <p:cNvPr id="147" name="Google Shape;147;p19"/>
-          <p:cNvSpPr txBox="1">
-            <a:spLocks noGrp="1"/>
-          </p:cNvSpPr>
-          <p:nvPr>
-            <p:ph type="sldNum" idx="12"/>
-          </p:nvPr>
-        </p:nvSpPr>
-        <p:spPr>
-          <a:xfrm>
-            <a:off x="8480575" y="6364177"/>
-            <a:ext cx="548700" cy="417900"/>
-          </a:xfrm>
-          <a:prstGeom prst="rect">
-            <a:avLst/>
-          </a:prstGeom>
-        </p:spPr>
-        <p:txBody>
-          <a:bodyPr spcFirstLastPara="1" wrap="square" lIns="91425" tIns="91425" rIns="91425" bIns="91425" anchor="t" anchorCtr="0">
-            <a:noAutofit/>
-          </a:bodyPr>
-          <a:lstStyle/>
-          <a:p>
-            <a:pPr marL="0" lvl="0" indent="0" algn="r" rtl="0">
-              <a:spcBef>
-                <a:spcPts val="0"/>
-              </a:spcBef>
-              <a:spcAft>
-                <a:spcPts val="0"/>
-              </a:spcAft>
-              <a:buNone/>
-            </a:pPr>
-            <a:fld id="{00000000-1234-1234-1234-123412341234}" type="slidenum">
-              <a:rPr lang="en"/>
-              <a:t>18</a:t>
-            </a:fld>
-            <a:endParaRPr/>
-          </a:p>
-        </p:txBody>
-      </p:sp>
-      <p:sp>
-        <p:nvSpPr>
-          <p:cNvPr id="24" name="矩形 23"/>
-          <p:cNvSpPr/>
-          <p:nvPr/>
-        </p:nvSpPr>
-        <p:spPr>
-          <a:xfrm>
-            <a:off x="1888787" y="3145312"/>
-            <a:ext cx="4572000" cy="307777"/>
-          </a:xfrm>
-          <a:prstGeom prst="rect">
-            <a:avLst/>
-          </a:prstGeom>
-        </p:spPr>
-        <p:txBody>
-          <a:bodyPr>
-            <a:spAutoFit/>
-          </a:bodyPr>
-          <a:lstStyle/>
-          <a:p>
-            <a:r>
-              <a:rPr lang="en-US" altLang="zh-TW" dirty="0">
-                <a:hlinkClick r:id="rId3"/>
-              </a:rPr>
-              <a:t>https://sgit.csie.ntut.edu.tw/jenkins3/job/QuickAddTask/</a:t>
-            </a:r>
-            <a:endParaRPr lang="zh-TW" altLang="en-US" dirty="0"/>
-          </a:p>
-        </p:txBody>
-      </p:sp>
-    </p:spTree>
-    <p:extLst>
-      <p:ext uri="{BB962C8B-B14F-4D97-AF65-F5344CB8AC3E}">
-        <p14:creationId xmlns:p14="http://schemas.microsoft.com/office/powerpoint/2010/main" val="2827713940"/>
       </p:ext>
     </p:extLst>
   </p:cSld>
@@ -9460,8 +12328,8 @@
         </p:nvSpPr>
         <p:spPr>
           <a:xfrm>
-            <a:off x="647514" y="547211"/>
-            <a:ext cx="8267885" cy="1143000"/>
+            <a:off x="647515" y="547211"/>
+            <a:ext cx="6462600" cy="1143000"/>
           </a:xfrm>
           <a:prstGeom prst="rect">
             <a:avLst/>
@@ -9475,8 +12343,8 @@
           <a:p>
             <a:pPr lvl="0"/>
             <a:r>
-              <a:rPr lang="en-US" altLang="zh-TW" dirty="0"/>
-              <a:t>Responsibility of team members</a:t>
+              <a:rPr lang="en-US" altLang="zh-TW" dirty="0" smtClean="0"/>
+              <a:t>Approach</a:t>
             </a:r>
             <a:endParaRPr dirty="0"/>
           </a:p>
@@ -9524,388 +12392,16 @@
           </a:p>
         </p:txBody>
       </p:sp>
-      <p:graphicFrame>
-        <p:nvGraphicFramePr>
-          <p:cNvPr id="3" name="表格 2"/>
-          <p:cNvGraphicFramePr>
-            <a:graphicFrameLocks noGrp="1"/>
-          </p:cNvGraphicFramePr>
-          <p:nvPr>
-            <p:extLst>
-              <p:ext uri="{D42A27DB-BD31-4B8C-83A1-F6EECF244321}">
-                <p14:modId xmlns:p14="http://schemas.microsoft.com/office/powerpoint/2010/main" val="2682490642"/>
-              </p:ext>
-            </p:extLst>
-          </p:nvPr>
-        </p:nvGraphicFramePr>
-        <p:xfrm>
-          <a:off x="2110601" y="2808580"/>
-          <a:ext cx="5036185" cy="731520"/>
-        </p:xfrm>
-        <a:graphic>
-          <a:graphicData uri="http://schemas.openxmlformats.org/drawingml/2006/table">
-            <a:tbl>
-              <a:tblPr>
-                <a:tableStyleId>{BC89EF96-8CEA-46FF-86C4-4CE0E7609802}</a:tableStyleId>
-              </a:tblPr>
-              <a:tblGrid>
-                <a:gridCol w="1496060">
-                  <a:extLst>
-                    <a:ext uri="{9D8B030D-6E8A-4147-A177-3AD203B41FA5}">
-                      <a16:colId xmlns:a16="http://schemas.microsoft.com/office/drawing/2014/main" val="2517269209"/>
-                    </a:ext>
-                  </a:extLst>
-                </a:gridCol>
-                <a:gridCol w="1905635">
-                  <a:extLst>
-                    <a:ext uri="{9D8B030D-6E8A-4147-A177-3AD203B41FA5}">
-                      <a16:colId xmlns:a16="http://schemas.microsoft.com/office/drawing/2014/main" val="3998041426"/>
-                    </a:ext>
-                  </a:extLst>
-                </a:gridCol>
-                <a:gridCol w="1634490">
-                  <a:extLst>
-                    <a:ext uri="{9D8B030D-6E8A-4147-A177-3AD203B41FA5}">
-                      <a16:colId xmlns:a16="http://schemas.microsoft.com/office/drawing/2014/main" val="2708698540"/>
-                    </a:ext>
-                  </a:extLst>
-                </a:gridCol>
-              </a:tblGrid>
-              <a:tr h="0">
-                <a:tc>
-                  <a:txBody>
-                    <a:bodyPr/>
-                    <a:lstStyle/>
-                    <a:p>
-                      <a:pPr algn="ctr">
-                        <a:spcAft>
-                          <a:spcPts val="0"/>
-                        </a:spcAft>
-                      </a:pPr>
-                      <a:r>
-                        <a:rPr lang="en-US" sz="1200" kern="100" dirty="0">
-                          <a:effectLst/>
-                        </a:rPr>
-                        <a:t>Role</a:t>
-                      </a:r>
-                      <a:endParaRPr lang="zh-TW" sz="1200" kern="100" dirty="0">
-                        <a:effectLst/>
-                        <a:latin typeface="Calibri" panose="020F0502020204030204" pitchFamily="34" charset="0"/>
-                        <a:ea typeface="新細明體" panose="02020500000000000000" pitchFamily="18" charset="-120"/>
-                        <a:cs typeface="Times New Roman" panose="02020603050405020304" pitchFamily="18" charset="0"/>
-                      </a:endParaRPr>
-                    </a:p>
-                  </a:txBody>
-                  <a:tcPr marL="17780" marR="17780" marT="0" marB="0"/>
-                </a:tc>
-                <a:tc>
-                  <a:txBody>
-                    <a:bodyPr/>
-                    <a:lstStyle/>
-                    <a:p>
-                      <a:pPr algn="ctr">
-                        <a:spcAft>
-                          <a:spcPts val="0"/>
-                        </a:spcAft>
-                      </a:pPr>
-                      <a:r>
-                        <a:rPr lang="en-US" sz="1200" kern="100">
-                          <a:effectLst/>
-                        </a:rPr>
-                        <a:t>Candidate</a:t>
-                      </a:r>
-                      <a:endParaRPr lang="zh-TW" sz="1200" kern="100">
-                        <a:effectLst/>
-                        <a:latin typeface="Calibri" panose="020F0502020204030204" pitchFamily="34" charset="0"/>
-                        <a:ea typeface="新細明體" panose="02020500000000000000" pitchFamily="18" charset="-120"/>
-                        <a:cs typeface="Times New Roman" panose="02020603050405020304" pitchFamily="18" charset="0"/>
-                      </a:endParaRPr>
-                    </a:p>
-                  </a:txBody>
-                  <a:tcPr marL="17780" marR="17780" marT="0" marB="0"/>
-                </a:tc>
-                <a:tc>
-                  <a:txBody>
-                    <a:bodyPr/>
-                    <a:lstStyle/>
-                    <a:p>
-                      <a:pPr algn="ctr">
-                        <a:spcAft>
-                          <a:spcPts val="0"/>
-                        </a:spcAft>
-                      </a:pPr>
-                      <a:r>
-                        <a:rPr lang="en-US" sz="1200" kern="100">
-                          <a:effectLst/>
-                        </a:rPr>
-                        <a:t>Description</a:t>
-                      </a:r>
-                      <a:endParaRPr lang="zh-TW" sz="1200" kern="100">
-                        <a:effectLst/>
-                        <a:latin typeface="Calibri" panose="020F0502020204030204" pitchFamily="34" charset="0"/>
-                        <a:ea typeface="新細明體" panose="02020500000000000000" pitchFamily="18" charset="-120"/>
-                        <a:cs typeface="Times New Roman" panose="02020603050405020304" pitchFamily="18" charset="0"/>
-                      </a:endParaRPr>
-                    </a:p>
-                  </a:txBody>
-                  <a:tcPr marL="17780" marR="17780" marT="0" marB="0"/>
-                </a:tc>
-                <a:extLst>
-                  <a:ext uri="{0D108BD9-81ED-4DB2-BD59-A6C34878D82A}">
-                    <a16:rowId xmlns:a16="http://schemas.microsoft.com/office/drawing/2014/main" val="713576677"/>
-                  </a:ext>
-                </a:extLst>
-              </a:tr>
-              <a:tr h="0">
-                <a:tc>
-                  <a:txBody>
-                    <a:bodyPr/>
-                    <a:lstStyle/>
-                    <a:p>
-                      <a:pPr>
-                        <a:spcAft>
-                          <a:spcPts val="0"/>
-                        </a:spcAft>
-                      </a:pPr>
-                      <a:r>
-                        <a:rPr lang="en-US" sz="1200" kern="100" dirty="0">
-                          <a:effectLst/>
-                        </a:rPr>
-                        <a:t>Test Engineers</a:t>
-                      </a:r>
-                      <a:endParaRPr lang="zh-TW" sz="1200" kern="100" dirty="0">
-                        <a:effectLst/>
-                        <a:latin typeface="Calibri" panose="020F0502020204030204" pitchFamily="34" charset="0"/>
-                        <a:ea typeface="新細明體" panose="02020500000000000000" pitchFamily="18" charset="-120"/>
-                        <a:cs typeface="Times New Roman" panose="02020603050405020304" pitchFamily="18" charset="0"/>
-                      </a:endParaRPr>
-                    </a:p>
-                  </a:txBody>
-                  <a:tcPr marL="17780" marR="17780" marT="0" marB="0"/>
-                </a:tc>
-                <a:tc>
-                  <a:txBody>
-                    <a:bodyPr/>
-                    <a:lstStyle/>
-                    <a:p>
-                      <a:pPr>
-                        <a:spcAft>
-                          <a:spcPts val="0"/>
-                        </a:spcAft>
-                      </a:pPr>
-                      <a:r>
-                        <a:rPr lang="zh-TW" sz="1200" kern="100" dirty="0">
-                          <a:effectLst/>
-                        </a:rPr>
-                        <a:t>陳郁欣</a:t>
-                      </a:r>
-                      <a:r>
-                        <a:rPr lang="en-US" sz="1200" kern="100" dirty="0">
-                          <a:effectLst/>
-                        </a:rPr>
-                        <a:t>, </a:t>
-                      </a:r>
-                      <a:r>
-                        <a:rPr lang="zh-TW" sz="1200" kern="100" dirty="0">
-                          <a:effectLst/>
-                        </a:rPr>
-                        <a:t>鄭鴻仁</a:t>
-                      </a:r>
-                      <a:r>
-                        <a:rPr lang="en-US" sz="1200" kern="100" dirty="0">
-                          <a:effectLst/>
-                        </a:rPr>
-                        <a:t>,</a:t>
-                      </a:r>
-                      <a:r>
-                        <a:rPr lang="zh-TW" sz="1200" kern="100" dirty="0">
-                          <a:effectLst/>
-                        </a:rPr>
-                        <a:t>林冠璋</a:t>
-                      </a:r>
-                      <a:r>
-                        <a:rPr lang="en-US" sz="1200" kern="100" dirty="0">
-                          <a:effectLst/>
-                        </a:rPr>
-                        <a:t>,</a:t>
-                      </a:r>
-                      <a:r>
-                        <a:rPr lang="zh-TW" sz="1200" kern="100" dirty="0">
-                          <a:effectLst/>
-                        </a:rPr>
-                        <a:t>陳巧宜</a:t>
-                      </a:r>
-                      <a:r>
-                        <a:rPr lang="en-US" sz="1200" kern="100" dirty="0">
-                          <a:effectLst/>
-                        </a:rPr>
-                        <a:t>,</a:t>
-                      </a:r>
-                      <a:r>
-                        <a:rPr lang="zh-TW" sz="1200" kern="100" dirty="0">
-                          <a:effectLst/>
-                        </a:rPr>
-                        <a:t>洪子軒</a:t>
-                      </a:r>
-                      <a:endParaRPr lang="zh-TW" sz="1200" kern="100" dirty="0">
-                        <a:effectLst/>
-                        <a:latin typeface="Calibri" panose="020F0502020204030204" pitchFamily="34" charset="0"/>
-                        <a:ea typeface="新細明體" panose="02020500000000000000" pitchFamily="18" charset="-120"/>
-                        <a:cs typeface="Times New Roman" panose="02020603050405020304" pitchFamily="18" charset="0"/>
-                      </a:endParaRPr>
-                    </a:p>
-                  </a:txBody>
-                  <a:tcPr marL="17780" marR="17780" marT="0" marB="0"/>
-                </a:tc>
-                <a:tc>
-                  <a:txBody>
-                    <a:bodyPr/>
-                    <a:lstStyle/>
-                    <a:p>
-                      <a:pPr>
-                        <a:spcAft>
-                          <a:spcPts val="0"/>
-                        </a:spcAft>
-                      </a:pPr>
-                      <a:r>
-                        <a:rPr lang="zh-TW" sz="1200" kern="100" dirty="0">
-                          <a:effectLst/>
-                        </a:rPr>
-                        <a:t>將測試案例撰寫成腳本</a:t>
-                      </a:r>
-                      <a:endParaRPr lang="zh-TW" sz="1200" kern="100" dirty="0">
-                        <a:effectLst/>
-                        <a:latin typeface="Calibri" panose="020F0502020204030204" pitchFamily="34" charset="0"/>
-                        <a:ea typeface="新細明體" panose="02020500000000000000" pitchFamily="18" charset="-120"/>
-                        <a:cs typeface="Times New Roman" panose="02020603050405020304" pitchFamily="18" charset="0"/>
-                      </a:endParaRPr>
-                    </a:p>
-                  </a:txBody>
-                  <a:tcPr marL="17780" marR="17780" marT="0" marB="0"/>
-                </a:tc>
-                <a:extLst>
-                  <a:ext uri="{0D108BD9-81ED-4DB2-BD59-A6C34878D82A}">
-                    <a16:rowId xmlns:a16="http://schemas.microsoft.com/office/drawing/2014/main" val="4108607269"/>
-                  </a:ext>
-                </a:extLst>
-              </a:tr>
-              <a:tr h="0">
-                <a:tc>
-                  <a:txBody>
-                    <a:bodyPr/>
-                    <a:lstStyle/>
-                    <a:p>
-                      <a:pPr>
-                        <a:spcAft>
-                          <a:spcPts val="0"/>
-                        </a:spcAft>
-                      </a:pPr>
-                      <a:r>
-                        <a:rPr lang="en-US" sz="1200" kern="100">
-                          <a:effectLst/>
-                        </a:rPr>
-                        <a:t>Tool Specialist</a:t>
-                      </a:r>
-                      <a:endParaRPr lang="zh-TW" sz="1200" kern="100">
-                        <a:effectLst/>
-                        <a:latin typeface="Calibri" panose="020F0502020204030204" pitchFamily="34" charset="0"/>
-                        <a:ea typeface="新細明體" panose="02020500000000000000" pitchFamily="18" charset="-120"/>
-                        <a:cs typeface="Times New Roman" panose="02020603050405020304" pitchFamily="18" charset="0"/>
-                      </a:endParaRPr>
-                    </a:p>
-                  </a:txBody>
-                  <a:tcPr marL="17780" marR="17780" marT="0" marB="0"/>
-                </a:tc>
-                <a:tc>
-                  <a:txBody>
-                    <a:bodyPr/>
-                    <a:lstStyle/>
-                    <a:p>
-                      <a:pPr>
-                        <a:spcAft>
-                          <a:spcPts val="0"/>
-                        </a:spcAft>
-                      </a:pPr>
-                      <a:r>
-                        <a:rPr lang="zh-TW" sz="1200" kern="100">
-                          <a:effectLst/>
-                        </a:rPr>
-                        <a:t>陳郁欣</a:t>
-                      </a:r>
-                      <a:endParaRPr lang="zh-TW" sz="1200" kern="100">
-                        <a:effectLst/>
-                        <a:latin typeface="Calibri" panose="020F0502020204030204" pitchFamily="34" charset="0"/>
-                        <a:ea typeface="新細明體" panose="02020500000000000000" pitchFamily="18" charset="-120"/>
-                        <a:cs typeface="Times New Roman" panose="02020603050405020304" pitchFamily="18" charset="0"/>
-                      </a:endParaRPr>
-                    </a:p>
-                  </a:txBody>
-                  <a:tcPr marL="17780" marR="17780" marT="0" marB="0"/>
-                </a:tc>
-                <a:tc>
-                  <a:txBody>
-                    <a:bodyPr/>
-                    <a:lstStyle/>
-                    <a:p>
-                      <a:pPr>
-                        <a:spcAft>
-                          <a:spcPts val="0"/>
-                        </a:spcAft>
-                      </a:pPr>
-                      <a:r>
-                        <a:rPr lang="zh-TW" sz="1200" kern="100" dirty="0">
-                          <a:effectLst/>
-                        </a:rPr>
-                        <a:t>架設</a:t>
-                      </a:r>
-                      <a:r>
-                        <a:rPr lang="en-US" sz="1200" kern="100" dirty="0" err="1">
-                          <a:effectLst/>
-                        </a:rPr>
-                        <a:t>appium</a:t>
-                      </a:r>
-                      <a:r>
-                        <a:rPr lang="zh-TW" sz="1200" kern="100" dirty="0">
-                          <a:effectLst/>
-                        </a:rPr>
-                        <a:t>環境 與</a:t>
-                      </a:r>
-                      <a:r>
-                        <a:rPr lang="en-US" sz="1200" kern="100" dirty="0">
-                          <a:effectLst/>
-                        </a:rPr>
-                        <a:t>CI</a:t>
-                      </a:r>
-                      <a:endParaRPr lang="zh-TW" sz="1200" kern="100" dirty="0">
-                        <a:effectLst/>
-                        <a:latin typeface="Calibri" panose="020F0502020204030204" pitchFamily="34" charset="0"/>
-                        <a:ea typeface="新細明體" panose="02020500000000000000" pitchFamily="18" charset="-120"/>
-                        <a:cs typeface="Times New Roman" panose="02020603050405020304" pitchFamily="18" charset="0"/>
-                      </a:endParaRPr>
-                    </a:p>
-                  </a:txBody>
-                  <a:tcPr marL="17780" marR="17780" marT="0" marB="0"/>
-                </a:tc>
-                <a:extLst>
-                  <a:ext uri="{0D108BD9-81ED-4DB2-BD59-A6C34878D82A}">
-                    <a16:rowId xmlns:a16="http://schemas.microsoft.com/office/drawing/2014/main" val="2417799240"/>
-                  </a:ext>
-                </a:extLst>
-              </a:tr>
-            </a:tbl>
-          </a:graphicData>
-        </a:graphic>
-      </p:graphicFrame>
       <p:sp>
         <p:nvSpPr>
-          <p:cNvPr id="5" name="文字方塊 4"/>
+          <p:cNvPr id="4" name="文字方塊 3"/>
           <p:cNvSpPr txBox="1"/>
           <p:nvPr/>
         </p:nvSpPr>
         <p:spPr>
           <a:xfrm>
-            <a:off x="1996301" y="1880063"/>
-            <a:ext cx="5846437" cy="738664"/>
+            <a:off x="716090" y="2255306"/>
+            <a:ext cx="4530407" cy="307777"/>
           </a:xfrm>
           <a:prstGeom prst="rect">
             <a:avLst/>
@@ -9913,163 +12409,78 @@
           <a:noFill/>
         </p:spPr>
         <p:txBody>
-          <a:bodyPr wrap="square" rtlCol="0">
+          <a:bodyPr wrap="none" rtlCol="0">
             <a:spAutoFit/>
           </a:bodyPr>
           <a:lstStyle/>
           <a:p>
-            <a:pPr lvl="0" eaLnBrk="0" fontAlgn="base" hangingPunct="0">
-              <a:spcBef>
-                <a:spcPct val="0"/>
-              </a:spcBef>
-              <a:spcAft>
-                <a:spcPct val="0"/>
-              </a:spcAft>
-              <a:buClrTx/>
-            </a:pPr>
-            <a:r>
-              <a:rPr lang="en-US" altLang="zh-TW" dirty="0">
+            <a:r>
+              <a:rPr lang="en-US" altLang="zh-TW" dirty="0"/>
+              <a:t>We use independent path  </a:t>
+            </a:r>
+            <a:r>
+              <a:rPr lang="en-US" altLang="zh-TW" dirty="0" smtClean="0"/>
+              <a:t>for </a:t>
+            </a:r>
+            <a:r>
+              <a:rPr lang="en-US" altLang="zh-TW" dirty="0"/>
+              <a:t>code coverage Criteria  </a:t>
+            </a:r>
+            <a:endParaRPr lang="zh-TW" altLang="en-US" dirty="0"/>
+          </a:p>
+        </p:txBody>
+      </p:sp>
+      <p:sp>
+        <p:nvSpPr>
+          <p:cNvPr id="8" name="文字方塊 7"/>
+          <p:cNvSpPr txBox="1"/>
+          <p:nvPr/>
+        </p:nvSpPr>
+        <p:spPr>
+          <a:xfrm>
+            <a:off x="716090" y="3435956"/>
+            <a:ext cx="3162725" cy="1815882"/>
+          </a:xfrm>
+          <a:prstGeom prst="rect">
+            <a:avLst/>
+          </a:prstGeom>
+          <a:noFill/>
+        </p:spPr>
+        <p:txBody>
+          <a:bodyPr wrap="none" rtlCol="0">
+            <a:spAutoFit/>
+          </a:bodyPr>
+          <a:lstStyle/>
+          <a:p>
+            <a:r>
+              <a:rPr lang="en-US" altLang="zh-TW" dirty="0" smtClean="0"/>
+              <a:t>To detect </a:t>
+            </a:r>
+            <a:r>
+              <a:rPr lang="en-US" altLang="zh-TW" dirty="0"/>
+              <a:t>App’s </a:t>
+            </a:r>
+            <a:r>
+              <a:rPr lang="en-US" altLang="zh-TW" kern="100" dirty="0">
                 <a:solidFill>
-                  <a:schemeClr val="tx1"/>
+                  <a:schemeClr val="tx1">
+                    <a:lumMod val="85000"/>
+                    <a:lumOff val="15000"/>
+                  </a:schemeClr>
                 </a:solidFill>
                 <a:latin typeface="微軟正黑體" panose="020B0604030504040204" pitchFamily="34" charset="-120"/>
                 <a:ea typeface="微軟正黑體" panose="020B0604030504040204" pitchFamily="34" charset="-120"/>
                 <a:cs typeface="Times New Roman" panose="02020603050405020304" pitchFamily="18" charset="0"/>
               </a:rPr>
-              <a:t>Developer </a:t>
-            </a:r>
-            <a:r>
-              <a:rPr lang="zh-TW" altLang="en-US" dirty="0">
+              <a:t>abnormal behavior </a:t>
+            </a:r>
+            <a:r>
+              <a:rPr lang="en-US" altLang="zh-TW" kern="100" dirty="0" smtClean="0">
                 <a:solidFill>
-                  <a:schemeClr val="tx1"/>
-                </a:solidFill>
-                <a:latin typeface="微軟正黑體" panose="020B0604030504040204" pitchFamily="34" charset="-120"/>
-                <a:ea typeface="微軟正黑體" panose="020B0604030504040204" pitchFamily="34" charset="-120"/>
-                <a:cs typeface="Times New Roman" panose="02020603050405020304" pitchFamily="18" charset="0"/>
-              </a:rPr>
-              <a:t>陳郁欣</a:t>
-            </a:r>
-            <a:r>
-              <a:rPr lang="en-US" altLang="zh-TW" dirty="0">
-                <a:solidFill>
-                  <a:schemeClr val="tx1"/>
-                </a:solidFill>
-                <a:latin typeface="微軟正黑體" panose="020B0604030504040204" pitchFamily="34" charset="-120"/>
-                <a:ea typeface="微軟正黑體" panose="020B0604030504040204" pitchFamily="34" charset="-120"/>
-                <a:cs typeface="Times New Roman" panose="02020603050405020304" pitchFamily="18" charset="0"/>
-              </a:rPr>
-              <a:t>, </a:t>
-            </a:r>
-            <a:r>
-              <a:rPr lang="zh-TW" altLang="en-US" dirty="0">
-                <a:solidFill>
-                  <a:schemeClr val="tx1"/>
-                </a:solidFill>
-                <a:latin typeface="微軟正黑體" panose="020B0604030504040204" pitchFamily="34" charset="-120"/>
-                <a:ea typeface="微軟正黑體" panose="020B0604030504040204" pitchFamily="34" charset="-120"/>
-                <a:cs typeface="Times New Roman" panose="02020603050405020304" pitchFamily="18" charset="0"/>
-              </a:rPr>
-              <a:t>鄭鴻仁</a:t>
-            </a:r>
-            <a:r>
-              <a:rPr lang="en-US" altLang="zh-TW" dirty="0">
-                <a:solidFill>
-                  <a:schemeClr val="tx1"/>
-                </a:solidFill>
-                <a:latin typeface="微軟正黑體" panose="020B0604030504040204" pitchFamily="34" charset="-120"/>
-                <a:ea typeface="微軟正黑體" panose="020B0604030504040204" pitchFamily="34" charset="-120"/>
-                <a:cs typeface="Times New Roman" panose="02020603050405020304" pitchFamily="18" charset="0"/>
-              </a:rPr>
-              <a:t>,</a:t>
-            </a:r>
-            <a:r>
-              <a:rPr lang="zh-TW" altLang="en-US" dirty="0">
-                <a:solidFill>
-                  <a:schemeClr val="tx1"/>
-                </a:solidFill>
-                <a:latin typeface="微軟正黑體" panose="020B0604030504040204" pitchFamily="34" charset="-120"/>
-                <a:ea typeface="微軟正黑體" panose="020B0604030504040204" pitchFamily="34" charset="-120"/>
-                <a:cs typeface="Times New Roman" panose="02020603050405020304" pitchFamily="18" charset="0"/>
-              </a:rPr>
-              <a:t>林冠璋</a:t>
-            </a:r>
-            <a:r>
-              <a:rPr lang="en-US" altLang="zh-TW" dirty="0">
-                <a:solidFill>
-                  <a:schemeClr val="tx1"/>
-                </a:solidFill>
-                <a:latin typeface="微軟正黑體" panose="020B0604030504040204" pitchFamily="34" charset="-120"/>
-                <a:ea typeface="微軟正黑體" panose="020B0604030504040204" pitchFamily="34" charset="-120"/>
-                <a:cs typeface="Times New Roman" panose="02020603050405020304" pitchFamily="18" charset="0"/>
-              </a:rPr>
-              <a:t>,</a:t>
-            </a:r>
-            <a:r>
-              <a:rPr lang="zh-TW" altLang="en-US" dirty="0">
-                <a:solidFill>
-                  <a:schemeClr val="tx1"/>
-                </a:solidFill>
-                <a:latin typeface="微軟正黑體" panose="020B0604030504040204" pitchFamily="34" charset="-120"/>
-                <a:ea typeface="微軟正黑體" panose="020B0604030504040204" pitchFamily="34" charset="-120"/>
-                <a:cs typeface="Times New Roman" panose="02020603050405020304" pitchFamily="18" charset="0"/>
-              </a:rPr>
-              <a:t>陳巧宜</a:t>
-            </a:r>
-            <a:r>
-              <a:rPr lang="en-US" altLang="zh-TW" dirty="0">
-                <a:solidFill>
-                  <a:schemeClr val="tx1"/>
-                </a:solidFill>
-                <a:latin typeface="微軟正黑體" panose="020B0604030504040204" pitchFamily="34" charset="-120"/>
-                <a:ea typeface="微軟正黑體" panose="020B0604030504040204" pitchFamily="34" charset="-120"/>
-                <a:cs typeface="Times New Roman" panose="02020603050405020304" pitchFamily="18" charset="0"/>
-              </a:rPr>
-              <a:t>,</a:t>
-            </a:r>
-            <a:r>
-              <a:rPr lang="zh-TW" altLang="en-US" dirty="0">
-                <a:solidFill>
-                  <a:schemeClr val="tx1"/>
-                </a:solidFill>
-                <a:latin typeface="微軟正黑體" panose="020B0604030504040204" pitchFamily="34" charset="-120"/>
-                <a:ea typeface="微軟正黑體" panose="020B0604030504040204" pitchFamily="34" charset="-120"/>
-                <a:cs typeface="Times New Roman" panose="02020603050405020304" pitchFamily="18" charset="0"/>
-              </a:rPr>
-              <a:t>洪子軒</a:t>
-            </a:r>
-            <a:endParaRPr lang="zh-TW" altLang="en-US" sz="700" dirty="0">
-              <a:solidFill>
-                <a:schemeClr val="tx1"/>
-              </a:solidFill>
-              <a:latin typeface="微軟正黑體" panose="020B0604030504040204" pitchFamily="34" charset="-120"/>
-              <a:ea typeface="微軟正黑體" panose="020B0604030504040204" pitchFamily="34" charset="-120"/>
-            </a:endParaRPr>
-          </a:p>
-          <a:p>
-            <a:pPr lvl="0" eaLnBrk="0" fontAlgn="base" hangingPunct="0">
-              <a:spcBef>
-                <a:spcPct val="0"/>
-              </a:spcBef>
-              <a:spcAft>
-                <a:spcPct val="0"/>
-              </a:spcAft>
-              <a:buClrTx/>
-            </a:pPr>
-            <a:r>
-              <a:rPr lang="zh-TW" altLang="en-US" dirty="0">
-                <a:solidFill>
-                  <a:schemeClr val="tx1"/>
-                </a:solidFill>
-                <a:latin typeface="微軟正黑體" panose="020B0604030504040204" pitchFamily="34" charset="-120"/>
-                <a:ea typeface="微軟正黑體" panose="020B0604030504040204" pitchFamily="34" charset="-120"/>
-                <a:cs typeface="Times New Roman" panose="02020603050405020304" pitchFamily="18" charset="0"/>
-              </a:rPr>
-              <a:t>責任</a:t>
-            </a:r>
-            <a:r>
-              <a:rPr lang="en-US" altLang="zh-TW" dirty="0">
-                <a:solidFill>
-                  <a:schemeClr val="tx1"/>
+                  <a:schemeClr val="tx1">
+                    <a:lumMod val="85000"/>
+                    <a:lumOff val="15000"/>
+                  </a:schemeClr>
                 </a:solidFill>
                 <a:latin typeface="微軟正黑體" panose="020B0604030504040204" pitchFamily="34" charset="-120"/>
                 <a:ea typeface="微軟正黑體" panose="020B0604030504040204" pitchFamily="34" charset="-120"/>
@@ -10077,26 +12488,52 @@
               </a:rPr>
               <a:t>:</a:t>
             </a:r>
-            <a:r>
-              <a:rPr lang="zh-TW" altLang="en-US" dirty="0">
-                <a:solidFill>
-                  <a:schemeClr val="tx1"/>
-                </a:solidFill>
-                <a:latin typeface="微軟正黑體" panose="020B0604030504040204" pitchFamily="34" charset="-120"/>
-                <a:ea typeface="微軟正黑體" panose="020B0604030504040204" pitchFamily="34" charset="-120"/>
-                <a:cs typeface="Times New Roman" panose="02020603050405020304" pitchFamily="18" charset="0"/>
-              </a:rPr>
-              <a:t>設計測試案例，完成測試需求。</a:t>
-            </a:r>
-            <a:endParaRPr lang="zh-TW" altLang="en-US" sz="700" dirty="0">
-              <a:solidFill>
-                <a:schemeClr val="tx1"/>
-              </a:solidFill>
-              <a:latin typeface="微軟正黑體" panose="020B0604030504040204" pitchFamily="34" charset="-120"/>
-              <a:ea typeface="微軟正黑體" panose="020B0604030504040204" pitchFamily="34" charset="-120"/>
-            </a:endParaRPr>
+            <a:endParaRPr lang="zh-TW" altLang="en-US" dirty="0"/>
           </a:p>
           <a:p>
+            <a:endParaRPr lang="en-US" altLang="zh-TW" dirty="0" smtClean="0"/>
+          </a:p>
+          <a:p>
+            <a:endParaRPr lang="en-US" altLang="zh-TW" dirty="0"/>
+          </a:p>
+          <a:p>
+            <a:pPr lvl="5"/>
+            <a:r>
+              <a:rPr lang="en-US" altLang="zh-TW" dirty="0" smtClean="0"/>
+              <a:t>1.Each </a:t>
+            </a:r>
+            <a:r>
+              <a:rPr lang="en-US" altLang="zh-TW" dirty="0"/>
+              <a:t>Choice </a:t>
+            </a:r>
+            <a:endParaRPr lang="en-US" altLang="zh-TW" dirty="0" smtClean="0"/>
+          </a:p>
+          <a:p>
+            <a:pPr lvl="5"/>
+            <a:endParaRPr lang="en-US" altLang="zh-TW" dirty="0"/>
+          </a:p>
+          <a:p>
+            <a:pPr lvl="5"/>
+            <a:r>
+              <a:rPr lang="en-US" altLang="zh-TW" dirty="0" smtClean="0"/>
+              <a:t>2.Equivalence </a:t>
+            </a:r>
+            <a:r>
+              <a:rPr lang="en-US" altLang="zh-TW" dirty="0"/>
+              <a:t>partition </a:t>
+            </a:r>
+            <a:endParaRPr lang="en-US" altLang="zh-TW" dirty="0" smtClean="0"/>
+          </a:p>
+          <a:p>
+            <a:pPr lvl="5"/>
+            <a:endParaRPr lang="en-US" altLang="zh-TW" dirty="0" smtClean="0"/>
+          </a:p>
+          <a:p>
+            <a:pPr lvl="5"/>
+            <a:r>
+              <a:rPr lang="en-US" altLang="zh-TW" dirty="0" smtClean="0"/>
+              <a:t>3.Sequencing Constraints</a:t>
+            </a:r>
             <a:endParaRPr lang="zh-TW" altLang="en-US" dirty="0"/>
           </a:p>
         </p:txBody>
@@ -10104,7 +12541,7 @@
     </p:spTree>
     <p:extLst>
       <p:ext uri="{BB962C8B-B14F-4D97-AF65-F5344CB8AC3E}">
-        <p14:creationId xmlns:p14="http://schemas.microsoft.com/office/powerpoint/2010/main" val="1047984766"/>
+        <p14:creationId xmlns:p14="http://schemas.microsoft.com/office/powerpoint/2010/main" val="2222598891"/>
       </p:ext>
     </p:extLst>
   </p:cSld>
@@ -10304,11 +12741,6 @@
               </a:rPr>
               <a:t>ases</a:t>
             </a:r>
-            <a:endParaRPr lang="en-US" altLang="zh-TW" sz="2400" dirty="0" smtClean="0">
-              <a:solidFill>
-                <a:srgbClr val="2185C5"/>
-              </a:solidFill>
-            </a:endParaRPr>
           </a:p>
           <a:p>
             <a:r>
@@ -10444,6 +12876,1243 @@
     <p:extLst>
       <p:ext uri="{BB962C8B-B14F-4D97-AF65-F5344CB8AC3E}">
         <p14:creationId xmlns:p14="http://schemas.microsoft.com/office/powerpoint/2010/main" val="1753010710"/>
+      </p:ext>
+    </p:extLst>
+  </p:cSld>
+  <p:clrMapOvr>
+    <a:masterClrMapping/>
+  </p:clrMapOvr>
+  <p:timing>
+    <p:tnLst>
+      <p:par>
+        <p:cTn id="1" dur="indefinite" restart="never" nodeType="tmRoot"/>
+      </p:par>
+    </p:tnLst>
+  </p:timing>
+</p:sld>
+</file>
+
+<file path=ppt/slides/slide20.xml><?xml version="1.0" encoding="utf-8"?>
+<p:sld xmlns:a="http://schemas.openxmlformats.org/drawingml/2006/main" xmlns:r="http://schemas.openxmlformats.org/officeDocument/2006/relationships" xmlns:p="http://schemas.openxmlformats.org/presentationml/2006/main">
+  <p:cSld>
+    <p:spTree>
+      <p:nvGrpSpPr>
+        <p:cNvPr id="1" name="Shape 143"/>
+        <p:cNvGrpSpPr/>
+        <p:nvPr/>
+      </p:nvGrpSpPr>
+      <p:grpSpPr>
+        <a:xfrm>
+          <a:off x="0" y="0"/>
+          <a:ext cx="0" cy="0"/>
+          <a:chOff x="0" y="0"/>
+          <a:chExt cx="0" cy="0"/>
+        </a:xfrm>
+      </p:grpSpPr>
+      <p:sp>
+        <p:nvSpPr>
+          <p:cNvPr id="145" name="Google Shape;145;p19"/>
+          <p:cNvSpPr txBox="1">
+            <a:spLocks noGrp="1"/>
+          </p:cNvSpPr>
+          <p:nvPr>
+            <p:ph type="title"/>
+          </p:nvPr>
+        </p:nvSpPr>
+        <p:spPr>
+          <a:xfrm>
+            <a:off x="647515" y="547211"/>
+            <a:ext cx="6462600" cy="1143000"/>
+          </a:xfrm>
+          <a:prstGeom prst="rect">
+            <a:avLst/>
+          </a:prstGeom>
+        </p:spPr>
+        <p:txBody>
+          <a:bodyPr spcFirstLastPara="1" wrap="square" lIns="91425" tIns="91425" rIns="91425" bIns="91425" anchor="b" anchorCtr="0">
+            <a:noAutofit/>
+          </a:bodyPr>
+          <a:lstStyle/>
+          <a:p>
+            <a:pPr lvl="0"/>
+            <a:r>
+              <a:rPr lang="en-US" altLang="zh-TW" dirty="0" smtClean="0"/>
+              <a:t>Approach</a:t>
+            </a:r>
+            <a:endParaRPr dirty="0"/>
+          </a:p>
+        </p:txBody>
+      </p:sp>
+      <p:sp>
+        <p:nvSpPr>
+          <p:cNvPr id="147" name="Google Shape;147;p19"/>
+          <p:cNvSpPr txBox="1">
+            <a:spLocks noGrp="1"/>
+          </p:cNvSpPr>
+          <p:nvPr>
+            <p:ph type="sldNum" idx="12"/>
+          </p:nvPr>
+        </p:nvSpPr>
+        <p:spPr>
+          <a:xfrm>
+            <a:off x="8480575" y="6364177"/>
+            <a:ext cx="548700" cy="417900"/>
+          </a:xfrm>
+          <a:prstGeom prst="rect">
+            <a:avLst/>
+          </a:prstGeom>
+        </p:spPr>
+        <p:txBody>
+          <a:bodyPr spcFirstLastPara="1" wrap="square" lIns="91425" tIns="91425" rIns="91425" bIns="91425" anchor="t" anchorCtr="0">
+            <a:noAutofit/>
+          </a:bodyPr>
+          <a:lstStyle/>
+          <a:p>
+            <a:pPr marL="0" lvl="0" indent="0" algn="r" rtl="0">
+              <a:spcBef>
+                <a:spcPts val="0"/>
+              </a:spcBef>
+              <a:spcAft>
+                <a:spcPts val="0"/>
+              </a:spcAft>
+              <a:buNone/>
+            </a:pPr>
+            <a:fld id="{00000000-1234-1234-1234-123412341234}" type="slidenum">
+              <a:rPr lang="en"/>
+              <a:t>20</a:t>
+            </a:fld>
+            <a:endParaRPr/>
+          </a:p>
+        </p:txBody>
+      </p:sp>
+      <p:sp>
+        <p:nvSpPr>
+          <p:cNvPr id="4" name="文字方塊 3"/>
+          <p:cNvSpPr txBox="1"/>
+          <p:nvPr/>
+        </p:nvSpPr>
+        <p:spPr>
+          <a:xfrm>
+            <a:off x="716090" y="2255306"/>
+            <a:ext cx="4530407" cy="307777"/>
+          </a:xfrm>
+          <a:prstGeom prst="rect">
+            <a:avLst/>
+          </a:prstGeom>
+          <a:noFill/>
+        </p:spPr>
+        <p:txBody>
+          <a:bodyPr wrap="none" rtlCol="0">
+            <a:spAutoFit/>
+          </a:bodyPr>
+          <a:lstStyle/>
+          <a:p>
+            <a:r>
+              <a:rPr lang="en-US" altLang="zh-TW" dirty="0"/>
+              <a:t>We use independent path  </a:t>
+            </a:r>
+            <a:r>
+              <a:rPr lang="en-US" altLang="zh-TW" dirty="0" smtClean="0"/>
+              <a:t>for </a:t>
+            </a:r>
+            <a:r>
+              <a:rPr lang="en-US" altLang="zh-TW" dirty="0"/>
+              <a:t>code coverage Criteria  </a:t>
+            </a:r>
+            <a:endParaRPr lang="zh-TW" altLang="en-US" dirty="0"/>
+          </a:p>
+        </p:txBody>
+      </p:sp>
+      <p:sp>
+        <p:nvSpPr>
+          <p:cNvPr id="8" name="文字方塊 7"/>
+          <p:cNvSpPr txBox="1"/>
+          <p:nvPr/>
+        </p:nvSpPr>
+        <p:spPr>
+          <a:xfrm>
+            <a:off x="716090" y="3435956"/>
+            <a:ext cx="3162725" cy="1815882"/>
+          </a:xfrm>
+          <a:prstGeom prst="rect">
+            <a:avLst/>
+          </a:prstGeom>
+          <a:noFill/>
+        </p:spPr>
+        <p:txBody>
+          <a:bodyPr wrap="none" rtlCol="0">
+            <a:spAutoFit/>
+          </a:bodyPr>
+          <a:lstStyle/>
+          <a:p>
+            <a:r>
+              <a:rPr lang="en-US" altLang="zh-TW" dirty="0" smtClean="0"/>
+              <a:t>To detect </a:t>
+            </a:r>
+            <a:r>
+              <a:rPr lang="en-US" altLang="zh-TW" dirty="0"/>
+              <a:t>App’s </a:t>
+            </a:r>
+            <a:r>
+              <a:rPr lang="en-US" altLang="zh-TW" kern="100" dirty="0">
+                <a:solidFill>
+                  <a:schemeClr val="tx1">
+                    <a:lumMod val="85000"/>
+                    <a:lumOff val="15000"/>
+                  </a:schemeClr>
+                </a:solidFill>
+                <a:latin typeface="微軟正黑體" panose="020B0604030504040204" pitchFamily="34" charset="-120"/>
+                <a:ea typeface="微軟正黑體" panose="020B0604030504040204" pitchFamily="34" charset="-120"/>
+                <a:cs typeface="Times New Roman" panose="02020603050405020304" pitchFamily="18" charset="0"/>
+              </a:rPr>
+              <a:t>abnormal behavior </a:t>
+            </a:r>
+            <a:r>
+              <a:rPr lang="en-US" altLang="zh-TW" kern="100" dirty="0" smtClean="0">
+                <a:solidFill>
+                  <a:schemeClr val="tx1">
+                    <a:lumMod val="85000"/>
+                    <a:lumOff val="15000"/>
+                  </a:schemeClr>
+                </a:solidFill>
+                <a:latin typeface="微軟正黑體" panose="020B0604030504040204" pitchFamily="34" charset="-120"/>
+                <a:ea typeface="微軟正黑體" panose="020B0604030504040204" pitchFamily="34" charset="-120"/>
+                <a:cs typeface="Times New Roman" panose="02020603050405020304" pitchFamily="18" charset="0"/>
+              </a:rPr>
+              <a:t>:</a:t>
+            </a:r>
+            <a:endParaRPr lang="zh-TW" altLang="en-US" dirty="0"/>
+          </a:p>
+          <a:p>
+            <a:endParaRPr lang="en-US" altLang="zh-TW" dirty="0" smtClean="0"/>
+          </a:p>
+          <a:p>
+            <a:endParaRPr lang="en-US" altLang="zh-TW" dirty="0"/>
+          </a:p>
+          <a:p>
+            <a:pPr lvl="5"/>
+            <a:r>
+              <a:rPr lang="en-US" altLang="zh-TW" dirty="0" smtClean="0"/>
+              <a:t>1.Each </a:t>
+            </a:r>
+            <a:r>
+              <a:rPr lang="en-US" altLang="zh-TW" dirty="0"/>
+              <a:t>Choice </a:t>
+            </a:r>
+            <a:endParaRPr lang="en-US" altLang="zh-TW" dirty="0" smtClean="0"/>
+          </a:p>
+          <a:p>
+            <a:pPr lvl="5"/>
+            <a:endParaRPr lang="en-US" altLang="zh-TW" dirty="0"/>
+          </a:p>
+          <a:p>
+            <a:pPr lvl="5"/>
+            <a:r>
+              <a:rPr lang="en-US" altLang="zh-TW" dirty="0" smtClean="0"/>
+              <a:t>2.Equivalence </a:t>
+            </a:r>
+            <a:r>
+              <a:rPr lang="en-US" altLang="zh-TW" dirty="0"/>
+              <a:t>partition </a:t>
+            </a:r>
+            <a:endParaRPr lang="en-US" altLang="zh-TW" dirty="0" smtClean="0"/>
+          </a:p>
+          <a:p>
+            <a:pPr lvl="5"/>
+            <a:endParaRPr lang="en-US" altLang="zh-TW" dirty="0" smtClean="0"/>
+          </a:p>
+          <a:p>
+            <a:pPr lvl="5"/>
+            <a:r>
+              <a:rPr lang="en-US" altLang="zh-TW" dirty="0" smtClean="0"/>
+              <a:t>3.Sequencing Constraints</a:t>
+            </a:r>
+            <a:endParaRPr lang="zh-TW" altLang="en-US" dirty="0"/>
+          </a:p>
+        </p:txBody>
+      </p:sp>
+    </p:spTree>
+    <p:extLst>
+      <p:ext uri="{BB962C8B-B14F-4D97-AF65-F5344CB8AC3E}">
+        <p14:creationId xmlns:p14="http://schemas.microsoft.com/office/powerpoint/2010/main" val="3930917518"/>
+      </p:ext>
+    </p:extLst>
+  </p:cSld>
+  <p:clrMapOvr>
+    <a:masterClrMapping/>
+  </p:clrMapOvr>
+  <p:timing>
+    <p:tnLst>
+      <p:par>
+        <p:cTn id="1" dur="indefinite" restart="never" nodeType="tmRoot"/>
+      </p:par>
+    </p:tnLst>
+  </p:timing>
+</p:sld>
+</file>
+
+<file path=ppt/slides/slide21.xml><?xml version="1.0" encoding="utf-8"?>
+<p:sld xmlns:a="http://schemas.openxmlformats.org/drawingml/2006/main" xmlns:r="http://schemas.openxmlformats.org/officeDocument/2006/relationships" xmlns:p="http://schemas.openxmlformats.org/presentationml/2006/main">
+  <p:cSld>
+    <p:spTree>
+      <p:nvGrpSpPr>
+        <p:cNvPr id="1" name="Shape 143"/>
+        <p:cNvGrpSpPr/>
+        <p:nvPr/>
+      </p:nvGrpSpPr>
+      <p:grpSpPr>
+        <a:xfrm>
+          <a:off x="0" y="0"/>
+          <a:ext cx="0" cy="0"/>
+          <a:chOff x="0" y="0"/>
+          <a:chExt cx="0" cy="0"/>
+        </a:xfrm>
+      </p:grpSpPr>
+      <p:sp>
+        <p:nvSpPr>
+          <p:cNvPr id="145" name="Google Shape;145;p19"/>
+          <p:cNvSpPr txBox="1">
+            <a:spLocks noGrp="1"/>
+          </p:cNvSpPr>
+          <p:nvPr>
+            <p:ph type="title"/>
+          </p:nvPr>
+        </p:nvSpPr>
+        <p:spPr>
+          <a:xfrm>
+            <a:off x="647514" y="547211"/>
+            <a:ext cx="8496486" cy="1143000"/>
+          </a:xfrm>
+          <a:prstGeom prst="rect">
+            <a:avLst/>
+          </a:prstGeom>
+        </p:spPr>
+        <p:txBody>
+          <a:bodyPr spcFirstLastPara="1" wrap="square" lIns="91425" tIns="91425" rIns="91425" bIns="91425" anchor="b" anchorCtr="0">
+            <a:noAutofit/>
+          </a:bodyPr>
+          <a:lstStyle/>
+          <a:p>
+            <a:r>
+              <a:rPr lang="en-US" altLang="zh-TW" dirty="0">
+                <a:solidFill>
+                  <a:srgbClr val="2185C5"/>
+                </a:solidFill>
+              </a:rPr>
+              <a:t>Testing Tools : </a:t>
+            </a:r>
+            <a:r>
+              <a:rPr lang="en-US" altLang="zh-TW" sz="3200" dirty="0" smtClean="0">
+                <a:solidFill>
+                  <a:srgbClr val="2185C5"/>
+                </a:solidFill>
+              </a:rPr>
+              <a:t>AKB-</a:t>
+            </a:r>
+            <a:r>
+              <a:rPr lang="en-US" altLang="zh-TW" sz="3200" dirty="0"/>
+              <a:t>Conceptual Diagram</a:t>
+            </a:r>
+            <a:endParaRPr lang="en-US" altLang="zh-TW" sz="3200" dirty="0">
+              <a:solidFill>
+                <a:srgbClr val="2185C5"/>
+              </a:solidFill>
+            </a:endParaRPr>
+          </a:p>
+        </p:txBody>
+      </p:sp>
+      <p:sp>
+        <p:nvSpPr>
+          <p:cNvPr id="147" name="Google Shape;147;p19"/>
+          <p:cNvSpPr txBox="1">
+            <a:spLocks noGrp="1"/>
+          </p:cNvSpPr>
+          <p:nvPr>
+            <p:ph type="sldNum" idx="12"/>
+          </p:nvPr>
+        </p:nvSpPr>
+        <p:spPr>
+          <a:xfrm>
+            <a:off x="8480575" y="6364177"/>
+            <a:ext cx="548700" cy="417900"/>
+          </a:xfrm>
+          <a:prstGeom prst="rect">
+            <a:avLst/>
+          </a:prstGeom>
+        </p:spPr>
+        <p:txBody>
+          <a:bodyPr spcFirstLastPara="1" wrap="square" lIns="91425" tIns="91425" rIns="91425" bIns="91425" anchor="t" anchorCtr="0">
+            <a:noAutofit/>
+          </a:bodyPr>
+          <a:lstStyle/>
+          <a:p>
+            <a:pPr marL="0" lvl="0" indent="0" algn="r" rtl="0">
+              <a:spcBef>
+                <a:spcPts val="0"/>
+              </a:spcBef>
+              <a:spcAft>
+                <a:spcPts val="0"/>
+              </a:spcAft>
+              <a:buNone/>
+            </a:pPr>
+            <a:fld id="{00000000-1234-1234-1234-123412341234}" type="slidenum">
+              <a:rPr lang="en"/>
+              <a:t>21</a:t>
+            </a:fld>
+            <a:endParaRPr/>
+          </a:p>
+        </p:txBody>
+      </p:sp>
+    </p:spTree>
+    <p:extLst>
+      <p:ext uri="{BB962C8B-B14F-4D97-AF65-F5344CB8AC3E}">
+        <p14:creationId xmlns:p14="http://schemas.microsoft.com/office/powerpoint/2010/main" val="2562385998"/>
+      </p:ext>
+    </p:extLst>
+  </p:cSld>
+  <p:clrMapOvr>
+    <a:masterClrMapping/>
+  </p:clrMapOvr>
+  <p:timing>
+    <p:tnLst>
+      <p:par>
+        <p:cTn id="1" dur="indefinite" restart="never" nodeType="tmRoot"/>
+      </p:par>
+    </p:tnLst>
+  </p:timing>
+</p:sld>
+</file>
+
+<file path=ppt/slides/slide22.xml><?xml version="1.0" encoding="utf-8"?>
+<p:sld xmlns:a="http://schemas.openxmlformats.org/drawingml/2006/main" xmlns:r="http://schemas.openxmlformats.org/officeDocument/2006/relationships" xmlns:p="http://schemas.openxmlformats.org/presentationml/2006/main">
+  <p:cSld>
+    <p:spTree>
+      <p:nvGrpSpPr>
+        <p:cNvPr id="1" name="Shape 143"/>
+        <p:cNvGrpSpPr/>
+        <p:nvPr/>
+      </p:nvGrpSpPr>
+      <p:grpSpPr>
+        <a:xfrm>
+          <a:off x="0" y="0"/>
+          <a:ext cx="0" cy="0"/>
+          <a:chOff x="0" y="0"/>
+          <a:chExt cx="0" cy="0"/>
+        </a:xfrm>
+      </p:grpSpPr>
+      <p:sp>
+        <p:nvSpPr>
+          <p:cNvPr id="145" name="Google Shape;145;p19"/>
+          <p:cNvSpPr txBox="1">
+            <a:spLocks noGrp="1"/>
+          </p:cNvSpPr>
+          <p:nvPr>
+            <p:ph type="title"/>
+          </p:nvPr>
+        </p:nvSpPr>
+        <p:spPr>
+          <a:xfrm>
+            <a:off x="647514" y="547211"/>
+            <a:ext cx="8267885" cy="1143000"/>
+          </a:xfrm>
+          <a:prstGeom prst="rect">
+            <a:avLst/>
+          </a:prstGeom>
+        </p:spPr>
+        <p:txBody>
+          <a:bodyPr spcFirstLastPara="1" wrap="square" lIns="91425" tIns="91425" rIns="91425" bIns="91425" anchor="b" anchorCtr="0">
+            <a:noAutofit/>
+          </a:bodyPr>
+          <a:lstStyle/>
+          <a:p>
+            <a:pPr lvl="0"/>
+            <a:r>
+              <a:rPr lang="en-US" altLang="zh-TW" dirty="0"/>
+              <a:t>Test </a:t>
+            </a:r>
+            <a:r>
+              <a:rPr lang="en-US" altLang="zh-TW" u="sng" dirty="0"/>
+              <a:t>tools</a:t>
+            </a:r>
+            <a:r>
+              <a:rPr lang="en-US" altLang="zh-TW" dirty="0"/>
+              <a:t> to be </a:t>
+            </a:r>
+            <a:r>
+              <a:rPr lang="en-US" altLang="zh-TW" dirty="0" smtClean="0"/>
+              <a:t>used-CI</a:t>
+            </a:r>
+            <a:endParaRPr dirty="0"/>
+          </a:p>
+        </p:txBody>
+      </p:sp>
+      <p:sp>
+        <p:nvSpPr>
+          <p:cNvPr id="147" name="Google Shape;147;p19"/>
+          <p:cNvSpPr txBox="1">
+            <a:spLocks noGrp="1"/>
+          </p:cNvSpPr>
+          <p:nvPr>
+            <p:ph type="sldNum" idx="12"/>
+          </p:nvPr>
+        </p:nvSpPr>
+        <p:spPr>
+          <a:xfrm>
+            <a:off x="8480575" y="6364177"/>
+            <a:ext cx="548700" cy="417900"/>
+          </a:xfrm>
+          <a:prstGeom prst="rect">
+            <a:avLst/>
+          </a:prstGeom>
+        </p:spPr>
+        <p:txBody>
+          <a:bodyPr spcFirstLastPara="1" wrap="square" lIns="91425" tIns="91425" rIns="91425" bIns="91425" anchor="t" anchorCtr="0">
+            <a:noAutofit/>
+          </a:bodyPr>
+          <a:lstStyle/>
+          <a:p>
+            <a:pPr marL="0" lvl="0" indent="0" algn="r" rtl="0">
+              <a:spcBef>
+                <a:spcPts val="0"/>
+              </a:spcBef>
+              <a:spcAft>
+                <a:spcPts val="0"/>
+              </a:spcAft>
+              <a:buNone/>
+            </a:pPr>
+            <a:fld id="{00000000-1234-1234-1234-123412341234}" type="slidenum">
+              <a:rPr lang="en"/>
+              <a:t>22</a:t>
+            </a:fld>
+            <a:endParaRPr/>
+          </a:p>
+        </p:txBody>
+      </p:sp>
+      <p:sp>
+        <p:nvSpPr>
+          <p:cNvPr id="24" name="矩形 23"/>
+          <p:cNvSpPr/>
+          <p:nvPr/>
+        </p:nvSpPr>
+        <p:spPr>
+          <a:xfrm>
+            <a:off x="1888787" y="3145312"/>
+            <a:ext cx="4572000" cy="307777"/>
+          </a:xfrm>
+          <a:prstGeom prst="rect">
+            <a:avLst/>
+          </a:prstGeom>
+        </p:spPr>
+        <p:txBody>
+          <a:bodyPr>
+            <a:spAutoFit/>
+          </a:bodyPr>
+          <a:lstStyle/>
+          <a:p>
+            <a:r>
+              <a:rPr lang="en-US" altLang="zh-TW" dirty="0">
+                <a:hlinkClick r:id="rId3"/>
+              </a:rPr>
+              <a:t>https://sgit.csie.ntut.edu.tw/jenkins3/job/QuickAddTask/</a:t>
+            </a:r>
+            <a:endParaRPr lang="zh-TW" altLang="en-US" dirty="0"/>
+          </a:p>
+        </p:txBody>
+      </p:sp>
+    </p:spTree>
+    <p:extLst>
+      <p:ext uri="{BB962C8B-B14F-4D97-AF65-F5344CB8AC3E}">
+        <p14:creationId xmlns:p14="http://schemas.microsoft.com/office/powerpoint/2010/main" val="2827713940"/>
+      </p:ext>
+    </p:extLst>
+  </p:cSld>
+  <p:clrMapOvr>
+    <a:masterClrMapping/>
+  </p:clrMapOvr>
+  <p:timing>
+    <p:tnLst>
+      <p:par>
+        <p:cTn id="1" dur="indefinite" restart="never" nodeType="tmRoot"/>
+      </p:par>
+    </p:tnLst>
+  </p:timing>
+</p:sld>
+</file>
+
+<file path=ppt/slides/slide23.xml><?xml version="1.0" encoding="utf-8"?>
+<p:sld xmlns:a="http://schemas.openxmlformats.org/drawingml/2006/main" xmlns:r="http://schemas.openxmlformats.org/officeDocument/2006/relationships" xmlns:p="http://schemas.openxmlformats.org/presentationml/2006/main">
+  <p:cSld>
+    <p:spTree>
+      <p:nvGrpSpPr>
+        <p:cNvPr id="1" name="Shape 143"/>
+        <p:cNvGrpSpPr/>
+        <p:nvPr/>
+      </p:nvGrpSpPr>
+      <p:grpSpPr>
+        <a:xfrm>
+          <a:off x="0" y="0"/>
+          <a:ext cx="0" cy="0"/>
+          <a:chOff x="0" y="0"/>
+          <a:chExt cx="0" cy="0"/>
+        </a:xfrm>
+      </p:grpSpPr>
+      <p:sp>
+        <p:nvSpPr>
+          <p:cNvPr id="145" name="Google Shape;145;p19"/>
+          <p:cNvSpPr txBox="1">
+            <a:spLocks noGrp="1"/>
+          </p:cNvSpPr>
+          <p:nvPr>
+            <p:ph type="title"/>
+          </p:nvPr>
+        </p:nvSpPr>
+        <p:spPr>
+          <a:xfrm>
+            <a:off x="647514" y="547211"/>
+            <a:ext cx="8267885" cy="1143000"/>
+          </a:xfrm>
+          <a:prstGeom prst="rect">
+            <a:avLst/>
+          </a:prstGeom>
+        </p:spPr>
+        <p:txBody>
+          <a:bodyPr spcFirstLastPara="1" wrap="square" lIns="91425" tIns="91425" rIns="91425" bIns="91425" anchor="b" anchorCtr="0">
+            <a:noAutofit/>
+          </a:bodyPr>
+          <a:lstStyle/>
+          <a:p>
+            <a:pPr lvl="0"/>
+            <a:r>
+              <a:rPr lang="en-US" altLang="zh-TW" dirty="0"/>
+              <a:t>Responsibility of team members</a:t>
+            </a:r>
+            <a:endParaRPr dirty="0"/>
+          </a:p>
+        </p:txBody>
+      </p:sp>
+      <p:sp>
+        <p:nvSpPr>
+          <p:cNvPr id="147" name="Google Shape;147;p19"/>
+          <p:cNvSpPr txBox="1">
+            <a:spLocks noGrp="1"/>
+          </p:cNvSpPr>
+          <p:nvPr>
+            <p:ph type="sldNum" idx="12"/>
+          </p:nvPr>
+        </p:nvSpPr>
+        <p:spPr>
+          <a:xfrm>
+            <a:off x="8480575" y="6364177"/>
+            <a:ext cx="548700" cy="417900"/>
+          </a:xfrm>
+          <a:prstGeom prst="rect">
+            <a:avLst/>
+          </a:prstGeom>
+        </p:spPr>
+        <p:txBody>
+          <a:bodyPr spcFirstLastPara="1" wrap="square" lIns="91425" tIns="91425" rIns="91425" bIns="91425" anchor="t" anchorCtr="0">
+            <a:noAutofit/>
+          </a:bodyPr>
+          <a:lstStyle/>
+          <a:p>
+            <a:pPr marL="0" lvl="0" indent="0" algn="r" rtl="0">
+              <a:spcBef>
+                <a:spcPts val="0"/>
+              </a:spcBef>
+              <a:spcAft>
+                <a:spcPts val="0"/>
+              </a:spcAft>
+              <a:buNone/>
+            </a:pPr>
+            <a:fld id="{00000000-1234-1234-1234-123412341234}" type="slidenum">
+              <a:rPr lang="en"/>
+              <a:t>23</a:t>
+            </a:fld>
+            <a:endParaRPr/>
+          </a:p>
+        </p:txBody>
+      </p:sp>
+      <p:graphicFrame>
+        <p:nvGraphicFramePr>
+          <p:cNvPr id="3" name="表格 2"/>
+          <p:cNvGraphicFramePr>
+            <a:graphicFrameLocks noGrp="1"/>
+          </p:cNvGraphicFramePr>
+          <p:nvPr>
+            <p:extLst>
+              <p:ext uri="{D42A27DB-BD31-4B8C-83A1-F6EECF244321}">
+                <p14:modId xmlns:p14="http://schemas.microsoft.com/office/powerpoint/2010/main" val="2682490642"/>
+              </p:ext>
+            </p:extLst>
+          </p:nvPr>
+        </p:nvGraphicFramePr>
+        <p:xfrm>
+          <a:off x="2110601" y="2808580"/>
+          <a:ext cx="5036185" cy="731520"/>
+        </p:xfrm>
+        <a:graphic>
+          <a:graphicData uri="http://schemas.openxmlformats.org/drawingml/2006/table">
+            <a:tbl>
+              <a:tblPr>
+                <a:tableStyleId>{BC89EF96-8CEA-46FF-86C4-4CE0E7609802}</a:tableStyleId>
+              </a:tblPr>
+              <a:tblGrid>
+                <a:gridCol w="1496060">
+                  <a:extLst>
+                    <a:ext uri="{9D8B030D-6E8A-4147-A177-3AD203B41FA5}">
+                      <a16:colId xmlns:a16="http://schemas.microsoft.com/office/drawing/2014/main" val="2517269209"/>
+                    </a:ext>
+                  </a:extLst>
+                </a:gridCol>
+                <a:gridCol w="1905635">
+                  <a:extLst>
+                    <a:ext uri="{9D8B030D-6E8A-4147-A177-3AD203B41FA5}">
+                      <a16:colId xmlns:a16="http://schemas.microsoft.com/office/drawing/2014/main" val="3998041426"/>
+                    </a:ext>
+                  </a:extLst>
+                </a:gridCol>
+                <a:gridCol w="1634490">
+                  <a:extLst>
+                    <a:ext uri="{9D8B030D-6E8A-4147-A177-3AD203B41FA5}">
+                      <a16:colId xmlns:a16="http://schemas.microsoft.com/office/drawing/2014/main" val="2708698540"/>
+                    </a:ext>
+                  </a:extLst>
+                </a:gridCol>
+              </a:tblGrid>
+              <a:tr h="0">
+                <a:tc>
+                  <a:txBody>
+                    <a:bodyPr/>
+                    <a:lstStyle/>
+                    <a:p>
+                      <a:pPr algn="ctr">
+                        <a:spcAft>
+                          <a:spcPts val="0"/>
+                        </a:spcAft>
+                      </a:pPr>
+                      <a:r>
+                        <a:rPr lang="en-US" sz="1200" kern="100" dirty="0">
+                          <a:effectLst/>
+                        </a:rPr>
+                        <a:t>Role</a:t>
+                      </a:r>
+                      <a:endParaRPr lang="zh-TW" sz="1200" kern="100" dirty="0">
+                        <a:effectLst/>
+                        <a:latin typeface="Calibri" panose="020F0502020204030204" pitchFamily="34" charset="0"/>
+                        <a:ea typeface="新細明體" panose="02020500000000000000" pitchFamily="18" charset="-120"/>
+                        <a:cs typeface="Times New Roman" panose="02020603050405020304" pitchFamily="18" charset="0"/>
+                      </a:endParaRPr>
+                    </a:p>
+                  </a:txBody>
+                  <a:tcPr marL="17780" marR="17780" marT="0" marB="0"/>
+                </a:tc>
+                <a:tc>
+                  <a:txBody>
+                    <a:bodyPr/>
+                    <a:lstStyle/>
+                    <a:p>
+                      <a:pPr algn="ctr">
+                        <a:spcAft>
+                          <a:spcPts val="0"/>
+                        </a:spcAft>
+                      </a:pPr>
+                      <a:r>
+                        <a:rPr lang="en-US" sz="1200" kern="100">
+                          <a:effectLst/>
+                        </a:rPr>
+                        <a:t>Candidate</a:t>
+                      </a:r>
+                      <a:endParaRPr lang="zh-TW" sz="1200" kern="100">
+                        <a:effectLst/>
+                        <a:latin typeface="Calibri" panose="020F0502020204030204" pitchFamily="34" charset="0"/>
+                        <a:ea typeface="新細明體" panose="02020500000000000000" pitchFamily="18" charset="-120"/>
+                        <a:cs typeface="Times New Roman" panose="02020603050405020304" pitchFamily="18" charset="0"/>
+                      </a:endParaRPr>
+                    </a:p>
+                  </a:txBody>
+                  <a:tcPr marL="17780" marR="17780" marT="0" marB="0"/>
+                </a:tc>
+                <a:tc>
+                  <a:txBody>
+                    <a:bodyPr/>
+                    <a:lstStyle/>
+                    <a:p>
+                      <a:pPr algn="ctr">
+                        <a:spcAft>
+                          <a:spcPts val="0"/>
+                        </a:spcAft>
+                      </a:pPr>
+                      <a:r>
+                        <a:rPr lang="en-US" sz="1200" kern="100">
+                          <a:effectLst/>
+                        </a:rPr>
+                        <a:t>Description</a:t>
+                      </a:r>
+                      <a:endParaRPr lang="zh-TW" sz="1200" kern="100">
+                        <a:effectLst/>
+                        <a:latin typeface="Calibri" panose="020F0502020204030204" pitchFamily="34" charset="0"/>
+                        <a:ea typeface="新細明體" panose="02020500000000000000" pitchFamily="18" charset="-120"/>
+                        <a:cs typeface="Times New Roman" panose="02020603050405020304" pitchFamily="18" charset="0"/>
+                      </a:endParaRPr>
+                    </a:p>
+                  </a:txBody>
+                  <a:tcPr marL="17780" marR="17780" marT="0" marB="0"/>
+                </a:tc>
+                <a:extLst>
+                  <a:ext uri="{0D108BD9-81ED-4DB2-BD59-A6C34878D82A}">
+                    <a16:rowId xmlns:a16="http://schemas.microsoft.com/office/drawing/2014/main" val="713576677"/>
+                  </a:ext>
+                </a:extLst>
+              </a:tr>
+              <a:tr h="0">
+                <a:tc>
+                  <a:txBody>
+                    <a:bodyPr/>
+                    <a:lstStyle/>
+                    <a:p>
+                      <a:pPr>
+                        <a:spcAft>
+                          <a:spcPts val="0"/>
+                        </a:spcAft>
+                      </a:pPr>
+                      <a:r>
+                        <a:rPr lang="en-US" sz="1200" kern="100" dirty="0">
+                          <a:effectLst/>
+                        </a:rPr>
+                        <a:t>Test Engineers</a:t>
+                      </a:r>
+                      <a:endParaRPr lang="zh-TW" sz="1200" kern="100" dirty="0">
+                        <a:effectLst/>
+                        <a:latin typeface="Calibri" panose="020F0502020204030204" pitchFamily="34" charset="0"/>
+                        <a:ea typeface="新細明體" panose="02020500000000000000" pitchFamily="18" charset="-120"/>
+                        <a:cs typeface="Times New Roman" panose="02020603050405020304" pitchFamily="18" charset="0"/>
+                      </a:endParaRPr>
+                    </a:p>
+                  </a:txBody>
+                  <a:tcPr marL="17780" marR="17780" marT="0" marB="0"/>
+                </a:tc>
+                <a:tc>
+                  <a:txBody>
+                    <a:bodyPr/>
+                    <a:lstStyle/>
+                    <a:p>
+                      <a:pPr>
+                        <a:spcAft>
+                          <a:spcPts val="0"/>
+                        </a:spcAft>
+                      </a:pPr>
+                      <a:r>
+                        <a:rPr lang="zh-TW" sz="1200" kern="100" dirty="0">
+                          <a:effectLst/>
+                        </a:rPr>
+                        <a:t>陳郁欣</a:t>
+                      </a:r>
+                      <a:r>
+                        <a:rPr lang="en-US" sz="1200" kern="100" dirty="0">
+                          <a:effectLst/>
+                        </a:rPr>
+                        <a:t>, </a:t>
+                      </a:r>
+                      <a:r>
+                        <a:rPr lang="zh-TW" sz="1200" kern="100" dirty="0">
+                          <a:effectLst/>
+                        </a:rPr>
+                        <a:t>鄭鴻仁</a:t>
+                      </a:r>
+                      <a:r>
+                        <a:rPr lang="en-US" sz="1200" kern="100" dirty="0">
+                          <a:effectLst/>
+                        </a:rPr>
+                        <a:t>,</a:t>
+                      </a:r>
+                      <a:r>
+                        <a:rPr lang="zh-TW" sz="1200" kern="100" dirty="0">
+                          <a:effectLst/>
+                        </a:rPr>
+                        <a:t>林冠璋</a:t>
+                      </a:r>
+                      <a:r>
+                        <a:rPr lang="en-US" sz="1200" kern="100" dirty="0">
+                          <a:effectLst/>
+                        </a:rPr>
+                        <a:t>,</a:t>
+                      </a:r>
+                      <a:r>
+                        <a:rPr lang="zh-TW" sz="1200" kern="100" dirty="0">
+                          <a:effectLst/>
+                        </a:rPr>
+                        <a:t>陳巧宜</a:t>
+                      </a:r>
+                      <a:r>
+                        <a:rPr lang="en-US" sz="1200" kern="100" dirty="0">
+                          <a:effectLst/>
+                        </a:rPr>
+                        <a:t>,</a:t>
+                      </a:r>
+                      <a:r>
+                        <a:rPr lang="zh-TW" sz="1200" kern="100" dirty="0">
+                          <a:effectLst/>
+                        </a:rPr>
+                        <a:t>洪子軒</a:t>
+                      </a:r>
+                      <a:endParaRPr lang="zh-TW" sz="1200" kern="100" dirty="0">
+                        <a:effectLst/>
+                        <a:latin typeface="Calibri" panose="020F0502020204030204" pitchFamily="34" charset="0"/>
+                        <a:ea typeface="新細明體" panose="02020500000000000000" pitchFamily="18" charset="-120"/>
+                        <a:cs typeface="Times New Roman" panose="02020603050405020304" pitchFamily="18" charset="0"/>
+                      </a:endParaRPr>
+                    </a:p>
+                  </a:txBody>
+                  <a:tcPr marL="17780" marR="17780" marT="0" marB="0"/>
+                </a:tc>
+                <a:tc>
+                  <a:txBody>
+                    <a:bodyPr/>
+                    <a:lstStyle/>
+                    <a:p>
+                      <a:pPr>
+                        <a:spcAft>
+                          <a:spcPts val="0"/>
+                        </a:spcAft>
+                      </a:pPr>
+                      <a:r>
+                        <a:rPr lang="zh-TW" sz="1200" kern="100" dirty="0">
+                          <a:effectLst/>
+                        </a:rPr>
+                        <a:t>將測試案例撰寫成腳本</a:t>
+                      </a:r>
+                      <a:endParaRPr lang="zh-TW" sz="1200" kern="100" dirty="0">
+                        <a:effectLst/>
+                        <a:latin typeface="Calibri" panose="020F0502020204030204" pitchFamily="34" charset="0"/>
+                        <a:ea typeface="新細明體" panose="02020500000000000000" pitchFamily="18" charset="-120"/>
+                        <a:cs typeface="Times New Roman" panose="02020603050405020304" pitchFamily="18" charset="0"/>
+                      </a:endParaRPr>
+                    </a:p>
+                  </a:txBody>
+                  <a:tcPr marL="17780" marR="17780" marT="0" marB="0"/>
+                </a:tc>
+                <a:extLst>
+                  <a:ext uri="{0D108BD9-81ED-4DB2-BD59-A6C34878D82A}">
+                    <a16:rowId xmlns:a16="http://schemas.microsoft.com/office/drawing/2014/main" val="4108607269"/>
+                  </a:ext>
+                </a:extLst>
+              </a:tr>
+              <a:tr h="0">
+                <a:tc>
+                  <a:txBody>
+                    <a:bodyPr/>
+                    <a:lstStyle/>
+                    <a:p>
+                      <a:pPr>
+                        <a:spcAft>
+                          <a:spcPts val="0"/>
+                        </a:spcAft>
+                      </a:pPr>
+                      <a:r>
+                        <a:rPr lang="en-US" sz="1200" kern="100">
+                          <a:effectLst/>
+                        </a:rPr>
+                        <a:t>Tool Specialist</a:t>
+                      </a:r>
+                      <a:endParaRPr lang="zh-TW" sz="1200" kern="100">
+                        <a:effectLst/>
+                        <a:latin typeface="Calibri" panose="020F0502020204030204" pitchFamily="34" charset="0"/>
+                        <a:ea typeface="新細明體" panose="02020500000000000000" pitchFamily="18" charset="-120"/>
+                        <a:cs typeface="Times New Roman" panose="02020603050405020304" pitchFamily="18" charset="0"/>
+                      </a:endParaRPr>
+                    </a:p>
+                  </a:txBody>
+                  <a:tcPr marL="17780" marR="17780" marT="0" marB="0"/>
+                </a:tc>
+                <a:tc>
+                  <a:txBody>
+                    <a:bodyPr/>
+                    <a:lstStyle/>
+                    <a:p>
+                      <a:pPr>
+                        <a:spcAft>
+                          <a:spcPts val="0"/>
+                        </a:spcAft>
+                      </a:pPr>
+                      <a:r>
+                        <a:rPr lang="zh-TW" sz="1200" kern="100">
+                          <a:effectLst/>
+                        </a:rPr>
+                        <a:t>陳郁欣</a:t>
+                      </a:r>
+                      <a:endParaRPr lang="zh-TW" sz="1200" kern="100">
+                        <a:effectLst/>
+                        <a:latin typeface="Calibri" panose="020F0502020204030204" pitchFamily="34" charset="0"/>
+                        <a:ea typeface="新細明體" panose="02020500000000000000" pitchFamily="18" charset="-120"/>
+                        <a:cs typeface="Times New Roman" panose="02020603050405020304" pitchFamily="18" charset="0"/>
+                      </a:endParaRPr>
+                    </a:p>
+                  </a:txBody>
+                  <a:tcPr marL="17780" marR="17780" marT="0" marB="0"/>
+                </a:tc>
+                <a:tc>
+                  <a:txBody>
+                    <a:bodyPr/>
+                    <a:lstStyle/>
+                    <a:p>
+                      <a:pPr>
+                        <a:spcAft>
+                          <a:spcPts val="0"/>
+                        </a:spcAft>
+                      </a:pPr>
+                      <a:r>
+                        <a:rPr lang="zh-TW" sz="1200" kern="100" dirty="0">
+                          <a:effectLst/>
+                        </a:rPr>
+                        <a:t>架設</a:t>
+                      </a:r>
+                      <a:r>
+                        <a:rPr lang="en-US" sz="1200" kern="100" dirty="0" err="1">
+                          <a:effectLst/>
+                        </a:rPr>
+                        <a:t>appium</a:t>
+                      </a:r>
+                      <a:r>
+                        <a:rPr lang="zh-TW" sz="1200" kern="100" dirty="0">
+                          <a:effectLst/>
+                        </a:rPr>
+                        <a:t>環境 與</a:t>
+                      </a:r>
+                      <a:r>
+                        <a:rPr lang="en-US" sz="1200" kern="100" dirty="0">
+                          <a:effectLst/>
+                        </a:rPr>
+                        <a:t>CI</a:t>
+                      </a:r>
+                      <a:endParaRPr lang="zh-TW" sz="1200" kern="100" dirty="0">
+                        <a:effectLst/>
+                        <a:latin typeface="Calibri" panose="020F0502020204030204" pitchFamily="34" charset="0"/>
+                        <a:ea typeface="新細明體" panose="02020500000000000000" pitchFamily="18" charset="-120"/>
+                        <a:cs typeface="Times New Roman" panose="02020603050405020304" pitchFamily="18" charset="0"/>
+                      </a:endParaRPr>
+                    </a:p>
+                  </a:txBody>
+                  <a:tcPr marL="17780" marR="17780" marT="0" marB="0"/>
+                </a:tc>
+                <a:extLst>
+                  <a:ext uri="{0D108BD9-81ED-4DB2-BD59-A6C34878D82A}">
+                    <a16:rowId xmlns:a16="http://schemas.microsoft.com/office/drawing/2014/main" val="2417799240"/>
+                  </a:ext>
+                </a:extLst>
+              </a:tr>
+            </a:tbl>
+          </a:graphicData>
+        </a:graphic>
+      </p:graphicFrame>
+      <p:sp>
+        <p:nvSpPr>
+          <p:cNvPr id="5" name="文字方塊 4"/>
+          <p:cNvSpPr txBox="1"/>
+          <p:nvPr/>
+        </p:nvSpPr>
+        <p:spPr>
+          <a:xfrm>
+            <a:off x="1996301" y="1880063"/>
+            <a:ext cx="5846437" cy="738664"/>
+          </a:xfrm>
+          <a:prstGeom prst="rect">
+            <a:avLst/>
+          </a:prstGeom>
+          <a:noFill/>
+        </p:spPr>
+        <p:txBody>
+          <a:bodyPr wrap="square" rtlCol="0">
+            <a:spAutoFit/>
+          </a:bodyPr>
+          <a:lstStyle/>
+          <a:p>
+            <a:pPr lvl="0" eaLnBrk="0" fontAlgn="base" hangingPunct="0">
+              <a:spcBef>
+                <a:spcPct val="0"/>
+              </a:spcBef>
+              <a:spcAft>
+                <a:spcPct val="0"/>
+              </a:spcAft>
+              <a:buClrTx/>
+            </a:pPr>
+            <a:r>
+              <a:rPr lang="en-US" altLang="zh-TW" dirty="0">
+                <a:solidFill>
+                  <a:schemeClr val="tx1"/>
+                </a:solidFill>
+                <a:latin typeface="微軟正黑體" panose="020B0604030504040204" pitchFamily="34" charset="-120"/>
+                <a:ea typeface="微軟正黑體" panose="020B0604030504040204" pitchFamily="34" charset="-120"/>
+                <a:cs typeface="Times New Roman" panose="02020603050405020304" pitchFamily="18" charset="0"/>
+              </a:rPr>
+              <a:t>Developer </a:t>
+            </a:r>
+            <a:r>
+              <a:rPr lang="zh-TW" altLang="en-US" dirty="0">
+                <a:solidFill>
+                  <a:schemeClr val="tx1"/>
+                </a:solidFill>
+                <a:latin typeface="微軟正黑體" panose="020B0604030504040204" pitchFamily="34" charset="-120"/>
+                <a:ea typeface="微軟正黑體" panose="020B0604030504040204" pitchFamily="34" charset="-120"/>
+                <a:cs typeface="Times New Roman" panose="02020603050405020304" pitchFamily="18" charset="0"/>
+              </a:rPr>
+              <a:t>陳郁欣</a:t>
+            </a:r>
+            <a:r>
+              <a:rPr lang="en-US" altLang="zh-TW" dirty="0">
+                <a:solidFill>
+                  <a:schemeClr val="tx1"/>
+                </a:solidFill>
+                <a:latin typeface="微軟正黑體" panose="020B0604030504040204" pitchFamily="34" charset="-120"/>
+                <a:ea typeface="微軟正黑體" panose="020B0604030504040204" pitchFamily="34" charset="-120"/>
+                <a:cs typeface="Times New Roman" panose="02020603050405020304" pitchFamily="18" charset="0"/>
+              </a:rPr>
+              <a:t>, </a:t>
+            </a:r>
+            <a:r>
+              <a:rPr lang="zh-TW" altLang="en-US" dirty="0">
+                <a:solidFill>
+                  <a:schemeClr val="tx1"/>
+                </a:solidFill>
+                <a:latin typeface="微軟正黑體" panose="020B0604030504040204" pitchFamily="34" charset="-120"/>
+                <a:ea typeface="微軟正黑體" panose="020B0604030504040204" pitchFamily="34" charset="-120"/>
+                <a:cs typeface="Times New Roman" panose="02020603050405020304" pitchFamily="18" charset="0"/>
+              </a:rPr>
+              <a:t>鄭鴻仁</a:t>
+            </a:r>
+            <a:r>
+              <a:rPr lang="en-US" altLang="zh-TW" dirty="0">
+                <a:solidFill>
+                  <a:schemeClr val="tx1"/>
+                </a:solidFill>
+                <a:latin typeface="微軟正黑體" panose="020B0604030504040204" pitchFamily="34" charset="-120"/>
+                <a:ea typeface="微軟正黑體" panose="020B0604030504040204" pitchFamily="34" charset="-120"/>
+                <a:cs typeface="Times New Roman" panose="02020603050405020304" pitchFamily="18" charset="0"/>
+              </a:rPr>
+              <a:t>,</a:t>
+            </a:r>
+            <a:r>
+              <a:rPr lang="zh-TW" altLang="en-US" dirty="0">
+                <a:solidFill>
+                  <a:schemeClr val="tx1"/>
+                </a:solidFill>
+                <a:latin typeface="微軟正黑體" panose="020B0604030504040204" pitchFamily="34" charset="-120"/>
+                <a:ea typeface="微軟正黑體" panose="020B0604030504040204" pitchFamily="34" charset="-120"/>
+                <a:cs typeface="Times New Roman" panose="02020603050405020304" pitchFamily="18" charset="0"/>
+              </a:rPr>
+              <a:t>林冠璋</a:t>
+            </a:r>
+            <a:r>
+              <a:rPr lang="en-US" altLang="zh-TW" dirty="0">
+                <a:solidFill>
+                  <a:schemeClr val="tx1"/>
+                </a:solidFill>
+                <a:latin typeface="微軟正黑體" panose="020B0604030504040204" pitchFamily="34" charset="-120"/>
+                <a:ea typeface="微軟正黑體" panose="020B0604030504040204" pitchFamily="34" charset="-120"/>
+                <a:cs typeface="Times New Roman" panose="02020603050405020304" pitchFamily="18" charset="0"/>
+              </a:rPr>
+              <a:t>,</a:t>
+            </a:r>
+            <a:r>
+              <a:rPr lang="zh-TW" altLang="en-US" dirty="0">
+                <a:solidFill>
+                  <a:schemeClr val="tx1"/>
+                </a:solidFill>
+                <a:latin typeface="微軟正黑體" panose="020B0604030504040204" pitchFamily="34" charset="-120"/>
+                <a:ea typeface="微軟正黑體" panose="020B0604030504040204" pitchFamily="34" charset="-120"/>
+                <a:cs typeface="Times New Roman" panose="02020603050405020304" pitchFamily="18" charset="0"/>
+              </a:rPr>
+              <a:t>陳巧宜</a:t>
+            </a:r>
+            <a:r>
+              <a:rPr lang="en-US" altLang="zh-TW" dirty="0">
+                <a:solidFill>
+                  <a:schemeClr val="tx1"/>
+                </a:solidFill>
+                <a:latin typeface="微軟正黑體" panose="020B0604030504040204" pitchFamily="34" charset="-120"/>
+                <a:ea typeface="微軟正黑體" panose="020B0604030504040204" pitchFamily="34" charset="-120"/>
+                <a:cs typeface="Times New Roman" panose="02020603050405020304" pitchFamily="18" charset="0"/>
+              </a:rPr>
+              <a:t>,</a:t>
+            </a:r>
+            <a:r>
+              <a:rPr lang="zh-TW" altLang="en-US" dirty="0">
+                <a:solidFill>
+                  <a:schemeClr val="tx1"/>
+                </a:solidFill>
+                <a:latin typeface="微軟正黑體" panose="020B0604030504040204" pitchFamily="34" charset="-120"/>
+                <a:ea typeface="微軟正黑體" panose="020B0604030504040204" pitchFamily="34" charset="-120"/>
+                <a:cs typeface="Times New Roman" panose="02020603050405020304" pitchFamily="18" charset="0"/>
+              </a:rPr>
+              <a:t>洪子軒</a:t>
+            </a:r>
+            <a:endParaRPr lang="zh-TW" altLang="en-US" sz="700" dirty="0">
+              <a:solidFill>
+                <a:schemeClr val="tx1"/>
+              </a:solidFill>
+              <a:latin typeface="微軟正黑體" panose="020B0604030504040204" pitchFamily="34" charset="-120"/>
+              <a:ea typeface="微軟正黑體" panose="020B0604030504040204" pitchFamily="34" charset="-120"/>
+            </a:endParaRPr>
+          </a:p>
+          <a:p>
+            <a:pPr lvl="0" eaLnBrk="0" fontAlgn="base" hangingPunct="0">
+              <a:spcBef>
+                <a:spcPct val="0"/>
+              </a:spcBef>
+              <a:spcAft>
+                <a:spcPct val="0"/>
+              </a:spcAft>
+              <a:buClrTx/>
+            </a:pPr>
+            <a:r>
+              <a:rPr lang="zh-TW" altLang="en-US" dirty="0">
+                <a:solidFill>
+                  <a:schemeClr val="tx1"/>
+                </a:solidFill>
+                <a:latin typeface="微軟正黑體" panose="020B0604030504040204" pitchFamily="34" charset="-120"/>
+                <a:ea typeface="微軟正黑體" panose="020B0604030504040204" pitchFamily="34" charset="-120"/>
+                <a:cs typeface="Times New Roman" panose="02020603050405020304" pitchFamily="18" charset="0"/>
+              </a:rPr>
+              <a:t>責任</a:t>
+            </a:r>
+            <a:r>
+              <a:rPr lang="en-US" altLang="zh-TW" dirty="0">
+                <a:solidFill>
+                  <a:schemeClr val="tx1"/>
+                </a:solidFill>
+                <a:latin typeface="微軟正黑體" panose="020B0604030504040204" pitchFamily="34" charset="-120"/>
+                <a:ea typeface="微軟正黑體" panose="020B0604030504040204" pitchFamily="34" charset="-120"/>
+                <a:cs typeface="Times New Roman" panose="02020603050405020304" pitchFamily="18" charset="0"/>
+              </a:rPr>
+              <a:t>:</a:t>
+            </a:r>
+            <a:r>
+              <a:rPr lang="zh-TW" altLang="en-US" dirty="0">
+                <a:solidFill>
+                  <a:schemeClr val="tx1"/>
+                </a:solidFill>
+                <a:latin typeface="微軟正黑體" panose="020B0604030504040204" pitchFamily="34" charset="-120"/>
+                <a:ea typeface="微軟正黑體" panose="020B0604030504040204" pitchFamily="34" charset="-120"/>
+                <a:cs typeface="Times New Roman" panose="02020603050405020304" pitchFamily="18" charset="0"/>
+              </a:rPr>
+              <a:t>設計測試案例，完成測試需求。</a:t>
+            </a:r>
+            <a:endParaRPr lang="zh-TW" altLang="en-US" sz="700" dirty="0">
+              <a:solidFill>
+                <a:schemeClr val="tx1"/>
+              </a:solidFill>
+              <a:latin typeface="微軟正黑體" panose="020B0604030504040204" pitchFamily="34" charset="-120"/>
+              <a:ea typeface="微軟正黑體" panose="020B0604030504040204" pitchFamily="34" charset="-120"/>
+            </a:endParaRPr>
+          </a:p>
+          <a:p>
+            <a:endParaRPr lang="zh-TW" altLang="en-US" dirty="0"/>
+          </a:p>
+        </p:txBody>
+      </p:sp>
+    </p:spTree>
+    <p:extLst>
+      <p:ext uri="{BB962C8B-B14F-4D97-AF65-F5344CB8AC3E}">
+        <p14:creationId xmlns:p14="http://schemas.microsoft.com/office/powerpoint/2010/main" val="1047984766"/>
       </p:ext>
     </p:extLst>
   </p:cSld>
@@ -11426,11 +15095,7 @@
             </a:pPr>
             <a:r>
               <a:rPr lang="en-US" dirty="0" smtClean="0"/>
-              <a:t>2.Test </a:t>
-            </a:r>
-            <a:r>
-              <a:rPr lang="en-US" dirty="0" smtClean="0"/>
-              <a:t>Data</a:t>
+              <a:t>2.Test Data</a:t>
             </a:r>
           </a:p>
           <a:p>
@@ -11698,11 +15363,7 @@
           <a:p>
             <a:r>
               <a:rPr lang="en-US" altLang="zh-TW" dirty="0" smtClean="0"/>
-              <a:t>1.UseCase </a:t>
-            </a:r>
-            <a:r>
-              <a:rPr lang="en-US" altLang="zh-TW" dirty="0" smtClean="0"/>
-              <a:t>Diagram</a:t>
+              <a:t>1.UseCase Diagram</a:t>
             </a:r>
           </a:p>
           <a:p>
@@ -11740,11 +15401,7 @@
             </a:r>
             <a:r>
               <a:rPr lang="en-US" altLang="zh-TW" dirty="0" smtClean="0"/>
-              <a:t>    1.2</a:t>
-            </a:r>
-            <a:r>
-              <a:rPr lang="en-US" altLang="zh-TW" dirty="0" smtClean="0"/>
-              <a:t>.Category</a:t>
+              <a:t>    1.2.Category</a:t>
             </a:r>
             <a:r>
               <a:rPr lang="zh-TW" altLang="en-US" dirty="0" smtClean="0"/>
@@ -11773,7 +15430,6 @@
               <a:rPr lang="en-US" altLang="zh-TW" dirty="0" smtClean="0"/>
               <a:t>2.EdgeCoverage</a:t>
             </a:r>
-            <a:endParaRPr lang="en-US" altLang="zh-TW" dirty="0" smtClean="0"/>
           </a:p>
           <a:p>
             <a:r>
@@ -12013,7 +15669,7 @@
         </p:nvSpPr>
         <p:spPr>
           <a:xfrm>
-            <a:off x="873152" y="1931541"/>
+            <a:off x="958921" y="1725876"/>
             <a:ext cx="3883631" cy="307777"/>
           </a:xfrm>
           <a:prstGeom prst="rect">
@@ -12056,13 +15712,13 @@
           <p:nvPr>
             <p:extLst>
               <p:ext uri="{D42A27DB-BD31-4B8C-83A1-F6EECF244321}">
-                <p14:modId xmlns:p14="http://schemas.microsoft.com/office/powerpoint/2010/main" val="1870690137"/>
+                <p14:modId xmlns:p14="http://schemas.microsoft.com/office/powerpoint/2010/main" val="2474065828"/>
               </p:ext>
             </p:extLst>
           </p:nvPr>
         </p:nvGraphicFramePr>
         <p:xfrm>
-          <a:off x="969195" y="2444620"/>
+          <a:off x="958921" y="2239136"/>
           <a:ext cx="4064000" cy="3571585"/>
         </p:xfrm>
         <a:graphic>
